--- a/docs/evolutions_architectures.pptx
+++ b/docs/evolutions_architectures.pptx
@@ -40,7 +40,7 @@
       </p:grpSpPr>
       <p:sp>
         <p:nvSpPr>
-          <p:cNvPr id="82" name="PlaceHolder 1"/>
+          <p:cNvPr id="76" name="PlaceHolder 1"/>
           <p:cNvSpPr>
             <a:spLocks noGrp="1"/>
           </p:cNvSpPr>
@@ -74,7 +74,7 @@
       </p:sp>
       <p:sp>
         <p:nvSpPr>
-          <p:cNvPr id="83" name="PlaceHolder 2"/>
+          <p:cNvPr id="77" name="PlaceHolder 2"/>
           <p:cNvSpPr>
             <a:spLocks noGrp="1"/>
           </p:cNvSpPr>
@@ -108,7 +108,7 @@
       </p:sp>
       <p:sp>
         <p:nvSpPr>
-          <p:cNvPr id="84" name="PlaceHolder 3"/>
+          <p:cNvPr id="78" name="PlaceHolder 3"/>
           <p:cNvSpPr>
             <a:spLocks noGrp="1"/>
           </p:cNvSpPr>
@@ -143,7 +143,7 @@
       </p:sp>
       <p:sp>
         <p:nvSpPr>
-          <p:cNvPr id="85" name="PlaceHolder 4"/>
+          <p:cNvPr id="79" name="PlaceHolder 4"/>
           <p:cNvSpPr>
             <a:spLocks noGrp="1"/>
           </p:cNvSpPr>
@@ -177,7 +177,7 @@
       </p:sp>
       <p:sp>
         <p:nvSpPr>
-          <p:cNvPr id="86" name="PlaceHolder 5"/>
+          <p:cNvPr id="80" name="PlaceHolder 5"/>
           <p:cNvSpPr>
             <a:spLocks noGrp="1"/>
           </p:cNvSpPr>
@@ -198,7 +198,7 @@
           <a:bodyPr lIns="0" rIns="0" tIns="0" bIns="0" anchor="b"/>
           <a:p>
             <a:pPr algn="r"/>
-            <a:fld id="{468EA2E6-7460-4869-9877-67514101D4E4}" type="slidenum">
+            <a:fld id="{11281B97-B403-46FF-89A1-6AC450D60193}" type="slidenum">
               <a:rPr b="0" lang="fr-FR" sz="1400" spc="-1" strike="noStrike">
                 <a:latin typeface="Times New Roman"/>
               </a:rPr>
@@ -235,7 +235,7 @@
       </p:grpSpPr>
       <p:sp>
         <p:nvSpPr>
-          <p:cNvPr id="210" name="PlaceHolder 1"/>
+          <p:cNvPr id="204" name="PlaceHolder 1"/>
           <p:cNvSpPr>
             <a:spLocks noGrp="1"/>
           </p:cNvSpPr>
@@ -246,14 +246,14 @@
         <p:spPr>
           <a:xfrm>
             <a:off x="685800" y="4343400"/>
-            <a:ext cx="5486040" cy="4114440"/>
-          </a:xfrm>
-          <a:prstGeom prst="rect">
-            <a:avLst/>
-          </a:prstGeom>
-        </p:spPr>
-        <p:txBody>
-          <a:bodyPr/>
+            <a:ext cx="5485680" cy="4114080"/>
+          </a:xfrm>
+          <a:prstGeom prst="rect">
+            <a:avLst/>
+          </a:prstGeom>
+        </p:spPr>
+        <p:txBody>
+          <a:bodyPr lIns="0" rIns="0" tIns="0" bIns="0"/>
           <a:p>
             <a:endParaRPr b="0" lang="fr-FR" sz="2000" spc="-1" strike="noStrike">
               <a:latin typeface="Arial"/>
@@ -263,14 +263,14 @@
       </p:sp>
       <p:sp>
         <p:nvSpPr>
-          <p:cNvPr id="211" name="TextShape 2"/>
-          <p:cNvSpPr txBox="1"/>
+          <p:cNvPr id="205" name="CustomShape 2"/>
+          <p:cNvSpPr/>
           <p:nvPr/>
         </p:nvSpPr>
         <p:spPr>
           <a:xfrm>
             <a:off x="3884760" y="8685360"/>
-            <a:ext cx="2971440" cy="456840"/>
+            <a:ext cx="2971080" cy="456480"/>
           </a:xfrm>
           <a:prstGeom prst="rect">
             <a:avLst/>
@@ -280,15 +280,21 @@
             <a:noFill/>
           </a:ln>
         </p:spPr>
-        <p:txBody>
-          <a:bodyPr anchor="b"/>
+        <p:style>
+          <a:lnRef idx="0"/>
+          <a:fillRef idx="0"/>
+          <a:effectRef idx="0"/>
+          <a:fontRef idx="minor"/>
+        </p:style>
+        <p:txBody>
+          <a:bodyPr lIns="90000" rIns="90000" tIns="45000" bIns="45000" anchor="b"/>
           <a:p>
             <a:pPr algn="r">
               <a:lnSpc>
                 <a:spcPct val="100000"/>
               </a:lnSpc>
             </a:pPr>
-            <a:fld id="{524C1742-1D97-47BF-8EA5-823BF3578E09}" type="slidenum">
+            <a:fld id="{C23852D6-F8D4-4F8C-8432-B862994DBD5D}" type="slidenum">
               <a:rPr b="0" lang="fr-FR" sz="1200" spc="-1" strike="noStrike">
                 <a:solidFill>
                   <a:srgbClr val="000000"/>
@@ -299,7 +305,7 @@
               <a:t>1</a:t>
             </a:fld>
             <a:endParaRPr b="0" lang="fr-FR" sz="1200" spc="-1" strike="noStrike">
-              <a:latin typeface="Times New Roman"/>
+              <a:latin typeface="Arial"/>
             </a:endParaRPr>
           </a:p>
         </p:txBody>
@@ -328,7 +334,7 @@
       </p:grpSpPr>
       <p:sp>
         <p:nvSpPr>
-          <p:cNvPr id="212" name="PlaceHolder 1"/>
+          <p:cNvPr id="206" name="PlaceHolder 1"/>
           <p:cNvSpPr>
             <a:spLocks noGrp="1"/>
           </p:cNvSpPr>
@@ -339,14 +345,14 @@
         <p:spPr>
           <a:xfrm>
             <a:off x="685800" y="4343400"/>
-            <a:ext cx="5486040" cy="4114440"/>
-          </a:xfrm>
-          <a:prstGeom prst="rect">
-            <a:avLst/>
-          </a:prstGeom>
-        </p:spPr>
-        <p:txBody>
-          <a:bodyPr/>
+            <a:ext cx="5485680" cy="4114080"/>
+          </a:xfrm>
+          <a:prstGeom prst="rect">
+            <a:avLst/>
+          </a:prstGeom>
+        </p:spPr>
+        <p:txBody>
+          <a:bodyPr lIns="0" rIns="0" tIns="0" bIns="0"/>
           <a:p>
             <a:endParaRPr b="0" lang="fr-FR" sz="2000" spc="-1" strike="noStrike">
               <a:latin typeface="Arial"/>
@@ -356,14 +362,14 @@
       </p:sp>
       <p:sp>
         <p:nvSpPr>
-          <p:cNvPr id="213" name="TextShape 2"/>
-          <p:cNvSpPr txBox="1"/>
+          <p:cNvPr id="207" name="CustomShape 2"/>
+          <p:cNvSpPr/>
           <p:nvPr/>
         </p:nvSpPr>
         <p:spPr>
           <a:xfrm>
             <a:off x="3884760" y="8685360"/>
-            <a:ext cx="2971440" cy="456840"/>
+            <a:ext cx="2971080" cy="456480"/>
           </a:xfrm>
           <a:prstGeom prst="rect">
             <a:avLst/>
@@ -373,15 +379,21 @@
             <a:noFill/>
           </a:ln>
         </p:spPr>
-        <p:txBody>
-          <a:bodyPr anchor="b"/>
+        <p:style>
+          <a:lnRef idx="0"/>
+          <a:fillRef idx="0"/>
+          <a:effectRef idx="0"/>
+          <a:fontRef idx="minor"/>
+        </p:style>
+        <p:txBody>
+          <a:bodyPr lIns="90000" rIns="90000" tIns="45000" bIns="45000" anchor="b"/>
           <a:p>
             <a:pPr algn="r">
               <a:lnSpc>
                 <a:spcPct val="100000"/>
               </a:lnSpc>
             </a:pPr>
-            <a:fld id="{7395F335-BC0F-4888-B1BC-688F41DDE0BB}" type="slidenum">
+            <a:fld id="{AD4CB8E7-4AB6-4411-B109-EED39A405E3E}" type="slidenum">
               <a:rPr b="0" lang="fr-FR" sz="1200" spc="-1" strike="noStrike">
                 <a:solidFill>
                   <a:srgbClr val="000000"/>
@@ -392,7 +404,7 @@
               <a:t>1</a:t>
             </a:fld>
             <a:endParaRPr b="0" lang="fr-FR" sz="1200" spc="-1" strike="noStrike">
-              <a:latin typeface="Times New Roman"/>
+              <a:latin typeface="Arial"/>
             </a:endParaRPr>
           </a:p>
         </p:txBody>
@@ -421,7 +433,7 @@
       </p:grpSpPr>
       <p:sp>
         <p:nvSpPr>
-          <p:cNvPr id="214" name="PlaceHolder 1"/>
+          <p:cNvPr id="208" name="PlaceHolder 1"/>
           <p:cNvSpPr>
             <a:spLocks noGrp="1"/>
           </p:cNvSpPr>
@@ -432,14 +444,14 @@
         <p:spPr>
           <a:xfrm>
             <a:off x="685800" y="4343400"/>
-            <a:ext cx="5486040" cy="4114440"/>
-          </a:xfrm>
-          <a:prstGeom prst="rect">
-            <a:avLst/>
-          </a:prstGeom>
-        </p:spPr>
-        <p:txBody>
-          <a:bodyPr/>
+            <a:ext cx="5485680" cy="4114080"/>
+          </a:xfrm>
+          <a:prstGeom prst="rect">
+            <a:avLst/>
+          </a:prstGeom>
+        </p:spPr>
+        <p:txBody>
+          <a:bodyPr lIns="0" rIns="0" tIns="0" bIns="0"/>
           <a:p>
             <a:endParaRPr b="0" lang="fr-FR" sz="2000" spc="-1" strike="noStrike">
               <a:latin typeface="Arial"/>
@@ -449,14 +461,14 @@
       </p:sp>
       <p:sp>
         <p:nvSpPr>
-          <p:cNvPr id="215" name="TextShape 2"/>
-          <p:cNvSpPr txBox="1"/>
+          <p:cNvPr id="209" name="CustomShape 2"/>
+          <p:cNvSpPr/>
           <p:nvPr/>
         </p:nvSpPr>
         <p:spPr>
           <a:xfrm>
             <a:off x="3884760" y="8685360"/>
-            <a:ext cx="2971440" cy="456840"/>
+            <a:ext cx="2971080" cy="456480"/>
           </a:xfrm>
           <a:prstGeom prst="rect">
             <a:avLst/>
@@ -466,15 +478,21 @@
             <a:noFill/>
           </a:ln>
         </p:spPr>
-        <p:txBody>
-          <a:bodyPr anchor="b"/>
+        <p:style>
+          <a:lnRef idx="0"/>
+          <a:fillRef idx="0"/>
+          <a:effectRef idx="0"/>
+          <a:fontRef idx="minor"/>
+        </p:style>
+        <p:txBody>
+          <a:bodyPr lIns="90000" rIns="90000" tIns="45000" bIns="45000" anchor="b"/>
           <a:p>
             <a:pPr algn="r">
               <a:lnSpc>
                 <a:spcPct val="100000"/>
               </a:lnSpc>
             </a:pPr>
-            <a:fld id="{B84A0944-0DB2-46AE-9AD2-841DA8B9540E}" type="slidenum">
+            <a:fld id="{F1D94D5A-7000-4878-AB91-F05A86216D61}" type="slidenum">
               <a:rPr b="0" lang="fr-FR" sz="1200" spc="-1" strike="noStrike">
                 <a:solidFill>
                   <a:srgbClr val="000000"/>
@@ -485,7 +503,7 @@
               <a:t>1</a:t>
             </a:fld>
             <a:endParaRPr b="0" lang="fr-FR" sz="1200" spc="-1" strike="noStrike">
-              <a:latin typeface="Times New Roman"/>
+              <a:latin typeface="Arial"/>
             </a:endParaRPr>
           </a:p>
         </p:txBody>
@@ -514,7 +532,7 @@
       </p:grpSpPr>
       <p:sp>
         <p:nvSpPr>
-          <p:cNvPr id="216" name="PlaceHolder 1"/>
+          <p:cNvPr id="210" name="PlaceHolder 1"/>
           <p:cNvSpPr>
             <a:spLocks noGrp="1"/>
           </p:cNvSpPr>
@@ -525,14 +543,14 @@
         <p:spPr>
           <a:xfrm>
             <a:off x="685800" y="4343400"/>
-            <a:ext cx="5486040" cy="4114440"/>
-          </a:xfrm>
-          <a:prstGeom prst="rect">
-            <a:avLst/>
-          </a:prstGeom>
-        </p:spPr>
-        <p:txBody>
-          <a:bodyPr/>
+            <a:ext cx="5485680" cy="4114080"/>
+          </a:xfrm>
+          <a:prstGeom prst="rect">
+            <a:avLst/>
+          </a:prstGeom>
+        </p:spPr>
+        <p:txBody>
+          <a:bodyPr lIns="0" rIns="0" tIns="0" bIns="0"/>
           <a:p>
             <a:endParaRPr b="0" lang="fr-FR" sz="2000" spc="-1" strike="noStrike">
               <a:latin typeface="Arial"/>
@@ -542,14 +560,14 @@
       </p:sp>
       <p:sp>
         <p:nvSpPr>
-          <p:cNvPr id="217" name="TextShape 2"/>
-          <p:cNvSpPr txBox="1"/>
+          <p:cNvPr id="211" name="CustomShape 2"/>
+          <p:cNvSpPr/>
           <p:nvPr/>
         </p:nvSpPr>
         <p:spPr>
           <a:xfrm>
             <a:off x="3884760" y="8685360"/>
-            <a:ext cx="2971440" cy="456840"/>
+            <a:ext cx="2971080" cy="456480"/>
           </a:xfrm>
           <a:prstGeom prst="rect">
             <a:avLst/>
@@ -559,15 +577,21 @@
             <a:noFill/>
           </a:ln>
         </p:spPr>
-        <p:txBody>
-          <a:bodyPr anchor="b"/>
+        <p:style>
+          <a:lnRef idx="0"/>
+          <a:fillRef idx="0"/>
+          <a:effectRef idx="0"/>
+          <a:fontRef idx="minor"/>
+        </p:style>
+        <p:txBody>
+          <a:bodyPr lIns="90000" rIns="90000" tIns="45000" bIns="45000" anchor="b"/>
           <a:p>
             <a:pPr algn="r">
               <a:lnSpc>
                 <a:spcPct val="100000"/>
               </a:lnSpc>
             </a:pPr>
-            <a:fld id="{817AD42B-9C7F-428A-9A4C-FC7EE9E4A1F3}" type="slidenum">
+            <a:fld id="{E807F0D7-0062-44FE-927A-2526B043B23A}" type="slidenum">
               <a:rPr b="0" lang="fr-FR" sz="1200" spc="-1" strike="noStrike">
                 <a:solidFill>
                   <a:srgbClr val="000000"/>
@@ -575,10 +599,10 @@
                 <a:latin typeface="+mn-lt"/>
                 <a:ea typeface="+mn-ea"/>
               </a:rPr>
-              <a:t>1</a:t>
+              <a:t>&lt;numéro&gt;</a:t>
             </a:fld>
             <a:endParaRPr b="0" lang="fr-FR" sz="1200" spc="-1" strike="noStrike">
-              <a:latin typeface="Times New Roman"/>
+              <a:latin typeface="Arial"/>
             </a:endParaRPr>
           </a:p>
         </p:txBody>
@@ -607,7 +631,7 @@
       </p:grpSpPr>
       <p:sp>
         <p:nvSpPr>
-          <p:cNvPr id="218" name="PlaceHolder 1"/>
+          <p:cNvPr id="212" name="PlaceHolder 1"/>
           <p:cNvSpPr>
             <a:spLocks noGrp="1"/>
           </p:cNvSpPr>
@@ -618,14 +642,14 @@
         <p:spPr>
           <a:xfrm>
             <a:off x="685800" y="4343400"/>
-            <a:ext cx="5486040" cy="4114440"/>
-          </a:xfrm>
-          <a:prstGeom prst="rect">
-            <a:avLst/>
-          </a:prstGeom>
-        </p:spPr>
-        <p:txBody>
-          <a:bodyPr/>
+            <a:ext cx="5485680" cy="4114080"/>
+          </a:xfrm>
+          <a:prstGeom prst="rect">
+            <a:avLst/>
+          </a:prstGeom>
+        </p:spPr>
+        <p:txBody>
+          <a:bodyPr lIns="0" rIns="0" tIns="0" bIns="0"/>
           <a:p>
             <a:endParaRPr b="0" lang="fr-FR" sz="2000" spc="-1" strike="noStrike">
               <a:latin typeface="Arial"/>
@@ -635,14 +659,14 @@
       </p:sp>
       <p:sp>
         <p:nvSpPr>
-          <p:cNvPr id="219" name="TextShape 2"/>
-          <p:cNvSpPr txBox="1"/>
+          <p:cNvPr id="213" name="CustomShape 2"/>
+          <p:cNvSpPr/>
           <p:nvPr/>
         </p:nvSpPr>
         <p:spPr>
           <a:xfrm>
             <a:off x="3884760" y="8685360"/>
-            <a:ext cx="2971440" cy="456840"/>
+            <a:ext cx="2971080" cy="456480"/>
           </a:xfrm>
           <a:prstGeom prst="rect">
             <a:avLst/>
@@ -652,15 +676,21 @@
             <a:noFill/>
           </a:ln>
         </p:spPr>
-        <p:txBody>
-          <a:bodyPr anchor="b"/>
+        <p:style>
+          <a:lnRef idx="0"/>
+          <a:fillRef idx="0"/>
+          <a:effectRef idx="0"/>
+          <a:fontRef idx="minor"/>
+        </p:style>
+        <p:txBody>
+          <a:bodyPr lIns="90000" rIns="90000" tIns="45000" bIns="45000" anchor="b"/>
           <a:p>
             <a:pPr algn="r">
               <a:lnSpc>
                 <a:spcPct val="100000"/>
               </a:lnSpc>
             </a:pPr>
-            <a:fld id="{4C0CFFDB-855F-44C7-BFE5-B31A90744CAB}" type="slidenum">
+            <a:fld id="{9B46AC75-626E-495F-B98F-1D85DC2B4025}" type="slidenum">
               <a:rPr b="0" lang="fr-FR" sz="1200" spc="-1" strike="noStrike">
                 <a:solidFill>
                   <a:srgbClr val="000000"/>
@@ -668,10 +698,10 @@
                 <a:latin typeface="+mn-lt"/>
                 <a:ea typeface="+mn-ea"/>
               </a:rPr>
-              <a:t>1</a:t>
+              <a:t>&lt;numéro&gt;</a:t>
             </a:fld>
             <a:endParaRPr b="0" lang="fr-FR" sz="1200" spc="-1" strike="noStrike">
-              <a:latin typeface="Times New Roman"/>
+              <a:latin typeface="Arial"/>
             </a:endParaRPr>
           </a:p>
         </p:txBody>
@@ -722,7 +752,7 @@
       </p:grpSpPr>
       <p:sp>
         <p:nvSpPr>
-          <p:cNvPr id="26" name="PlaceHolder 1"/>
+          <p:cNvPr id="23" name="PlaceHolder 1"/>
           <p:cNvSpPr>
             <a:spLocks noGrp="1"/>
           </p:cNvSpPr>
@@ -732,8 +762,8 @@
         </p:nvSpPr>
         <p:spPr>
           <a:xfrm>
-            <a:off x="457200" y="274680"/>
-            <a:ext cx="8229240" cy="1142640"/>
+            <a:off x="457200" y="273600"/>
+            <a:ext cx="8229240" cy="1144800"/>
           </a:xfrm>
           <a:prstGeom prst="rect">
             <a:avLst/>
@@ -742,18 +772,16 @@
         <p:txBody>
           <a:bodyPr lIns="0" rIns="0" tIns="0" bIns="0" anchor="ctr"/>
           <a:p>
-            <a:endParaRPr b="0" lang="fr-FR" sz="1800" spc="-1" strike="noStrike">
-              <a:solidFill>
-                <a:srgbClr val="000000"/>
-              </a:solidFill>
-              <a:latin typeface="Calibri"/>
-            </a:endParaRPr>
-          </a:p>
-        </p:txBody>
-      </p:sp>
-      <p:sp>
-        <p:nvSpPr>
-          <p:cNvPr id="27" name="PlaceHolder 2"/>
+            <a:pPr algn="ctr"/>
+            <a:endParaRPr b="0" lang="fr-FR" sz="4400" spc="-1" strike="noStrike">
+              <a:latin typeface="Arial"/>
+            </a:endParaRPr>
+          </a:p>
+        </p:txBody>
+      </p:sp>
+      <p:sp>
+        <p:nvSpPr>
+          <p:cNvPr id="24" name="PlaceHolder 2"/>
           <p:cNvSpPr>
             <a:spLocks noGrp="1"/>
           </p:cNvSpPr>
@@ -763,8 +791,8 @@
         </p:nvSpPr>
         <p:spPr>
           <a:xfrm>
-            <a:off x="457200" y="1600200"/>
-            <a:ext cx="8229240" cy="2158560"/>
+            <a:off x="457200" y="1604520"/>
+            <a:ext cx="8229240" cy="1896840"/>
           </a:xfrm>
           <a:prstGeom prst="rect">
             <a:avLst/>
@@ -776,17 +804,14 @@
           </a:bodyPr>
           <a:p>
             <a:endParaRPr b="0" lang="fr-FR" sz="3200" spc="-1" strike="noStrike">
-              <a:solidFill>
-                <a:srgbClr val="000000"/>
-              </a:solidFill>
-              <a:latin typeface="Calibri"/>
-            </a:endParaRPr>
-          </a:p>
-        </p:txBody>
-      </p:sp>
-      <p:sp>
-        <p:nvSpPr>
-          <p:cNvPr id="28" name="PlaceHolder 3"/>
+              <a:latin typeface="Arial"/>
+            </a:endParaRPr>
+          </a:p>
+        </p:txBody>
+      </p:sp>
+      <p:sp>
+        <p:nvSpPr>
+          <p:cNvPr id="25" name="PlaceHolder 3"/>
           <p:cNvSpPr>
             <a:spLocks noGrp="1"/>
           </p:cNvSpPr>
@@ -796,8 +821,8 @@
         </p:nvSpPr>
         <p:spPr>
           <a:xfrm>
-            <a:off x="457200" y="3964320"/>
-            <a:ext cx="8229240" cy="2158560"/>
+            <a:off x="457200" y="3682080"/>
+            <a:ext cx="8229240" cy="1896840"/>
           </a:xfrm>
           <a:prstGeom prst="rect">
             <a:avLst/>
@@ -809,10 +834,7 @@
           </a:bodyPr>
           <a:p>
             <a:endParaRPr b="0" lang="fr-FR" sz="3200" spc="-1" strike="noStrike">
-              <a:solidFill>
-                <a:srgbClr val="000000"/>
-              </a:solidFill>
-              <a:latin typeface="Calibri"/>
+              <a:latin typeface="Arial"/>
             </a:endParaRPr>
           </a:p>
         </p:txBody>
@@ -841,7 +863,7 @@
       </p:grpSpPr>
       <p:sp>
         <p:nvSpPr>
-          <p:cNvPr id="29" name="PlaceHolder 1"/>
+          <p:cNvPr id="26" name="PlaceHolder 1"/>
           <p:cNvSpPr>
             <a:spLocks noGrp="1"/>
           </p:cNvSpPr>
@@ -851,8 +873,8 @@
         </p:nvSpPr>
         <p:spPr>
           <a:xfrm>
-            <a:off x="457200" y="274680"/>
-            <a:ext cx="8229240" cy="1142640"/>
+            <a:off x="457200" y="273600"/>
+            <a:ext cx="8229240" cy="1144800"/>
           </a:xfrm>
           <a:prstGeom prst="rect">
             <a:avLst/>
@@ -861,18 +883,16 @@
         <p:txBody>
           <a:bodyPr lIns="0" rIns="0" tIns="0" bIns="0" anchor="ctr"/>
           <a:p>
-            <a:endParaRPr b="0" lang="fr-FR" sz="1800" spc="-1" strike="noStrike">
-              <a:solidFill>
-                <a:srgbClr val="000000"/>
-              </a:solidFill>
-              <a:latin typeface="Calibri"/>
-            </a:endParaRPr>
-          </a:p>
-        </p:txBody>
-      </p:sp>
-      <p:sp>
-        <p:nvSpPr>
-          <p:cNvPr id="30" name="PlaceHolder 2"/>
+            <a:pPr algn="ctr"/>
+            <a:endParaRPr b="0" lang="fr-FR" sz="4400" spc="-1" strike="noStrike">
+              <a:latin typeface="Arial"/>
+            </a:endParaRPr>
+          </a:p>
+        </p:txBody>
+      </p:sp>
+      <p:sp>
+        <p:nvSpPr>
+          <p:cNvPr id="27" name="PlaceHolder 2"/>
           <p:cNvSpPr>
             <a:spLocks noGrp="1"/>
           </p:cNvSpPr>
@@ -882,8 +902,8 @@
         </p:nvSpPr>
         <p:spPr>
           <a:xfrm>
-            <a:off x="457200" y="1600200"/>
-            <a:ext cx="4015800" cy="2158560"/>
+            <a:off x="457200" y="1604520"/>
+            <a:ext cx="4015800" cy="1896840"/>
           </a:xfrm>
           <a:prstGeom prst="rect">
             <a:avLst/>
@@ -895,17 +915,14 @@
           </a:bodyPr>
           <a:p>
             <a:endParaRPr b="0" lang="fr-FR" sz="3200" spc="-1" strike="noStrike">
-              <a:solidFill>
-                <a:srgbClr val="000000"/>
-              </a:solidFill>
-              <a:latin typeface="Calibri"/>
-            </a:endParaRPr>
-          </a:p>
-        </p:txBody>
-      </p:sp>
-      <p:sp>
-        <p:nvSpPr>
-          <p:cNvPr id="31" name="PlaceHolder 3"/>
+              <a:latin typeface="Arial"/>
+            </a:endParaRPr>
+          </a:p>
+        </p:txBody>
+      </p:sp>
+      <p:sp>
+        <p:nvSpPr>
+          <p:cNvPr id="28" name="PlaceHolder 3"/>
           <p:cNvSpPr>
             <a:spLocks noGrp="1"/>
           </p:cNvSpPr>
@@ -915,8 +932,8 @@
         </p:nvSpPr>
         <p:spPr>
           <a:xfrm>
-            <a:off x="4674240" y="1600200"/>
-            <a:ext cx="4015800" cy="2158560"/>
+            <a:off x="4674240" y="1604520"/>
+            <a:ext cx="4015800" cy="1896840"/>
           </a:xfrm>
           <a:prstGeom prst="rect">
             <a:avLst/>
@@ -928,17 +945,14 @@
           </a:bodyPr>
           <a:p>
             <a:endParaRPr b="0" lang="fr-FR" sz="3200" spc="-1" strike="noStrike">
-              <a:solidFill>
-                <a:srgbClr val="000000"/>
-              </a:solidFill>
-              <a:latin typeface="Calibri"/>
-            </a:endParaRPr>
-          </a:p>
-        </p:txBody>
-      </p:sp>
-      <p:sp>
-        <p:nvSpPr>
-          <p:cNvPr id="32" name="PlaceHolder 4"/>
+              <a:latin typeface="Arial"/>
+            </a:endParaRPr>
+          </a:p>
+        </p:txBody>
+      </p:sp>
+      <p:sp>
+        <p:nvSpPr>
+          <p:cNvPr id="29" name="PlaceHolder 4"/>
           <p:cNvSpPr>
             <a:spLocks noGrp="1"/>
           </p:cNvSpPr>
@@ -948,8 +962,8 @@
         </p:nvSpPr>
         <p:spPr>
           <a:xfrm>
-            <a:off x="4674240" y="3964320"/>
-            <a:ext cx="4015800" cy="2158560"/>
+            <a:off x="4674240" y="3682080"/>
+            <a:ext cx="4015800" cy="1896840"/>
           </a:xfrm>
           <a:prstGeom prst="rect">
             <a:avLst/>
@@ -961,17 +975,14 @@
           </a:bodyPr>
           <a:p>
             <a:endParaRPr b="0" lang="fr-FR" sz="3200" spc="-1" strike="noStrike">
-              <a:solidFill>
-                <a:srgbClr val="000000"/>
-              </a:solidFill>
-              <a:latin typeface="Calibri"/>
-            </a:endParaRPr>
-          </a:p>
-        </p:txBody>
-      </p:sp>
-      <p:sp>
-        <p:nvSpPr>
-          <p:cNvPr id="33" name="PlaceHolder 5"/>
+              <a:latin typeface="Arial"/>
+            </a:endParaRPr>
+          </a:p>
+        </p:txBody>
+      </p:sp>
+      <p:sp>
+        <p:nvSpPr>
+          <p:cNvPr id="30" name="PlaceHolder 5"/>
           <p:cNvSpPr>
             <a:spLocks noGrp="1"/>
           </p:cNvSpPr>
@@ -981,8 +992,8 @@
         </p:nvSpPr>
         <p:spPr>
           <a:xfrm>
-            <a:off x="457200" y="3964320"/>
-            <a:ext cx="4015800" cy="2158560"/>
+            <a:off x="457200" y="3682080"/>
+            <a:ext cx="4015800" cy="1896840"/>
           </a:xfrm>
           <a:prstGeom prst="rect">
             <a:avLst/>
@@ -994,10 +1005,7 @@
           </a:bodyPr>
           <a:p>
             <a:endParaRPr b="0" lang="fr-FR" sz="3200" spc="-1" strike="noStrike">
-              <a:solidFill>
-                <a:srgbClr val="000000"/>
-              </a:solidFill>
-              <a:latin typeface="Calibri"/>
+              <a:latin typeface="Arial"/>
             </a:endParaRPr>
           </a:p>
         </p:txBody>
@@ -1026,7 +1034,7 @@
       </p:grpSpPr>
       <p:sp>
         <p:nvSpPr>
-          <p:cNvPr id="34" name="PlaceHolder 1"/>
+          <p:cNvPr id="31" name="PlaceHolder 1"/>
           <p:cNvSpPr>
             <a:spLocks noGrp="1"/>
           </p:cNvSpPr>
@@ -1036,8 +1044,8 @@
         </p:nvSpPr>
         <p:spPr>
           <a:xfrm>
-            <a:off x="457200" y="274680"/>
-            <a:ext cx="8229240" cy="1142640"/>
+            <a:off x="457200" y="273600"/>
+            <a:ext cx="8229240" cy="1144800"/>
           </a:xfrm>
           <a:prstGeom prst="rect">
             <a:avLst/>
@@ -1046,18 +1054,16 @@
         <p:txBody>
           <a:bodyPr lIns="0" rIns="0" tIns="0" bIns="0" anchor="ctr"/>
           <a:p>
-            <a:endParaRPr b="0" lang="fr-FR" sz="1800" spc="-1" strike="noStrike">
-              <a:solidFill>
-                <a:srgbClr val="000000"/>
-              </a:solidFill>
-              <a:latin typeface="Calibri"/>
-            </a:endParaRPr>
-          </a:p>
-        </p:txBody>
-      </p:sp>
-      <p:sp>
-        <p:nvSpPr>
-          <p:cNvPr id="35" name="PlaceHolder 2"/>
+            <a:pPr algn="ctr"/>
+            <a:endParaRPr b="0" lang="fr-FR" sz="4400" spc="-1" strike="noStrike">
+              <a:latin typeface="Arial"/>
+            </a:endParaRPr>
+          </a:p>
+        </p:txBody>
+      </p:sp>
+      <p:sp>
+        <p:nvSpPr>
+          <p:cNvPr id="32" name="PlaceHolder 2"/>
           <p:cNvSpPr>
             <a:spLocks noGrp="1"/>
           </p:cNvSpPr>
@@ -1067,8 +1073,8 @@
         </p:nvSpPr>
         <p:spPr>
           <a:xfrm>
-            <a:off x="457200" y="1600200"/>
-            <a:ext cx="2649600" cy="2158560"/>
+            <a:off x="457200" y="1604520"/>
+            <a:ext cx="2649600" cy="1896840"/>
           </a:xfrm>
           <a:prstGeom prst="rect">
             <a:avLst/>
@@ -1080,17 +1086,14 @@
           </a:bodyPr>
           <a:p>
             <a:endParaRPr b="0" lang="fr-FR" sz="3200" spc="-1" strike="noStrike">
-              <a:solidFill>
-                <a:srgbClr val="000000"/>
-              </a:solidFill>
-              <a:latin typeface="Calibri"/>
-            </a:endParaRPr>
-          </a:p>
-        </p:txBody>
-      </p:sp>
-      <p:sp>
-        <p:nvSpPr>
-          <p:cNvPr id="36" name="PlaceHolder 3"/>
+              <a:latin typeface="Arial"/>
+            </a:endParaRPr>
+          </a:p>
+        </p:txBody>
+      </p:sp>
+      <p:sp>
+        <p:nvSpPr>
+          <p:cNvPr id="33" name="PlaceHolder 3"/>
           <p:cNvSpPr>
             <a:spLocks noGrp="1"/>
           </p:cNvSpPr>
@@ -1100,8 +1103,8 @@
         </p:nvSpPr>
         <p:spPr>
           <a:xfrm>
-            <a:off x="3239640" y="1600200"/>
-            <a:ext cx="2649600" cy="2158560"/>
+            <a:off x="3239640" y="1604520"/>
+            <a:ext cx="2649600" cy="1896840"/>
           </a:xfrm>
           <a:prstGeom prst="rect">
             <a:avLst/>
@@ -1113,17 +1116,14 @@
           </a:bodyPr>
           <a:p>
             <a:endParaRPr b="0" lang="fr-FR" sz="3200" spc="-1" strike="noStrike">
-              <a:solidFill>
-                <a:srgbClr val="000000"/>
-              </a:solidFill>
-              <a:latin typeface="Calibri"/>
-            </a:endParaRPr>
-          </a:p>
-        </p:txBody>
-      </p:sp>
-      <p:sp>
-        <p:nvSpPr>
-          <p:cNvPr id="37" name="PlaceHolder 4"/>
+              <a:latin typeface="Arial"/>
+            </a:endParaRPr>
+          </a:p>
+        </p:txBody>
+      </p:sp>
+      <p:sp>
+        <p:nvSpPr>
+          <p:cNvPr id="34" name="PlaceHolder 4"/>
           <p:cNvSpPr>
             <a:spLocks noGrp="1"/>
           </p:cNvSpPr>
@@ -1133,8 +1133,8 @@
         </p:nvSpPr>
         <p:spPr>
           <a:xfrm>
-            <a:off x="6022080" y="1600200"/>
-            <a:ext cx="2649600" cy="2158560"/>
+            <a:off x="6022080" y="1604520"/>
+            <a:ext cx="2649600" cy="1896840"/>
           </a:xfrm>
           <a:prstGeom prst="rect">
             <a:avLst/>
@@ -1146,17 +1146,14 @@
           </a:bodyPr>
           <a:p>
             <a:endParaRPr b="0" lang="fr-FR" sz="3200" spc="-1" strike="noStrike">
-              <a:solidFill>
-                <a:srgbClr val="000000"/>
-              </a:solidFill>
-              <a:latin typeface="Calibri"/>
-            </a:endParaRPr>
-          </a:p>
-        </p:txBody>
-      </p:sp>
-      <p:sp>
-        <p:nvSpPr>
-          <p:cNvPr id="38" name="PlaceHolder 5"/>
+              <a:latin typeface="Arial"/>
+            </a:endParaRPr>
+          </a:p>
+        </p:txBody>
+      </p:sp>
+      <p:sp>
+        <p:nvSpPr>
+          <p:cNvPr id="35" name="PlaceHolder 5"/>
           <p:cNvSpPr>
             <a:spLocks noGrp="1"/>
           </p:cNvSpPr>
@@ -1166,8 +1163,8 @@
         </p:nvSpPr>
         <p:spPr>
           <a:xfrm>
-            <a:off x="6022080" y="3964320"/>
-            <a:ext cx="2649600" cy="2158560"/>
+            <a:off x="6022080" y="3682080"/>
+            <a:ext cx="2649600" cy="1896840"/>
           </a:xfrm>
           <a:prstGeom prst="rect">
             <a:avLst/>
@@ -1179,17 +1176,14 @@
           </a:bodyPr>
           <a:p>
             <a:endParaRPr b="0" lang="fr-FR" sz="3200" spc="-1" strike="noStrike">
-              <a:solidFill>
-                <a:srgbClr val="000000"/>
-              </a:solidFill>
-              <a:latin typeface="Calibri"/>
-            </a:endParaRPr>
-          </a:p>
-        </p:txBody>
-      </p:sp>
-      <p:sp>
-        <p:nvSpPr>
-          <p:cNvPr id="39" name="PlaceHolder 6"/>
+              <a:latin typeface="Arial"/>
+            </a:endParaRPr>
+          </a:p>
+        </p:txBody>
+      </p:sp>
+      <p:sp>
+        <p:nvSpPr>
+          <p:cNvPr id="36" name="PlaceHolder 6"/>
           <p:cNvSpPr>
             <a:spLocks noGrp="1"/>
           </p:cNvSpPr>
@@ -1199,8 +1193,8 @@
         </p:nvSpPr>
         <p:spPr>
           <a:xfrm>
-            <a:off x="3239640" y="3964320"/>
-            <a:ext cx="2649600" cy="2158560"/>
+            <a:off x="3239640" y="3682080"/>
+            <a:ext cx="2649600" cy="1896840"/>
           </a:xfrm>
           <a:prstGeom prst="rect">
             <a:avLst/>
@@ -1212,17 +1206,14 @@
           </a:bodyPr>
           <a:p>
             <a:endParaRPr b="0" lang="fr-FR" sz="3200" spc="-1" strike="noStrike">
-              <a:solidFill>
-                <a:srgbClr val="000000"/>
-              </a:solidFill>
-              <a:latin typeface="Calibri"/>
-            </a:endParaRPr>
-          </a:p>
-        </p:txBody>
-      </p:sp>
-      <p:sp>
-        <p:nvSpPr>
-          <p:cNvPr id="40" name="PlaceHolder 7"/>
+              <a:latin typeface="Arial"/>
+            </a:endParaRPr>
+          </a:p>
+        </p:txBody>
+      </p:sp>
+      <p:sp>
+        <p:nvSpPr>
+          <p:cNvPr id="37" name="PlaceHolder 7"/>
           <p:cNvSpPr>
             <a:spLocks noGrp="1"/>
           </p:cNvSpPr>
@@ -1232,8 +1223,8 @@
         </p:nvSpPr>
         <p:spPr>
           <a:xfrm>
-            <a:off x="457200" y="3964320"/>
-            <a:ext cx="2649600" cy="2158560"/>
+            <a:off x="457200" y="3682080"/>
+            <a:ext cx="2649600" cy="1896840"/>
           </a:xfrm>
           <a:prstGeom prst="rect">
             <a:avLst/>
@@ -1245,10 +1236,7 @@
           </a:bodyPr>
           <a:p>
             <a:endParaRPr b="0" lang="fr-FR" sz="3200" spc="-1" strike="noStrike">
-              <a:solidFill>
-                <a:srgbClr val="000000"/>
-              </a:solidFill>
-              <a:latin typeface="Calibri"/>
+              <a:latin typeface="Arial"/>
             </a:endParaRPr>
           </a:p>
         </p:txBody>
@@ -1299,7 +1287,7 @@
       </p:grpSpPr>
       <p:sp>
         <p:nvSpPr>
-          <p:cNvPr id="46" name="PlaceHolder 1"/>
+          <p:cNvPr id="40" name="PlaceHolder 1"/>
           <p:cNvSpPr>
             <a:spLocks noGrp="1"/>
           </p:cNvSpPr>
@@ -1309,8 +1297,8 @@
         </p:nvSpPr>
         <p:spPr>
           <a:xfrm>
-            <a:off x="457200" y="274680"/>
-            <a:ext cx="8229240" cy="1142640"/>
+            <a:off x="457200" y="273600"/>
+            <a:ext cx="8229240" cy="1144800"/>
           </a:xfrm>
           <a:prstGeom prst="rect">
             <a:avLst/>
@@ -1319,18 +1307,16 @@
         <p:txBody>
           <a:bodyPr lIns="0" rIns="0" tIns="0" bIns="0" anchor="ctr"/>
           <a:p>
-            <a:endParaRPr b="0" lang="fr-FR" sz="1800" spc="-1" strike="noStrike">
-              <a:solidFill>
-                <a:srgbClr val="000000"/>
-              </a:solidFill>
-              <a:latin typeface="Calibri"/>
-            </a:endParaRPr>
-          </a:p>
-        </p:txBody>
-      </p:sp>
-      <p:sp>
-        <p:nvSpPr>
-          <p:cNvPr id="47" name="PlaceHolder 2"/>
+            <a:pPr algn="ctr"/>
+            <a:endParaRPr b="0" lang="fr-FR" sz="4400" spc="-1" strike="noStrike">
+              <a:latin typeface="Arial"/>
+            </a:endParaRPr>
+          </a:p>
+        </p:txBody>
+      </p:sp>
+      <p:sp>
+        <p:nvSpPr>
+          <p:cNvPr id="41" name="PlaceHolder 2"/>
           <p:cNvSpPr>
             <a:spLocks noGrp="1"/>
           </p:cNvSpPr>
@@ -1340,8 +1326,8 @@
         </p:nvSpPr>
         <p:spPr>
           <a:xfrm>
-            <a:off x="457200" y="1600200"/>
-            <a:ext cx="8229240" cy="4525560"/>
+            <a:off x="457200" y="1604520"/>
+            <a:ext cx="8229240" cy="3977280"/>
           </a:xfrm>
           <a:prstGeom prst="rect">
             <a:avLst/>
@@ -1381,7 +1367,7 @@
       </p:grpSpPr>
       <p:sp>
         <p:nvSpPr>
-          <p:cNvPr id="48" name="PlaceHolder 1"/>
+          <p:cNvPr id="42" name="PlaceHolder 1"/>
           <p:cNvSpPr>
             <a:spLocks noGrp="1"/>
           </p:cNvSpPr>
@@ -1391,8 +1377,8 @@
         </p:nvSpPr>
         <p:spPr>
           <a:xfrm>
-            <a:off x="457200" y="274680"/>
-            <a:ext cx="8229240" cy="1142640"/>
+            <a:off x="457200" y="273600"/>
+            <a:ext cx="8229240" cy="1144800"/>
           </a:xfrm>
           <a:prstGeom prst="rect">
             <a:avLst/>
@@ -1401,18 +1387,16 @@
         <p:txBody>
           <a:bodyPr lIns="0" rIns="0" tIns="0" bIns="0" anchor="ctr"/>
           <a:p>
-            <a:endParaRPr b="0" lang="fr-FR" sz="1800" spc="-1" strike="noStrike">
-              <a:solidFill>
-                <a:srgbClr val="000000"/>
-              </a:solidFill>
-              <a:latin typeface="Calibri"/>
-            </a:endParaRPr>
-          </a:p>
-        </p:txBody>
-      </p:sp>
-      <p:sp>
-        <p:nvSpPr>
-          <p:cNvPr id="49" name="PlaceHolder 2"/>
+            <a:pPr algn="ctr"/>
+            <a:endParaRPr b="0" lang="fr-FR" sz="4400" spc="-1" strike="noStrike">
+              <a:latin typeface="Arial"/>
+            </a:endParaRPr>
+          </a:p>
+        </p:txBody>
+      </p:sp>
+      <p:sp>
+        <p:nvSpPr>
+          <p:cNvPr id="43" name="PlaceHolder 2"/>
           <p:cNvSpPr>
             <a:spLocks noGrp="1"/>
           </p:cNvSpPr>
@@ -1422,8 +1406,8 @@
         </p:nvSpPr>
         <p:spPr>
           <a:xfrm>
-            <a:off x="457200" y="1600200"/>
-            <a:ext cx="8229240" cy="4525560"/>
+            <a:off x="457200" y="1604520"/>
+            <a:ext cx="8229240" cy="3977280"/>
           </a:xfrm>
           <a:prstGeom prst="rect">
             <a:avLst/>
@@ -1435,10 +1419,7 @@
           </a:bodyPr>
           <a:p>
             <a:endParaRPr b="0" lang="fr-FR" sz="3200" spc="-1" strike="noStrike">
-              <a:solidFill>
-                <a:srgbClr val="000000"/>
-              </a:solidFill>
-              <a:latin typeface="Calibri"/>
+              <a:latin typeface="Arial"/>
             </a:endParaRPr>
           </a:p>
         </p:txBody>
@@ -1467,7 +1448,7 @@
       </p:grpSpPr>
       <p:sp>
         <p:nvSpPr>
-          <p:cNvPr id="50" name="PlaceHolder 1"/>
+          <p:cNvPr id="44" name="PlaceHolder 1"/>
           <p:cNvSpPr>
             <a:spLocks noGrp="1"/>
           </p:cNvSpPr>
@@ -1477,8 +1458,8 @@
         </p:nvSpPr>
         <p:spPr>
           <a:xfrm>
-            <a:off x="457200" y="274680"/>
-            <a:ext cx="8229240" cy="1142640"/>
+            <a:off x="457200" y="273600"/>
+            <a:ext cx="8229240" cy="1144800"/>
           </a:xfrm>
           <a:prstGeom prst="rect">
             <a:avLst/>
@@ -1487,18 +1468,16 @@
         <p:txBody>
           <a:bodyPr lIns="0" rIns="0" tIns="0" bIns="0" anchor="ctr"/>
           <a:p>
-            <a:endParaRPr b="0" lang="fr-FR" sz="1800" spc="-1" strike="noStrike">
-              <a:solidFill>
-                <a:srgbClr val="000000"/>
-              </a:solidFill>
-              <a:latin typeface="Calibri"/>
-            </a:endParaRPr>
-          </a:p>
-        </p:txBody>
-      </p:sp>
-      <p:sp>
-        <p:nvSpPr>
-          <p:cNvPr id="51" name="PlaceHolder 2"/>
+            <a:pPr algn="ctr"/>
+            <a:endParaRPr b="0" lang="fr-FR" sz="4400" spc="-1" strike="noStrike">
+              <a:latin typeface="Arial"/>
+            </a:endParaRPr>
+          </a:p>
+        </p:txBody>
+      </p:sp>
+      <p:sp>
+        <p:nvSpPr>
+          <p:cNvPr id="45" name="PlaceHolder 2"/>
           <p:cNvSpPr>
             <a:spLocks noGrp="1"/>
           </p:cNvSpPr>
@@ -1508,8 +1487,8 @@
         </p:nvSpPr>
         <p:spPr>
           <a:xfrm>
-            <a:off x="457200" y="1600200"/>
-            <a:ext cx="4015800" cy="4525560"/>
+            <a:off x="457200" y="1604520"/>
+            <a:ext cx="4015800" cy="3977280"/>
           </a:xfrm>
           <a:prstGeom prst="rect">
             <a:avLst/>
@@ -1521,17 +1500,14 @@
           </a:bodyPr>
           <a:p>
             <a:endParaRPr b="0" lang="fr-FR" sz="3200" spc="-1" strike="noStrike">
-              <a:solidFill>
-                <a:srgbClr val="000000"/>
-              </a:solidFill>
-              <a:latin typeface="Calibri"/>
-            </a:endParaRPr>
-          </a:p>
-        </p:txBody>
-      </p:sp>
-      <p:sp>
-        <p:nvSpPr>
-          <p:cNvPr id="52" name="PlaceHolder 3"/>
+              <a:latin typeface="Arial"/>
+            </a:endParaRPr>
+          </a:p>
+        </p:txBody>
+      </p:sp>
+      <p:sp>
+        <p:nvSpPr>
+          <p:cNvPr id="46" name="PlaceHolder 3"/>
           <p:cNvSpPr>
             <a:spLocks noGrp="1"/>
           </p:cNvSpPr>
@@ -1541,8 +1517,8 @@
         </p:nvSpPr>
         <p:spPr>
           <a:xfrm>
-            <a:off x="4674240" y="1600200"/>
-            <a:ext cx="4015800" cy="4525560"/>
+            <a:off x="4674240" y="1604520"/>
+            <a:ext cx="4015800" cy="3977280"/>
           </a:xfrm>
           <a:prstGeom prst="rect">
             <a:avLst/>
@@ -1554,10 +1530,7 @@
           </a:bodyPr>
           <a:p>
             <a:endParaRPr b="0" lang="fr-FR" sz="3200" spc="-1" strike="noStrike">
-              <a:solidFill>
-                <a:srgbClr val="000000"/>
-              </a:solidFill>
-              <a:latin typeface="Calibri"/>
+              <a:latin typeface="Arial"/>
             </a:endParaRPr>
           </a:p>
         </p:txBody>
@@ -1586,7 +1559,7 @@
       </p:grpSpPr>
       <p:sp>
         <p:nvSpPr>
-          <p:cNvPr id="53" name="PlaceHolder 1"/>
+          <p:cNvPr id="47" name="PlaceHolder 1"/>
           <p:cNvSpPr>
             <a:spLocks noGrp="1"/>
           </p:cNvSpPr>
@@ -1596,8 +1569,8 @@
         </p:nvSpPr>
         <p:spPr>
           <a:xfrm>
-            <a:off x="457200" y="274680"/>
-            <a:ext cx="8229240" cy="1142640"/>
+            <a:off x="457200" y="273600"/>
+            <a:ext cx="8229240" cy="1144800"/>
           </a:xfrm>
           <a:prstGeom prst="rect">
             <a:avLst/>
@@ -1606,11 +1579,9 @@
         <p:txBody>
           <a:bodyPr lIns="0" rIns="0" tIns="0" bIns="0" anchor="ctr"/>
           <a:p>
-            <a:endParaRPr b="0" lang="fr-FR" sz="1800" spc="-1" strike="noStrike">
-              <a:solidFill>
-                <a:srgbClr val="000000"/>
-              </a:solidFill>
-              <a:latin typeface="Calibri"/>
+            <a:pPr algn="ctr"/>
+            <a:endParaRPr b="0" lang="fr-FR" sz="4400" spc="-1" strike="noStrike">
+              <a:latin typeface="Arial"/>
             </a:endParaRPr>
           </a:p>
         </p:txBody>
@@ -1639,7 +1610,7 @@
       </p:grpSpPr>
       <p:sp>
         <p:nvSpPr>
-          <p:cNvPr id="54" name="PlaceHolder 1"/>
+          <p:cNvPr id="48" name="PlaceHolder 1"/>
           <p:cNvSpPr>
             <a:spLocks noGrp="1"/>
           </p:cNvSpPr>
@@ -1649,8 +1620,8 @@
         </p:nvSpPr>
         <p:spPr>
           <a:xfrm>
-            <a:off x="457200" y="274680"/>
-            <a:ext cx="8229240" cy="5297760"/>
+            <a:off x="457200" y="273600"/>
+            <a:ext cx="8229240" cy="5307840"/>
           </a:xfrm>
           <a:prstGeom prst="rect">
             <a:avLst/>
@@ -1690,7 +1661,7 @@
       </p:grpSpPr>
       <p:sp>
         <p:nvSpPr>
-          <p:cNvPr id="55" name="PlaceHolder 1"/>
+          <p:cNvPr id="49" name="PlaceHolder 1"/>
           <p:cNvSpPr>
             <a:spLocks noGrp="1"/>
           </p:cNvSpPr>
@@ -1700,8 +1671,8 @@
         </p:nvSpPr>
         <p:spPr>
           <a:xfrm>
-            <a:off x="457200" y="274680"/>
-            <a:ext cx="8229240" cy="1142640"/>
+            <a:off x="457200" y="273600"/>
+            <a:ext cx="8229240" cy="1144800"/>
           </a:xfrm>
           <a:prstGeom prst="rect">
             <a:avLst/>
@@ -1710,18 +1681,16 @@
         <p:txBody>
           <a:bodyPr lIns="0" rIns="0" tIns="0" bIns="0" anchor="ctr"/>
           <a:p>
-            <a:endParaRPr b="0" lang="fr-FR" sz="1800" spc="-1" strike="noStrike">
-              <a:solidFill>
-                <a:srgbClr val="000000"/>
-              </a:solidFill>
-              <a:latin typeface="Calibri"/>
-            </a:endParaRPr>
-          </a:p>
-        </p:txBody>
-      </p:sp>
-      <p:sp>
-        <p:nvSpPr>
-          <p:cNvPr id="56" name="PlaceHolder 2"/>
+            <a:pPr algn="ctr"/>
+            <a:endParaRPr b="0" lang="fr-FR" sz="4400" spc="-1" strike="noStrike">
+              <a:latin typeface="Arial"/>
+            </a:endParaRPr>
+          </a:p>
+        </p:txBody>
+      </p:sp>
+      <p:sp>
+        <p:nvSpPr>
+          <p:cNvPr id="50" name="PlaceHolder 2"/>
           <p:cNvSpPr>
             <a:spLocks noGrp="1"/>
           </p:cNvSpPr>
@@ -1731,8 +1700,8 @@
         </p:nvSpPr>
         <p:spPr>
           <a:xfrm>
-            <a:off x="457200" y="1600200"/>
-            <a:ext cx="4015800" cy="2158560"/>
+            <a:off x="457200" y="1604520"/>
+            <a:ext cx="4015800" cy="1896840"/>
           </a:xfrm>
           <a:prstGeom prst="rect">
             <a:avLst/>
@@ -1744,17 +1713,14 @@
           </a:bodyPr>
           <a:p>
             <a:endParaRPr b="0" lang="fr-FR" sz="3200" spc="-1" strike="noStrike">
-              <a:solidFill>
-                <a:srgbClr val="000000"/>
-              </a:solidFill>
-              <a:latin typeface="Calibri"/>
-            </a:endParaRPr>
-          </a:p>
-        </p:txBody>
-      </p:sp>
-      <p:sp>
-        <p:nvSpPr>
-          <p:cNvPr id="57" name="PlaceHolder 3"/>
+              <a:latin typeface="Arial"/>
+            </a:endParaRPr>
+          </a:p>
+        </p:txBody>
+      </p:sp>
+      <p:sp>
+        <p:nvSpPr>
+          <p:cNvPr id="51" name="PlaceHolder 3"/>
           <p:cNvSpPr>
             <a:spLocks noGrp="1"/>
           </p:cNvSpPr>
@@ -1764,8 +1730,8 @@
         </p:nvSpPr>
         <p:spPr>
           <a:xfrm>
-            <a:off x="457200" y="3964320"/>
-            <a:ext cx="4015800" cy="2158560"/>
+            <a:off x="457200" y="3682080"/>
+            <a:ext cx="4015800" cy="1896840"/>
           </a:xfrm>
           <a:prstGeom prst="rect">
             <a:avLst/>
@@ -1777,17 +1743,14 @@
           </a:bodyPr>
           <a:p>
             <a:endParaRPr b="0" lang="fr-FR" sz="3200" spc="-1" strike="noStrike">
-              <a:solidFill>
-                <a:srgbClr val="000000"/>
-              </a:solidFill>
-              <a:latin typeface="Calibri"/>
-            </a:endParaRPr>
-          </a:p>
-        </p:txBody>
-      </p:sp>
-      <p:sp>
-        <p:nvSpPr>
-          <p:cNvPr id="58" name="PlaceHolder 4"/>
+              <a:latin typeface="Arial"/>
+            </a:endParaRPr>
+          </a:p>
+        </p:txBody>
+      </p:sp>
+      <p:sp>
+        <p:nvSpPr>
+          <p:cNvPr id="52" name="PlaceHolder 4"/>
           <p:cNvSpPr>
             <a:spLocks noGrp="1"/>
           </p:cNvSpPr>
@@ -1797,8 +1760,8 @@
         </p:nvSpPr>
         <p:spPr>
           <a:xfrm>
-            <a:off x="4674240" y="1600200"/>
-            <a:ext cx="4015800" cy="4525560"/>
+            <a:off x="4674240" y="1604520"/>
+            <a:ext cx="4015800" cy="3977280"/>
           </a:xfrm>
           <a:prstGeom prst="rect">
             <a:avLst/>
@@ -1810,10 +1773,7 @@
           </a:bodyPr>
           <a:p>
             <a:endParaRPr b="0" lang="fr-FR" sz="3200" spc="-1" strike="noStrike">
-              <a:solidFill>
-                <a:srgbClr val="000000"/>
-              </a:solidFill>
-              <a:latin typeface="Calibri"/>
+              <a:latin typeface="Arial"/>
             </a:endParaRPr>
           </a:p>
         </p:txBody>
@@ -1842,7 +1802,7 @@
       </p:grpSpPr>
       <p:sp>
         <p:nvSpPr>
-          <p:cNvPr id="5" name="PlaceHolder 1"/>
+          <p:cNvPr id="2" name="PlaceHolder 1"/>
           <p:cNvSpPr>
             <a:spLocks noGrp="1"/>
           </p:cNvSpPr>
@@ -1852,8 +1812,8 @@
         </p:nvSpPr>
         <p:spPr>
           <a:xfrm>
-            <a:off x="457200" y="274680"/>
-            <a:ext cx="8229240" cy="1142640"/>
+            <a:off x="457200" y="273600"/>
+            <a:ext cx="8229240" cy="1144800"/>
           </a:xfrm>
           <a:prstGeom prst="rect">
             <a:avLst/>
@@ -1862,18 +1822,16 @@
         <p:txBody>
           <a:bodyPr lIns="0" rIns="0" tIns="0" bIns="0" anchor="ctr"/>
           <a:p>
-            <a:endParaRPr b="0" lang="fr-FR" sz="1800" spc="-1" strike="noStrike">
-              <a:solidFill>
-                <a:srgbClr val="000000"/>
-              </a:solidFill>
-              <a:latin typeface="Calibri"/>
-            </a:endParaRPr>
-          </a:p>
-        </p:txBody>
-      </p:sp>
-      <p:sp>
-        <p:nvSpPr>
-          <p:cNvPr id="6" name="PlaceHolder 2"/>
+            <a:pPr algn="ctr"/>
+            <a:endParaRPr b="0" lang="fr-FR" sz="4400" spc="-1" strike="noStrike">
+              <a:latin typeface="Arial"/>
+            </a:endParaRPr>
+          </a:p>
+        </p:txBody>
+      </p:sp>
+      <p:sp>
+        <p:nvSpPr>
+          <p:cNvPr id="3" name="PlaceHolder 2"/>
           <p:cNvSpPr>
             <a:spLocks noGrp="1"/>
           </p:cNvSpPr>
@@ -1883,8 +1841,8 @@
         </p:nvSpPr>
         <p:spPr>
           <a:xfrm>
-            <a:off x="457200" y="1600200"/>
-            <a:ext cx="8229240" cy="4525560"/>
+            <a:off x="457200" y="1604520"/>
+            <a:ext cx="8229240" cy="3977280"/>
           </a:xfrm>
           <a:prstGeom prst="rect">
             <a:avLst/>
@@ -1924,7 +1882,7 @@
       </p:grpSpPr>
       <p:sp>
         <p:nvSpPr>
-          <p:cNvPr id="59" name="PlaceHolder 1"/>
+          <p:cNvPr id="53" name="PlaceHolder 1"/>
           <p:cNvSpPr>
             <a:spLocks noGrp="1"/>
           </p:cNvSpPr>
@@ -1934,8 +1892,8 @@
         </p:nvSpPr>
         <p:spPr>
           <a:xfrm>
-            <a:off x="457200" y="274680"/>
-            <a:ext cx="8229240" cy="1142640"/>
+            <a:off x="457200" y="273600"/>
+            <a:ext cx="8229240" cy="1144800"/>
           </a:xfrm>
           <a:prstGeom prst="rect">
             <a:avLst/>
@@ -1944,18 +1902,16 @@
         <p:txBody>
           <a:bodyPr lIns="0" rIns="0" tIns="0" bIns="0" anchor="ctr"/>
           <a:p>
-            <a:endParaRPr b="0" lang="fr-FR" sz="1800" spc="-1" strike="noStrike">
-              <a:solidFill>
-                <a:srgbClr val="000000"/>
-              </a:solidFill>
-              <a:latin typeface="Calibri"/>
-            </a:endParaRPr>
-          </a:p>
-        </p:txBody>
-      </p:sp>
-      <p:sp>
-        <p:nvSpPr>
-          <p:cNvPr id="60" name="PlaceHolder 2"/>
+            <a:pPr algn="ctr"/>
+            <a:endParaRPr b="0" lang="fr-FR" sz="4400" spc="-1" strike="noStrike">
+              <a:latin typeface="Arial"/>
+            </a:endParaRPr>
+          </a:p>
+        </p:txBody>
+      </p:sp>
+      <p:sp>
+        <p:nvSpPr>
+          <p:cNvPr id="54" name="PlaceHolder 2"/>
           <p:cNvSpPr>
             <a:spLocks noGrp="1"/>
           </p:cNvSpPr>
@@ -1965,8 +1921,8 @@
         </p:nvSpPr>
         <p:spPr>
           <a:xfrm>
-            <a:off x="457200" y="1600200"/>
-            <a:ext cx="4015800" cy="4525560"/>
+            <a:off x="457200" y="1604520"/>
+            <a:ext cx="4015800" cy="3977280"/>
           </a:xfrm>
           <a:prstGeom prst="rect">
             <a:avLst/>
@@ -1978,17 +1934,14 @@
           </a:bodyPr>
           <a:p>
             <a:endParaRPr b="0" lang="fr-FR" sz="3200" spc="-1" strike="noStrike">
-              <a:solidFill>
-                <a:srgbClr val="000000"/>
-              </a:solidFill>
-              <a:latin typeface="Calibri"/>
-            </a:endParaRPr>
-          </a:p>
-        </p:txBody>
-      </p:sp>
-      <p:sp>
-        <p:nvSpPr>
-          <p:cNvPr id="61" name="PlaceHolder 3"/>
+              <a:latin typeface="Arial"/>
+            </a:endParaRPr>
+          </a:p>
+        </p:txBody>
+      </p:sp>
+      <p:sp>
+        <p:nvSpPr>
+          <p:cNvPr id="55" name="PlaceHolder 3"/>
           <p:cNvSpPr>
             <a:spLocks noGrp="1"/>
           </p:cNvSpPr>
@@ -1998,8 +1951,8 @@
         </p:nvSpPr>
         <p:spPr>
           <a:xfrm>
-            <a:off x="4674240" y="1600200"/>
-            <a:ext cx="4015800" cy="2158560"/>
+            <a:off x="4674240" y="1604520"/>
+            <a:ext cx="4015800" cy="1896840"/>
           </a:xfrm>
           <a:prstGeom prst="rect">
             <a:avLst/>
@@ -2011,17 +1964,14 @@
           </a:bodyPr>
           <a:p>
             <a:endParaRPr b="0" lang="fr-FR" sz="3200" spc="-1" strike="noStrike">
-              <a:solidFill>
-                <a:srgbClr val="000000"/>
-              </a:solidFill>
-              <a:latin typeface="Calibri"/>
-            </a:endParaRPr>
-          </a:p>
-        </p:txBody>
-      </p:sp>
-      <p:sp>
-        <p:nvSpPr>
-          <p:cNvPr id="62" name="PlaceHolder 4"/>
+              <a:latin typeface="Arial"/>
+            </a:endParaRPr>
+          </a:p>
+        </p:txBody>
+      </p:sp>
+      <p:sp>
+        <p:nvSpPr>
+          <p:cNvPr id="56" name="PlaceHolder 4"/>
           <p:cNvSpPr>
             <a:spLocks noGrp="1"/>
           </p:cNvSpPr>
@@ -2031,8 +1981,8 @@
         </p:nvSpPr>
         <p:spPr>
           <a:xfrm>
-            <a:off x="4674240" y="3964320"/>
-            <a:ext cx="4015800" cy="2158560"/>
+            <a:off x="4674240" y="3682080"/>
+            <a:ext cx="4015800" cy="1896840"/>
           </a:xfrm>
           <a:prstGeom prst="rect">
             <a:avLst/>
@@ -2044,10 +1994,7 @@
           </a:bodyPr>
           <a:p>
             <a:endParaRPr b="0" lang="fr-FR" sz="3200" spc="-1" strike="noStrike">
-              <a:solidFill>
-                <a:srgbClr val="000000"/>
-              </a:solidFill>
-              <a:latin typeface="Calibri"/>
+              <a:latin typeface="Arial"/>
             </a:endParaRPr>
           </a:p>
         </p:txBody>
@@ -2076,7 +2023,7 @@
       </p:grpSpPr>
       <p:sp>
         <p:nvSpPr>
-          <p:cNvPr id="63" name="PlaceHolder 1"/>
+          <p:cNvPr id="57" name="PlaceHolder 1"/>
           <p:cNvSpPr>
             <a:spLocks noGrp="1"/>
           </p:cNvSpPr>
@@ -2086,8 +2033,8 @@
         </p:nvSpPr>
         <p:spPr>
           <a:xfrm>
-            <a:off x="457200" y="274680"/>
-            <a:ext cx="8229240" cy="1142640"/>
+            <a:off x="457200" y="273600"/>
+            <a:ext cx="8229240" cy="1144800"/>
           </a:xfrm>
           <a:prstGeom prst="rect">
             <a:avLst/>
@@ -2096,18 +2043,16 @@
         <p:txBody>
           <a:bodyPr lIns="0" rIns="0" tIns="0" bIns="0" anchor="ctr"/>
           <a:p>
-            <a:endParaRPr b="0" lang="fr-FR" sz="1800" spc="-1" strike="noStrike">
-              <a:solidFill>
-                <a:srgbClr val="000000"/>
-              </a:solidFill>
-              <a:latin typeface="Calibri"/>
-            </a:endParaRPr>
-          </a:p>
-        </p:txBody>
-      </p:sp>
-      <p:sp>
-        <p:nvSpPr>
-          <p:cNvPr id="64" name="PlaceHolder 2"/>
+            <a:pPr algn="ctr"/>
+            <a:endParaRPr b="0" lang="fr-FR" sz="4400" spc="-1" strike="noStrike">
+              <a:latin typeface="Arial"/>
+            </a:endParaRPr>
+          </a:p>
+        </p:txBody>
+      </p:sp>
+      <p:sp>
+        <p:nvSpPr>
+          <p:cNvPr id="58" name="PlaceHolder 2"/>
           <p:cNvSpPr>
             <a:spLocks noGrp="1"/>
           </p:cNvSpPr>
@@ -2117,8 +2062,8 @@
         </p:nvSpPr>
         <p:spPr>
           <a:xfrm>
-            <a:off x="457200" y="1600200"/>
-            <a:ext cx="4015800" cy="2158560"/>
+            <a:off x="457200" y="1604520"/>
+            <a:ext cx="4015800" cy="1896840"/>
           </a:xfrm>
           <a:prstGeom prst="rect">
             <a:avLst/>
@@ -2130,17 +2075,14 @@
           </a:bodyPr>
           <a:p>
             <a:endParaRPr b="0" lang="fr-FR" sz="3200" spc="-1" strike="noStrike">
-              <a:solidFill>
-                <a:srgbClr val="000000"/>
-              </a:solidFill>
-              <a:latin typeface="Calibri"/>
-            </a:endParaRPr>
-          </a:p>
-        </p:txBody>
-      </p:sp>
-      <p:sp>
-        <p:nvSpPr>
-          <p:cNvPr id="65" name="PlaceHolder 3"/>
+              <a:latin typeface="Arial"/>
+            </a:endParaRPr>
+          </a:p>
+        </p:txBody>
+      </p:sp>
+      <p:sp>
+        <p:nvSpPr>
+          <p:cNvPr id="59" name="PlaceHolder 3"/>
           <p:cNvSpPr>
             <a:spLocks noGrp="1"/>
           </p:cNvSpPr>
@@ -2150,8 +2092,8 @@
         </p:nvSpPr>
         <p:spPr>
           <a:xfrm>
-            <a:off x="4674240" y="1600200"/>
-            <a:ext cx="4015800" cy="2158560"/>
+            <a:off x="4674240" y="1604520"/>
+            <a:ext cx="4015800" cy="1896840"/>
           </a:xfrm>
           <a:prstGeom prst="rect">
             <a:avLst/>
@@ -2163,17 +2105,14 @@
           </a:bodyPr>
           <a:p>
             <a:endParaRPr b="0" lang="fr-FR" sz="3200" spc="-1" strike="noStrike">
-              <a:solidFill>
-                <a:srgbClr val="000000"/>
-              </a:solidFill>
-              <a:latin typeface="Calibri"/>
-            </a:endParaRPr>
-          </a:p>
-        </p:txBody>
-      </p:sp>
-      <p:sp>
-        <p:nvSpPr>
-          <p:cNvPr id="66" name="PlaceHolder 4"/>
+              <a:latin typeface="Arial"/>
+            </a:endParaRPr>
+          </a:p>
+        </p:txBody>
+      </p:sp>
+      <p:sp>
+        <p:nvSpPr>
+          <p:cNvPr id="60" name="PlaceHolder 4"/>
           <p:cNvSpPr>
             <a:spLocks noGrp="1"/>
           </p:cNvSpPr>
@@ -2183,8 +2122,8 @@
         </p:nvSpPr>
         <p:spPr>
           <a:xfrm>
-            <a:off x="457200" y="3964320"/>
-            <a:ext cx="8229240" cy="2158560"/>
+            <a:off x="457200" y="3682080"/>
+            <a:ext cx="8229240" cy="1896840"/>
           </a:xfrm>
           <a:prstGeom prst="rect">
             <a:avLst/>
@@ -2196,10 +2135,7 @@
           </a:bodyPr>
           <a:p>
             <a:endParaRPr b="0" lang="fr-FR" sz="3200" spc="-1" strike="noStrike">
-              <a:solidFill>
-                <a:srgbClr val="000000"/>
-              </a:solidFill>
-              <a:latin typeface="Calibri"/>
+              <a:latin typeface="Arial"/>
             </a:endParaRPr>
           </a:p>
         </p:txBody>
@@ -2228,7 +2164,7 @@
       </p:grpSpPr>
       <p:sp>
         <p:nvSpPr>
-          <p:cNvPr id="67" name="PlaceHolder 1"/>
+          <p:cNvPr id="61" name="PlaceHolder 1"/>
           <p:cNvSpPr>
             <a:spLocks noGrp="1"/>
           </p:cNvSpPr>
@@ -2238,8 +2174,8 @@
         </p:nvSpPr>
         <p:spPr>
           <a:xfrm>
-            <a:off x="457200" y="274680"/>
-            <a:ext cx="8229240" cy="1142640"/>
+            <a:off x="457200" y="273600"/>
+            <a:ext cx="8229240" cy="1144800"/>
           </a:xfrm>
           <a:prstGeom prst="rect">
             <a:avLst/>
@@ -2248,18 +2184,16 @@
         <p:txBody>
           <a:bodyPr lIns="0" rIns="0" tIns="0" bIns="0" anchor="ctr"/>
           <a:p>
-            <a:endParaRPr b="0" lang="fr-FR" sz="1800" spc="-1" strike="noStrike">
-              <a:solidFill>
-                <a:srgbClr val="000000"/>
-              </a:solidFill>
-              <a:latin typeface="Calibri"/>
-            </a:endParaRPr>
-          </a:p>
-        </p:txBody>
-      </p:sp>
-      <p:sp>
-        <p:nvSpPr>
-          <p:cNvPr id="68" name="PlaceHolder 2"/>
+            <a:pPr algn="ctr"/>
+            <a:endParaRPr b="0" lang="fr-FR" sz="4400" spc="-1" strike="noStrike">
+              <a:latin typeface="Arial"/>
+            </a:endParaRPr>
+          </a:p>
+        </p:txBody>
+      </p:sp>
+      <p:sp>
+        <p:nvSpPr>
+          <p:cNvPr id="62" name="PlaceHolder 2"/>
           <p:cNvSpPr>
             <a:spLocks noGrp="1"/>
           </p:cNvSpPr>
@@ -2269,8 +2203,8 @@
         </p:nvSpPr>
         <p:spPr>
           <a:xfrm>
-            <a:off x="457200" y="1600200"/>
-            <a:ext cx="8229240" cy="2158560"/>
+            <a:off x="457200" y="1604520"/>
+            <a:ext cx="8229240" cy="1896840"/>
           </a:xfrm>
           <a:prstGeom prst="rect">
             <a:avLst/>
@@ -2282,17 +2216,14 @@
           </a:bodyPr>
           <a:p>
             <a:endParaRPr b="0" lang="fr-FR" sz="3200" spc="-1" strike="noStrike">
-              <a:solidFill>
-                <a:srgbClr val="000000"/>
-              </a:solidFill>
-              <a:latin typeface="Calibri"/>
-            </a:endParaRPr>
-          </a:p>
-        </p:txBody>
-      </p:sp>
-      <p:sp>
-        <p:nvSpPr>
-          <p:cNvPr id="69" name="PlaceHolder 3"/>
+              <a:latin typeface="Arial"/>
+            </a:endParaRPr>
+          </a:p>
+        </p:txBody>
+      </p:sp>
+      <p:sp>
+        <p:nvSpPr>
+          <p:cNvPr id="63" name="PlaceHolder 3"/>
           <p:cNvSpPr>
             <a:spLocks noGrp="1"/>
           </p:cNvSpPr>
@@ -2302,8 +2233,8 @@
         </p:nvSpPr>
         <p:spPr>
           <a:xfrm>
-            <a:off x="457200" y="3964320"/>
-            <a:ext cx="8229240" cy="2158560"/>
+            <a:off x="457200" y="3682080"/>
+            <a:ext cx="8229240" cy="1896840"/>
           </a:xfrm>
           <a:prstGeom prst="rect">
             <a:avLst/>
@@ -2315,10 +2246,7 @@
           </a:bodyPr>
           <a:p>
             <a:endParaRPr b="0" lang="fr-FR" sz="3200" spc="-1" strike="noStrike">
-              <a:solidFill>
-                <a:srgbClr val="000000"/>
-              </a:solidFill>
-              <a:latin typeface="Calibri"/>
+              <a:latin typeface="Arial"/>
             </a:endParaRPr>
           </a:p>
         </p:txBody>
@@ -2347,7 +2275,7 @@
       </p:grpSpPr>
       <p:sp>
         <p:nvSpPr>
-          <p:cNvPr id="70" name="PlaceHolder 1"/>
+          <p:cNvPr id="64" name="PlaceHolder 1"/>
           <p:cNvSpPr>
             <a:spLocks noGrp="1"/>
           </p:cNvSpPr>
@@ -2357,8 +2285,8 @@
         </p:nvSpPr>
         <p:spPr>
           <a:xfrm>
-            <a:off x="457200" y="274680"/>
-            <a:ext cx="8229240" cy="1142640"/>
+            <a:off x="457200" y="273600"/>
+            <a:ext cx="8229240" cy="1144800"/>
           </a:xfrm>
           <a:prstGeom prst="rect">
             <a:avLst/>
@@ -2367,18 +2295,16 @@
         <p:txBody>
           <a:bodyPr lIns="0" rIns="0" tIns="0" bIns="0" anchor="ctr"/>
           <a:p>
-            <a:endParaRPr b="0" lang="fr-FR" sz="1800" spc="-1" strike="noStrike">
-              <a:solidFill>
-                <a:srgbClr val="000000"/>
-              </a:solidFill>
-              <a:latin typeface="Calibri"/>
-            </a:endParaRPr>
-          </a:p>
-        </p:txBody>
-      </p:sp>
-      <p:sp>
-        <p:nvSpPr>
-          <p:cNvPr id="71" name="PlaceHolder 2"/>
+            <a:pPr algn="ctr"/>
+            <a:endParaRPr b="0" lang="fr-FR" sz="4400" spc="-1" strike="noStrike">
+              <a:latin typeface="Arial"/>
+            </a:endParaRPr>
+          </a:p>
+        </p:txBody>
+      </p:sp>
+      <p:sp>
+        <p:nvSpPr>
+          <p:cNvPr id="65" name="PlaceHolder 2"/>
           <p:cNvSpPr>
             <a:spLocks noGrp="1"/>
           </p:cNvSpPr>
@@ -2388,8 +2314,8 @@
         </p:nvSpPr>
         <p:spPr>
           <a:xfrm>
-            <a:off x="457200" y="1600200"/>
-            <a:ext cx="4015800" cy="2158560"/>
+            <a:off x="457200" y="1604520"/>
+            <a:ext cx="4015800" cy="1896840"/>
           </a:xfrm>
           <a:prstGeom prst="rect">
             <a:avLst/>
@@ -2401,17 +2327,14 @@
           </a:bodyPr>
           <a:p>
             <a:endParaRPr b="0" lang="fr-FR" sz="3200" spc="-1" strike="noStrike">
-              <a:solidFill>
-                <a:srgbClr val="000000"/>
-              </a:solidFill>
-              <a:latin typeface="Calibri"/>
-            </a:endParaRPr>
-          </a:p>
-        </p:txBody>
-      </p:sp>
-      <p:sp>
-        <p:nvSpPr>
-          <p:cNvPr id="72" name="PlaceHolder 3"/>
+              <a:latin typeface="Arial"/>
+            </a:endParaRPr>
+          </a:p>
+        </p:txBody>
+      </p:sp>
+      <p:sp>
+        <p:nvSpPr>
+          <p:cNvPr id="66" name="PlaceHolder 3"/>
           <p:cNvSpPr>
             <a:spLocks noGrp="1"/>
           </p:cNvSpPr>
@@ -2421,8 +2344,8 @@
         </p:nvSpPr>
         <p:spPr>
           <a:xfrm>
-            <a:off x="4674240" y="1600200"/>
-            <a:ext cx="4015800" cy="2158560"/>
+            <a:off x="4674240" y="1604520"/>
+            <a:ext cx="4015800" cy="1896840"/>
           </a:xfrm>
           <a:prstGeom prst="rect">
             <a:avLst/>
@@ -2434,17 +2357,14 @@
           </a:bodyPr>
           <a:p>
             <a:endParaRPr b="0" lang="fr-FR" sz="3200" spc="-1" strike="noStrike">
-              <a:solidFill>
-                <a:srgbClr val="000000"/>
-              </a:solidFill>
-              <a:latin typeface="Calibri"/>
-            </a:endParaRPr>
-          </a:p>
-        </p:txBody>
-      </p:sp>
-      <p:sp>
-        <p:nvSpPr>
-          <p:cNvPr id="73" name="PlaceHolder 4"/>
+              <a:latin typeface="Arial"/>
+            </a:endParaRPr>
+          </a:p>
+        </p:txBody>
+      </p:sp>
+      <p:sp>
+        <p:nvSpPr>
+          <p:cNvPr id="67" name="PlaceHolder 4"/>
           <p:cNvSpPr>
             <a:spLocks noGrp="1"/>
           </p:cNvSpPr>
@@ -2454,8 +2374,8 @@
         </p:nvSpPr>
         <p:spPr>
           <a:xfrm>
-            <a:off x="4674240" y="3964320"/>
-            <a:ext cx="4015800" cy="2158560"/>
+            <a:off x="4674240" y="3682080"/>
+            <a:ext cx="4015800" cy="1896840"/>
           </a:xfrm>
           <a:prstGeom prst="rect">
             <a:avLst/>
@@ -2467,17 +2387,14 @@
           </a:bodyPr>
           <a:p>
             <a:endParaRPr b="0" lang="fr-FR" sz="3200" spc="-1" strike="noStrike">
-              <a:solidFill>
-                <a:srgbClr val="000000"/>
-              </a:solidFill>
-              <a:latin typeface="Calibri"/>
-            </a:endParaRPr>
-          </a:p>
-        </p:txBody>
-      </p:sp>
-      <p:sp>
-        <p:nvSpPr>
-          <p:cNvPr id="74" name="PlaceHolder 5"/>
+              <a:latin typeface="Arial"/>
+            </a:endParaRPr>
+          </a:p>
+        </p:txBody>
+      </p:sp>
+      <p:sp>
+        <p:nvSpPr>
+          <p:cNvPr id="68" name="PlaceHolder 5"/>
           <p:cNvSpPr>
             <a:spLocks noGrp="1"/>
           </p:cNvSpPr>
@@ -2487,8 +2404,8 @@
         </p:nvSpPr>
         <p:spPr>
           <a:xfrm>
-            <a:off x="457200" y="3964320"/>
-            <a:ext cx="4015800" cy="2158560"/>
+            <a:off x="457200" y="3682080"/>
+            <a:ext cx="4015800" cy="1896840"/>
           </a:xfrm>
           <a:prstGeom prst="rect">
             <a:avLst/>
@@ -2500,10 +2417,7 @@
           </a:bodyPr>
           <a:p>
             <a:endParaRPr b="0" lang="fr-FR" sz="3200" spc="-1" strike="noStrike">
-              <a:solidFill>
-                <a:srgbClr val="000000"/>
-              </a:solidFill>
-              <a:latin typeface="Calibri"/>
+              <a:latin typeface="Arial"/>
             </a:endParaRPr>
           </a:p>
         </p:txBody>
@@ -2532,7 +2446,7 @@
       </p:grpSpPr>
       <p:sp>
         <p:nvSpPr>
-          <p:cNvPr id="75" name="PlaceHolder 1"/>
+          <p:cNvPr id="69" name="PlaceHolder 1"/>
           <p:cNvSpPr>
             <a:spLocks noGrp="1"/>
           </p:cNvSpPr>
@@ -2542,8 +2456,8 @@
         </p:nvSpPr>
         <p:spPr>
           <a:xfrm>
-            <a:off x="457200" y="274680"/>
-            <a:ext cx="8229240" cy="1142640"/>
+            <a:off x="457200" y="273600"/>
+            <a:ext cx="8229240" cy="1144800"/>
           </a:xfrm>
           <a:prstGeom prst="rect">
             <a:avLst/>
@@ -2552,18 +2466,16 @@
         <p:txBody>
           <a:bodyPr lIns="0" rIns="0" tIns="0" bIns="0" anchor="ctr"/>
           <a:p>
-            <a:endParaRPr b="0" lang="fr-FR" sz="1800" spc="-1" strike="noStrike">
-              <a:solidFill>
-                <a:srgbClr val="000000"/>
-              </a:solidFill>
-              <a:latin typeface="Calibri"/>
-            </a:endParaRPr>
-          </a:p>
-        </p:txBody>
-      </p:sp>
-      <p:sp>
-        <p:nvSpPr>
-          <p:cNvPr id="76" name="PlaceHolder 2"/>
+            <a:pPr algn="ctr"/>
+            <a:endParaRPr b="0" lang="fr-FR" sz="4400" spc="-1" strike="noStrike">
+              <a:latin typeface="Arial"/>
+            </a:endParaRPr>
+          </a:p>
+        </p:txBody>
+      </p:sp>
+      <p:sp>
+        <p:nvSpPr>
+          <p:cNvPr id="70" name="PlaceHolder 2"/>
           <p:cNvSpPr>
             <a:spLocks noGrp="1"/>
           </p:cNvSpPr>
@@ -2573,8 +2485,8 @@
         </p:nvSpPr>
         <p:spPr>
           <a:xfrm>
-            <a:off x="457200" y="1600200"/>
-            <a:ext cx="2649600" cy="2158560"/>
+            <a:off x="457200" y="1604520"/>
+            <a:ext cx="2649600" cy="1896840"/>
           </a:xfrm>
           <a:prstGeom prst="rect">
             <a:avLst/>
@@ -2586,17 +2498,14 @@
           </a:bodyPr>
           <a:p>
             <a:endParaRPr b="0" lang="fr-FR" sz="3200" spc="-1" strike="noStrike">
-              <a:solidFill>
-                <a:srgbClr val="000000"/>
-              </a:solidFill>
-              <a:latin typeface="Calibri"/>
-            </a:endParaRPr>
-          </a:p>
-        </p:txBody>
-      </p:sp>
-      <p:sp>
-        <p:nvSpPr>
-          <p:cNvPr id="77" name="PlaceHolder 3"/>
+              <a:latin typeface="Arial"/>
+            </a:endParaRPr>
+          </a:p>
+        </p:txBody>
+      </p:sp>
+      <p:sp>
+        <p:nvSpPr>
+          <p:cNvPr id="71" name="PlaceHolder 3"/>
           <p:cNvSpPr>
             <a:spLocks noGrp="1"/>
           </p:cNvSpPr>
@@ -2606,8 +2515,8 @@
         </p:nvSpPr>
         <p:spPr>
           <a:xfrm>
-            <a:off x="3239640" y="1600200"/>
-            <a:ext cx="2649600" cy="2158560"/>
+            <a:off x="3239640" y="1604520"/>
+            <a:ext cx="2649600" cy="1896840"/>
           </a:xfrm>
           <a:prstGeom prst="rect">
             <a:avLst/>
@@ -2619,17 +2528,14 @@
           </a:bodyPr>
           <a:p>
             <a:endParaRPr b="0" lang="fr-FR" sz="3200" spc="-1" strike="noStrike">
-              <a:solidFill>
-                <a:srgbClr val="000000"/>
-              </a:solidFill>
-              <a:latin typeface="Calibri"/>
-            </a:endParaRPr>
-          </a:p>
-        </p:txBody>
-      </p:sp>
-      <p:sp>
-        <p:nvSpPr>
-          <p:cNvPr id="78" name="PlaceHolder 4"/>
+              <a:latin typeface="Arial"/>
+            </a:endParaRPr>
+          </a:p>
+        </p:txBody>
+      </p:sp>
+      <p:sp>
+        <p:nvSpPr>
+          <p:cNvPr id="72" name="PlaceHolder 4"/>
           <p:cNvSpPr>
             <a:spLocks noGrp="1"/>
           </p:cNvSpPr>
@@ -2639,8 +2545,8 @@
         </p:nvSpPr>
         <p:spPr>
           <a:xfrm>
-            <a:off x="6022080" y="1600200"/>
-            <a:ext cx="2649600" cy="2158560"/>
+            <a:off x="6022080" y="1604520"/>
+            <a:ext cx="2649600" cy="1896840"/>
           </a:xfrm>
           <a:prstGeom prst="rect">
             <a:avLst/>
@@ -2652,17 +2558,14 @@
           </a:bodyPr>
           <a:p>
             <a:endParaRPr b="0" lang="fr-FR" sz="3200" spc="-1" strike="noStrike">
-              <a:solidFill>
-                <a:srgbClr val="000000"/>
-              </a:solidFill>
-              <a:latin typeface="Calibri"/>
-            </a:endParaRPr>
-          </a:p>
-        </p:txBody>
-      </p:sp>
-      <p:sp>
-        <p:nvSpPr>
-          <p:cNvPr id="79" name="PlaceHolder 5"/>
+              <a:latin typeface="Arial"/>
+            </a:endParaRPr>
+          </a:p>
+        </p:txBody>
+      </p:sp>
+      <p:sp>
+        <p:nvSpPr>
+          <p:cNvPr id="73" name="PlaceHolder 5"/>
           <p:cNvSpPr>
             <a:spLocks noGrp="1"/>
           </p:cNvSpPr>
@@ -2672,8 +2575,8 @@
         </p:nvSpPr>
         <p:spPr>
           <a:xfrm>
-            <a:off x="6022080" y="3964320"/>
-            <a:ext cx="2649600" cy="2158560"/>
+            <a:off x="6022080" y="3682080"/>
+            <a:ext cx="2649600" cy="1896840"/>
           </a:xfrm>
           <a:prstGeom prst="rect">
             <a:avLst/>
@@ -2685,17 +2588,14 @@
           </a:bodyPr>
           <a:p>
             <a:endParaRPr b="0" lang="fr-FR" sz="3200" spc="-1" strike="noStrike">
-              <a:solidFill>
-                <a:srgbClr val="000000"/>
-              </a:solidFill>
-              <a:latin typeface="Calibri"/>
-            </a:endParaRPr>
-          </a:p>
-        </p:txBody>
-      </p:sp>
-      <p:sp>
-        <p:nvSpPr>
-          <p:cNvPr id="80" name="PlaceHolder 6"/>
+              <a:latin typeface="Arial"/>
+            </a:endParaRPr>
+          </a:p>
+        </p:txBody>
+      </p:sp>
+      <p:sp>
+        <p:nvSpPr>
+          <p:cNvPr id="74" name="PlaceHolder 6"/>
           <p:cNvSpPr>
             <a:spLocks noGrp="1"/>
           </p:cNvSpPr>
@@ -2705,8 +2605,8 @@
         </p:nvSpPr>
         <p:spPr>
           <a:xfrm>
-            <a:off x="3239640" y="3964320"/>
-            <a:ext cx="2649600" cy="2158560"/>
+            <a:off x="3239640" y="3682080"/>
+            <a:ext cx="2649600" cy="1896840"/>
           </a:xfrm>
           <a:prstGeom prst="rect">
             <a:avLst/>
@@ -2718,17 +2618,14 @@
           </a:bodyPr>
           <a:p>
             <a:endParaRPr b="0" lang="fr-FR" sz="3200" spc="-1" strike="noStrike">
-              <a:solidFill>
-                <a:srgbClr val="000000"/>
-              </a:solidFill>
-              <a:latin typeface="Calibri"/>
-            </a:endParaRPr>
-          </a:p>
-        </p:txBody>
-      </p:sp>
-      <p:sp>
-        <p:nvSpPr>
-          <p:cNvPr id="81" name="PlaceHolder 7"/>
+              <a:latin typeface="Arial"/>
+            </a:endParaRPr>
+          </a:p>
+        </p:txBody>
+      </p:sp>
+      <p:sp>
+        <p:nvSpPr>
+          <p:cNvPr id="75" name="PlaceHolder 7"/>
           <p:cNvSpPr>
             <a:spLocks noGrp="1"/>
           </p:cNvSpPr>
@@ -2738,8 +2635,8 @@
         </p:nvSpPr>
         <p:spPr>
           <a:xfrm>
-            <a:off x="457200" y="3964320"/>
-            <a:ext cx="2649600" cy="2158560"/>
+            <a:off x="457200" y="3682080"/>
+            <a:ext cx="2649600" cy="1896840"/>
           </a:xfrm>
           <a:prstGeom prst="rect">
             <a:avLst/>
@@ -2751,10 +2648,7 @@
           </a:bodyPr>
           <a:p>
             <a:endParaRPr b="0" lang="fr-FR" sz="3200" spc="-1" strike="noStrike">
-              <a:solidFill>
-                <a:srgbClr val="000000"/>
-              </a:solidFill>
-              <a:latin typeface="Calibri"/>
+              <a:latin typeface="Arial"/>
             </a:endParaRPr>
           </a:p>
         </p:txBody>
@@ -2783,7 +2677,7 @@
       </p:grpSpPr>
       <p:sp>
         <p:nvSpPr>
-          <p:cNvPr id="7" name="PlaceHolder 1"/>
+          <p:cNvPr id="4" name="PlaceHolder 1"/>
           <p:cNvSpPr>
             <a:spLocks noGrp="1"/>
           </p:cNvSpPr>
@@ -2793,8 +2687,8 @@
         </p:nvSpPr>
         <p:spPr>
           <a:xfrm>
-            <a:off x="457200" y="274680"/>
-            <a:ext cx="8229240" cy="1142640"/>
+            <a:off x="457200" y="273600"/>
+            <a:ext cx="8229240" cy="1144800"/>
           </a:xfrm>
           <a:prstGeom prst="rect">
             <a:avLst/>
@@ -2803,18 +2697,16 @@
         <p:txBody>
           <a:bodyPr lIns="0" rIns="0" tIns="0" bIns="0" anchor="ctr"/>
           <a:p>
-            <a:endParaRPr b="0" lang="fr-FR" sz="1800" spc="-1" strike="noStrike">
-              <a:solidFill>
-                <a:srgbClr val="000000"/>
-              </a:solidFill>
-              <a:latin typeface="Calibri"/>
-            </a:endParaRPr>
-          </a:p>
-        </p:txBody>
-      </p:sp>
-      <p:sp>
-        <p:nvSpPr>
-          <p:cNvPr id="8" name="PlaceHolder 2"/>
+            <a:pPr algn="ctr"/>
+            <a:endParaRPr b="0" lang="fr-FR" sz="4400" spc="-1" strike="noStrike">
+              <a:latin typeface="Arial"/>
+            </a:endParaRPr>
+          </a:p>
+        </p:txBody>
+      </p:sp>
+      <p:sp>
+        <p:nvSpPr>
+          <p:cNvPr id="5" name="PlaceHolder 2"/>
           <p:cNvSpPr>
             <a:spLocks noGrp="1"/>
           </p:cNvSpPr>
@@ -2824,8 +2716,8 @@
         </p:nvSpPr>
         <p:spPr>
           <a:xfrm>
-            <a:off x="457200" y="1600200"/>
-            <a:ext cx="8229240" cy="4525560"/>
+            <a:off x="457200" y="1604520"/>
+            <a:ext cx="8229240" cy="3977280"/>
           </a:xfrm>
           <a:prstGeom prst="rect">
             <a:avLst/>
@@ -2837,10 +2729,7 @@
           </a:bodyPr>
           <a:p>
             <a:endParaRPr b="0" lang="fr-FR" sz="3200" spc="-1" strike="noStrike">
-              <a:solidFill>
-                <a:srgbClr val="000000"/>
-              </a:solidFill>
-              <a:latin typeface="Calibri"/>
+              <a:latin typeface="Arial"/>
             </a:endParaRPr>
           </a:p>
         </p:txBody>
@@ -2869,7 +2758,7 @@
       </p:grpSpPr>
       <p:sp>
         <p:nvSpPr>
-          <p:cNvPr id="9" name="PlaceHolder 1"/>
+          <p:cNvPr id="6" name="PlaceHolder 1"/>
           <p:cNvSpPr>
             <a:spLocks noGrp="1"/>
           </p:cNvSpPr>
@@ -2879,8 +2768,8 @@
         </p:nvSpPr>
         <p:spPr>
           <a:xfrm>
-            <a:off x="457200" y="274680"/>
-            <a:ext cx="8229240" cy="1142640"/>
+            <a:off x="457200" y="273600"/>
+            <a:ext cx="8229240" cy="1144800"/>
           </a:xfrm>
           <a:prstGeom prst="rect">
             <a:avLst/>
@@ -2889,18 +2778,16 @@
         <p:txBody>
           <a:bodyPr lIns="0" rIns="0" tIns="0" bIns="0" anchor="ctr"/>
           <a:p>
-            <a:endParaRPr b="0" lang="fr-FR" sz="1800" spc="-1" strike="noStrike">
-              <a:solidFill>
-                <a:srgbClr val="000000"/>
-              </a:solidFill>
-              <a:latin typeface="Calibri"/>
-            </a:endParaRPr>
-          </a:p>
-        </p:txBody>
-      </p:sp>
-      <p:sp>
-        <p:nvSpPr>
-          <p:cNvPr id="10" name="PlaceHolder 2"/>
+            <a:pPr algn="ctr"/>
+            <a:endParaRPr b="0" lang="fr-FR" sz="4400" spc="-1" strike="noStrike">
+              <a:latin typeface="Arial"/>
+            </a:endParaRPr>
+          </a:p>
+        </p:txBody>
+      </p:sp>
+      <p:sp>
+        <p:nvSpPr>
+          <p:cNvPr id="7" name="PlaceHolder 2"/>
           <p:cNvSpPr>
             <a:spLocks noGrp="1"/>
           </p:cNvSpPr>
@@ -2910,8 +2797,8 @@
         </p:nvSpPr>
         <p:spPr>
           <a:xfrm>
-            <a:off x="457200" y="1600200"/>
-            <a:ext cx="4015800" cy="4525560"/>
+            <a:off x="457200" y="1604520"/>
+            <a:ext cx="4015800" cy="3977280"/>
           </a:xfrm>
           <a:prstGeom prst="rect">
             <a:avLst/>
@@ -2923,17 +2810,14 @@
           </a:bodyPr>
           <a:p>
             <a:endParaRPr b="0" lang="fr-FR" sz="3200" spc="-1" strike="noStrike">
-              <a:solidFill>
-                <a:srgbClr val="000000"/>
-              </a:solidFill>
-              <a:latin typeface="Calibri"/>
-            </a:endParaRPr>
-          </a:p>
-        </p:txBody>
-      </p:sp>
-      <p:sp>
-        <p:nvSpPr>
-          <p:cNvPr id="11" name="PlaceHolder 3"/>
+              <a:latin typeface="Arial"/>
+            </a:endParaRPr>
+          </a:p>
+        </p:txBody>
+      </p:sp>
+      <p:sp>
+        <p:nvSpPr>
+          <p:cNvPr id="8" name="PlaceHolder 3"/>
           <p:cNvSpPr>
             <a:spLocks noGrp="1"/>
           </p:cNvSpPr>
@@ -2943,8 +2827,8 @@
         </p:nvSpPr>
         <p:spPr>
           <a:xfrm>
-            <a:off x="4674240" y="1600200"/>
-            <a:ext cx="4015800" cy="4525560"/>
+            <a:off x="4674240" y="1604520"/>
+            <a:ext cx="4015800" cy="3977280"/>
           </a:xfrm>
           <a:prstGeom prst="rect">
             <a:avLst/>
@@ -2956,10 +2840,7 @@
           </a:bodyPr>
           <a:p>
             <a:endParaRPr b="0" lang="fr-FR" sz="3200" spc="-1" strike="noStrike">
-              <a:solidFill>
-                <a:srgbClr val="000000"/>
-              </a:solidFill>
-              <a:latin typeface="Calibri"/>
+              <a:latin typeface="Arial"/>
             </a:endParaRPr>
           </a:p>
         </p:txBody>
@@ -2988,7 +2869,7 @@
       </p:grpSpPr>
       <p:sp>
         <p:nvSpPr>
-          <p:cNvPr id="12" name="PlaceHolder 1"/>
+          <p:cNvPr id="9" name="PlaceHolder 1"/>
           <p:cNvSpPr>
             <a:spLocks noGrp="1"/>
           </p:cNvSpPr>
@@ -2998,8 +2879,8 @@
         </p:nvSpPr>
         <p:spPr>
           <a:xfrm>
-            <a:off x="457200" y="274680"/>
-            <a:ext cx="8229240" cy="1142640"/>
+            <a:off x="457200" y="273600"/>
+            <a:ext cx="8229240" cy="1144800"/>
           </a:xfrm>
           <a:prstGeom prst="rect">
             <a:avLst/>
@@ -3008,11 +2889,9 @@
         <p:txBody>
           <a:bodyPr lIns="0" rIns="0" tIns="0" bIns="0" anchor="ctr"/>
           <a:p>
-            <a:endParaRPr b="0" lang="fr-FR" sz="1800" spc="-1" strike="noStrike">
-              <a:solidFill>
-                <a:srgbClr val="000000"/>
-              </a:solidFill>
-              <a:latin typeface="Calibri"/>
+            <a:pPr algn="ctr"/>
+            <a:endParaRPr b="0" lang="fr-FR" sz="4400" spc="-1" strike="noStrike">
+              <a:latin typeface="Arial"/>
             </a:endParaRPr>
           </a:p>
         </p:txBody>
@@ -3041,7 +2920,7 @@
       </p:grpSpPr>
       <p:sp>
         <p:nvSpPr>
-          <p:cNvPr id="13" name="PlaceHolder 1"/>
+          <p:cNvPr id="10" name="PlaceHolder 1"/>
           <p:cNvSpPr>
             <a:spLocks noGrp="1"/>
           </p:cNvSpPr>
@@ -3051,8 +2930,8 @@
         </p:nvSpPr>
         <p:spPr>
           <a:xfrm>
-            <a:off x="457200" y="274680"/>
-            <a:ext cx="8229240" cy="5297760"/>
+            <a:off x="457200" y="273600"/>
+            <a:ext cx="8229240" cy="5307840"/>
           </a:xfrm>
           <a:prstGeom prst="rect">
             <a:avLst/>
@@ -3092,7 +2971,7 @@
       </p:grpSpPr>
       <p:sp>
         <p:nvSpPr>
-          <p:cNvPr id="14" name="PlaceHolder 1"/>
+          <p:cNvPr id="11" name="PlaceHolder 1"/>
           <p:cNvSpPr>
             <a:spLocks noGrp="1"/>
           </p:cNvSpPr>
@@ -3102,8 +2981,8 @@
         </p:nvSpPr>
         <p:spPr>
           <a:xfrm>
-            <a:off x="457200" y="274680"/>
-            <a:ext cx="8229240" cy="1142640"/>
+            <a:off x="457200" y="273600"/>
+            <a:ext cx="8229240" cy="1144800"/>
           </a:xfrm>
           <a:prstGeom prst="rect">
             <a:avLst/>
@@ -3112,18 +2991,16 @@
         <p:txBody>
           <a:bodyPr lIns="0" rIns="0" tIns="0" bIns="0" anchor="ctr"/>
           <a:p>
-            <a:endParaRPr b="0" lang="fr-FR" sz="1800" spc="-1" strike="noStrike">
-              <a:solidFill>
-                <a:srgbClr val="000000"/>
-              </a:solidFill>
-              <a:latin typeface="Calibri"/>
-            </a:endParaRPr>
-          </a:p>
-        </p:txBody>
-      </p:sp>
-      <p:sp>
-        <p:nvSpPr>
-          <p:cNvPr id="15" name="PlaceHolder 2"/>
+            <a:pPr algn="ctr"/>
+            <a:endParaRPr b="0" lang="fr-FR" sz="4400" spc="-1" strike="noStrike">
+              <a:latin typeface="Arial"/>
+            </a:endParaRPr>
+          </a:p>
+        </p:txBody>
+      </p:sp>
+      <p:sp>
+        <p:nvSpPr>
+          <p:cNvPr id="12" name="PlaceHolder 2"/>
           <p:cNvSpPr>
             <a:spLocks noGrp="1"/>
           </p:cNvSpPr>
@@ -3133,8 +3010,8 @@
         </p:nvSpPr>
         <p:spPr>
           <a:xfrm>
-            <a:off x="457200" y="1600200"/>
-            <a:ext cx="4015800" cy="2158560"/>
+            <a:off x="457200" y="1604520"/>
+            <a:ext cx="4015800" cy="1896840"/>
           </a:xfrm>
           <a:prstGeom prst="rect">
             <a:avLst/>
@@ -3146,17 +3023,14 @@
           </a:bodyPr>
           <a:p>
             <a:endParaRPr b="0" lang="fr-FR" sz="3200" spc="-1" strike="noStrike">
-              <a:solidFill>
-                <a:srgbClr val="000000"/>
-              </a:solidFill>
-              <a:latin typeface="Calibri"/>
-            </a:endParaRPr>
-          </a:p>
-        </p:txBody>
-      </p:sp>
-      <p:sp>
-        <p:nvSpPr>
-          <p:cNvPr id="16" name="PlaceHolder 3"/>
+              <a:latin typeface="Arial"/>
+            </a:endParaRPr>
+          </a:p>
+        </p:txBody>
+      </p:sp>
+      <p:sp>
+        <p:nvSpPr>
+          <p:cNvPr id="13" name="PlaceHolder 3"/>
           <p:cNvSpPr>
             <a:spLocks noGrp="1"/>
           </p:cNvSpPr>
@@ -3166,8 +3040,8 @@
         </p:nvSpPr>
         <p:spPr>
           <a:xfrm>
-            <a:off x="457200" y="3964320"/>
-            <a:ext cx="4015800" cy="2158560"/>
+            <a:off x="457200" y="3682080"/>
+            <a:ext cx="4015800" cy="1896840"/>
           </a:xfrm>
           <a:prstGeom prst="rect">
             <a:avLst/>
@@ -3179,17 +3053,14 @@
           </a:bodyPr>
           <a:p>
             <a:endParaRPr b="0" lang="fr-FR" sz="3200" spc="-1" strike="noStrike">
-              <a:solidFill>
-                <a:srgbClr val="000000"/>
-              </a:solidFill>
-              <a:latin typeface="Calibri"/>
-            </a:endParaRPr>
-          </a:p>
-        </p:txBody>
-      </p:sp>
-      <p:sp>
-        <p:nvSpPr>
-          <p:cNvPr id="17" name="PlaceHolder 4"/>
+              <a:latin typeface="Arial"/>
+            </a:endParaRPr>
+          </a:p>
+        </p:txBody>
+      </p:sp>
+      <p:sp>
+        <p:nvSpPr>
+          <p:cNvPr id="14" name="PlaceHolder 4"/>
           <p:cNvSpPr>
             <a:spLocks noGrp="1"/>
           </p:cNvSpPr>
@@ -3199,8 +3070,8 @@
         </p:nvSpPr>
         <p:spPr>
           <a:xfrm>
-            <a:off x="4674240" y="1600200"/>
-            <a:ext cx="4015800" cy="4525560"/>
+            <a:off x="4674240" y="1604520"/>
+            <a:ext cx="4015800" cy="3977280"/>
           </a:xfrm>
           <a:prstGeom prst="rect">
             <a:avLst/>
@@ -3212,10 +3083,7 @@
           </a:bodyPr>
           <a:p>
             <a:endParaRPr b="0" lang="fr-FR" sz="3200" spc="-1" strike="noStrike">
-              <a:solidFill>
-                <a:srgbClr val="000000"/>
-              </a:solidFill>
-              <a:latin typeface="Calibri"/>
+              <a:latin typeface="Arial"/>
             </a:endParaRPr>
           </a:p>
         </p:txBody>
@@ -3244,7 +3112,7 @@
       </p:grpSpPr>
       <p:sp>
         <p:nvSpPr>
-          <p:cNvPr id="18" name="PlaceHolder 1"/>
+          <p:cNvPr id="15" name="PlaceHolder 1"/>
           <p:cNvSpPr>
             <a:spLocks noGrp="1"/>
           </p:cNvSpPr>
@@ -3254,8 +3122,8 @@
         </p:nvSpPr>
         <p:spPr>
           <a:xfrm>
-            <a:off x="457200" y="274680"/>
-            <a:ext cx="8229240" cy="1142640"/>
+            <a:off x="457200" y="273600"/>
+            <a:ext cx="8229240" cy="1144800"/>
           </a:xfrm>
           <a:prstGeom prst="rect">
             <a:avLst/>
@@ -3264,18 +3132,16 @@
         <p:txBody>
           <a:bodyPr lIns="0" rIns="0" tIns="0" bIns="0" anchor="ctr"/>
           <a:p>
-            <a:endParaRPr b="0" lang="fr-FR" sz="1800" spc="-1" strike="noStrike">
-              <a:solidFill>
-                <a:srgbClr val="000000"/>
-              </a:solidFill>
-              <a:latin typeface="Calibri"/>
-            </a:endParaRPr>
-          </a:p>
-        </p:txBody>
-      </p:sp>
-      <p:sp>
-        <p:nvSpPr>
-          <p:cNvPr id="19" name="PlaceHolder 2"/>
+            <a:pPr algn="ctr"/>
+            <a:endParaRPr b="0" lang="fr-FR" sz="4400" spc="-1" strike="noStrike">
+              <a:latin typeface="Arial"/>
+            </a:endParaRPr>
+          </a:p>
+        </p:txBody>
+      </p:sp>
+      <p:sp>
+        <p:nvSpPr>
+          <p:cNvPr id="16" name="PlaceHolder 2"/>
           <p:cNvSpPr>
             <a:spLocks noGrp="1"/>
           </p:cNvSpPr>
@@ -3285,8 +3151,8 @@
         </p:nvSpPr>
         <p:spPr>
           <a:xfrm>
-            <a:off x="457200" y="1600200"/>
-            <a:ext cx="4015800" cy="4525560"/>
+            <a:off x="457200" y="1604520"/>
+            <a:ext cx="4015800" cy="3977280"/>
           </a:xfrm>
           <a:prstGeom prst="rect">
             <a:avLst/>
@@ -3298,17 +3164,14 @@
           </a:bodyPr>
           <a:p>
             <a:endParaRPr b="0" lang="fr-FR" sz="3200" spc="-1" strike="noStrike">
-              <a:solidFill>
-                <a:srgbClr val="000000"/>
-              </a:solidFill>
-              <a:latin typeface="Calibri"/>
-            </a:endParaRPr>
-          </a:p>
-        </p:txBody>
-      </p:sp>
-      <p:sp>
-        <p:nvSpPr>
-          <p:cNvPr id="20" name="PlaceHolder 3"/>
+              <a:latin typeface="Arial"/>
+            </a:endParaRPr>
+          </a:p>
+        </p:txBody>
+      </p:sp>
+      <p:sp>
+        <p:nvSpPr>
+          <p:cNvPr id="17" name="PlaceHolder 3"/>
           <p:cNvSpPr>
             <a:spLocks noGrp="1"/>
           </p:cNvSpPr>
@@ -3318,8 +3181,8 @@
         </p:nvSpPr>
         <p:spPr>
           <a:xfrm>
-            <a:off x="4674240" y="1600200"/>
-            <a:ext cx="4015800" cy="2158560"/>
+            <a:off x="4674240" y="1604520"/>
+            <a:ext cx="4015800" cy="1896840"/>
           </a:xfrm>
           <a:prstGeom prst="rect">
             <a:avLst/>
@@ -3331,17 +3194,14 @@
           </a:bodyPr>
           <a:p>
             <a:endParaRPr b="0" lang="fr-FR" sz="3200" spc="-1" strike="noStrike">
-              <a:solidFill>
-                <a:srgbClr val="000000"/>
-              </a:solidFill>
-              <a:latin typeface="Calibri"/>
-            </a:endParaRPr>
-          </a:p>
-        </p:txBody>
-      </p:sp>
-      <p:sp>
-        <p:nvSpPr>
-          <p:cNvPr id="21" name="PlaceHolder 4"/>
+              <a:latin typeface="Arial"/>
+            </a:endParaRPr>
+          </a:p>
+        </p:txBody>
+      </p:sp>
+      <p:sp>
+        <p:nvSpPr>
+          <p:cNvPr id="18" name="PlaceHolder 4"/>
           <p:cNvSpPr>
             <a:spLocks noGrp="1"/>
           </p:cNvSpPr>
@@ -3351,8 +3211,8 @@
         </p:nvSpPr>
         <p:spPr>
           <a:xfrm>
-            <a:off x="4674240" y="3964320"/>
-            <a:ext cx="4015800" cy="2158560"/>
+            <a:off x="4674240" y="3682080"/>
+            <a:ext cx="4015800" cy="1896840"/>
           </a:xfrm>
           <a:prstGeom prst="rect">
             <a:avLst/>
@@ -3364,10 +3224,7 @@
           </a:bodyPr>
           <a:p>
             <a:endParaRPr b="0" lang="fr-FR" sz="3200" spc="-1" strike="noStrike">
-              <a:solidFill>
-                <a:srgbClr val="000000"/>
-              </a:solidFill>
-              <a:latin typeface="Calibri"/>
+              <a:latin typeface="Arial"/>
             </a:endParaRPr>
           </a:p>
         </p:txBody>
@@ -3396,7 +3253,7 @@
       </p:grpSpPr>
       <p:sp>
         <p:nvSpPr>
-          <p:cNvPr id="22" name="PlaceHolder 1"/>
+          <p:cNvPr id="19" name="PlaceHolder 1"/>
           <p:cNvSpPr>
             <a:spLocks noGrp="1"/>
           </p:cNvSpPr>
@@ -3406,8 +3263,8 @@
         </p:nvSpPr>
         <p:spPr>
           <a:xfrm>
-            <a:off x="457200" y="274680"/>
-            <a:ext cx="8229240" cy="1142640"/>
+            <a:off x="457200" y="273600"/>
+            <a:ext cx="8229240" cy="1144800"/>
           </a:xfrm>
           <a:prstGeom prst="rect">
             <a:avLst/>
@@ -3416,18 +3273,16 @@
         <p:txBody>
           <a:bodyPr lIns="0" rIns="0" tIns="0" bIns="0" anchor="ctr"/>
           <a:p>
-            <a:endParaRPr b="0" lang="fr-FR" sz="1800" spc="-1" strike="noStrike">
-              <a:solidFill>
-                <a:srgbClr val="000000"/>
-              </a:solidFill>
-              <a:latin typeface="Calibri"/>
-            </a:endParaRPr>
-          </a:p>
-        </p:txBody>
-      </p:sp>
-      <p:sp>
-        <p:nvSpPr>
-          <p:cNvPr id="23" name="PlaceHolder 2"/>
+            <a:pPr algn="ctr"/>
+            <a:endParaRPr b="0" lang="fr-FR" sz="4400" spc="-1" strike="noStrike">
+              <a:latin typeface="Arial"/>
+            </a:endParaRPr>
+          </a:p>
+        </p:txBody>
+      </p:sp>
+      <p:sp>
+        <p:nvSpPr>
+          <p:cNvPr id="20" name="PlaceHolder 2"/>
           <p:cNvSpPr>
             <a:spLocks noGrp="1"/>
           </p:cNvSpPr>
@@ -3437,8 +3292,8 @@
         </p:nvSpPr>
         <p:spPr>
           <a:xfrm>
-            <a:off x="457200" y="1600200"/>
-            <a:ext cx="4015800" cy="2158560"/>
+            <a:off x="457200" y="1604520"/>
+            <a:ext cx="4015800" cy="1896840"/>
           </a:xfrm>
           <a:prstGeom prst="rect">
             <a:avLst/>
@@ -3450,17 +3305,14 @@
           </a:bodyPr>
           <a:p>
             <a:endParaRPr b="0" lang="fr-FR" sz="3200" spc="-1" strike="noStrike">
-              <a:solidFill>
-                <a:srgbClr val="000000"/>
-              </a:solidFill>
-              <a:latin typeface="Calibri"/>
-            </a:endParaRPr>
-          </a:p>
-        </p:txBody>
-      </p:sp>
-      <p:sp>
-        <p:nvSpPr>
-          <p:cNvPr id="24" name="PlaceHolder 3"/>
+              <a:latin typeface="Arial"/>
+            </a:endParaRPr>
+          </a:p>
+        </p:txBody>
+      </p:sp>
+      <p:sp>
+        <p:nvSpPr>
+          <p:cNvPr id="21" name="PlaceHolder 3"/>
           <p:cNvSpPr>
             <a:spLocks noGrp="1"/>
           </p:cNvSpPr>
@@ -3470,8 +3322,8 @@
         </p:nvSpPr>
         <p:spPr>
           <a:xfrm>
-            <a:off x="4674240" y="1600200"/>
-            <a:ext cx="4015800" cy="2158560"/>
+            <a:off x="4674240" y="1604520"/>
+            <a:ext cx="4015800" cy="1896840"/>
           </a:xfrm>
           <a:prstGeom prst="rect">
             <a:avLst/>
@@ -3483,17 +3335,14 @@
           </a:bodyPr>
           <a:p>
             <a:endParaRPr b="0" lang="fr-FR" sz="3200" spc="-1" strike="noStrike">
-              <a:solidFill>
-                <a:srgbClr val="000000"/>
-              </a:solidFill>
-              <a:latin typeface="Calibri"/>
-            </a:endParaRPr>
-          </a:p>
-        </p:txBody>
-      </p:sp>
-      <p:sp>
-        <p:nvSpPr>
-          <p:cNvPr id="25" name="PlaceHolder 4"/>
+              <a:latin typeface="Arial"/>
+            </a:endParaRPr>
+          </a:p>
+        </p:txBody>
+      </p:sp>
+      <p:sp>
+        <p:nvSpPr>
+          <p:cNvPr id="22" name="PlaceHolder 4"/>
           <p:cNvSpPr>
             <a:spLocks noGrp="1"/>
           </p:cNvSpPr>
@@ -3503,8 +3352,8 @@
         </p:nvSpPr>
         <p:spPr>
           <a:xfrm>
-            <a:off x="457200" y="3964320"/>
-            <a:ext cx="8229240" cy="2158560"/>
+            <a:off x="457200" y="3682080"/>
+            <a:ext cx="8229240" cy="1896840"/>
           </a:xfrm>
           <a:prstGeom prst="rect">
             <a:avLst/>
@@ -3516,10 +3365,7 @@
           </a:bodyPr>
           <a:p>
             <a:endParaRPr b="0" lang="fr-FR" sz="3200" spc="-1" strike="noStrike">
-              <a:solidFill>
-                <a:srgbClr val="000000"/>
-              </a:solidFill>
-              <a:latin typeface="Calibri"/>
+              <a:latin typeface="Arial"/>
             </a:endParaRPr>
           </a:p>
         </p:txBody>
@@ -3565,35 +3411,24 @@
         </p:nvSpPr>
         <p:spPr>
           <a:xfrm>
-            <a:off x="685800" y="2130480"/>
-            <a:ext cx="7772040" cy="1469520"/>
-          </a:xfrm>
-          <a:prstGeom prst="rect">
-            <a:avLst/>
-          </a:prstGeom>
-        </p:spPr>
-        <p:txBody>
-          <a:bodyPr anchor="ctr"/>
-          <a:p>
-            <a:pPr algn="ctr">
-              <a:lnSpc>
-                <a:spcPct val="100000"/>
-              </a:lnSpc>
-            </a:pPr>
-            <a:r>
-              <a:rPr b="0" lang="fr-FR" sz="4400" spc="-1" strike="noStrike">
-                <a:solidFill>
-                  <a:srgbClr val="000000"/>
-                </a:solidFill>
-                <a:latin typeface="Calibri"/>
-              </a:rPr>
-              <a:t>Cliquez pour modifier le style du titre</a:t>
-            </a:r>
-            <a:endParaRPr b="0" lang="fr-FR" sz="4400" spc="-1" strike="noStrike">
-              <a:solidFill>
-                <a:srgbClr val="000000"/>
-              </a:solidFill>
-              <a:latin typeface="Calibri"/>
+            <a:off x="457200" y="274680"/>
+            <a:ext cx="8228880" cy="1142280"/>
+          </a:xfrm>
+          <a:prstGeom prst="rect">
+            <a:avLst/>
+          </a:prstGeom>
+        </p:spPr>
+        <p:txBody>
+          <a:bodyPr lIns="0" rIns="0" tIns="0" bIns="0" anchor="ctr"/>
+          <a:p>
+            <a:r>
+              <a:rPr b="0" lang="fr-FR" sz="1800" spc="-1" strike="noStrike">
+                <a:latin typeface="Arial"/>
+              </a:rPr>
+              <a:t>Cliquez pour éditer le format du texte-titre</a:t>
+            </a:r>
+            <a:endParaRPr b="0" lang="fr-FR" sz="1800" spc="-1" strike="noStrike">
+              <a:latin typeface="Arial"/>
             </a:endParaRPr>
           </a:p>
         </p:txBody>
@@ -3601,118 +3436,6 @@
       <p:sp>
         <p:nvSpPr>
           <p:cNvPr id="1" name="PlaceHolder 2"/>
-          <p:cNvSpPr>
-            <a:spLocks noGrp="1"/>
-          </p:cNvSpPr>
-          <p:nvPr>
-            <p:ph type="dt"/>
-          </p:nvPr>
-        </p:nvSpPr>
-        <p:spPr>
-          <a:xfrm>
-            <a:off x="457200" y="6356520"/>
-            <a:ext cx="2133360" cy="364680"/>
-          </a:xfrm>
-          <a:prstGeom prst="rect">
-            <a:avLst/>
-          </a:prstGeom>
-        </p:spPr>
-        <p:txBody>
-          <a:bodyPr anchor="ctr"/>
-          <a:p>
-            <a:pPr>
-              <a:lnSpc>
-                <a:spcPct val="100000"/>
-              </a:lnSpc>
-            </a:pPr>
-            <a:fld id="{9FA5F36B-7E47-4C45-AAAD-3F5D09B50C48}" type="datetime">
-              <a:rPr b="0" lang="fr-FR" sz="1200" spc="-1" strike="noStrike">
-                <a:solidFill>
-                  <a:srgbClr val="8b8b8b"/>
-                </a:solidFill>
-                <a:latin typeface="Calibri"/>
-              </a:rPr>
-              <a:t>01/06/2021</a:t>
-            </a:fld>
-            <a:endParaRPr b="0" lang="fr-FR" sz="1200" spc="-1" strike="noStrike">
-              <a:latin typeface="Times New Roman"/>
-            </a:endParaRPr>
-          </a:p>
-        </p:txBody>
-      </p:sp>
-      <p:sp>
-        <p:nvSpPr>
-          <p:cNvPr id="2" name="PlaceHolder 3"/>
-          <p:cNvSpPr>
-            <a:spLocks noGrp="1"/>
-          </p:cNvSpPr>
-          <p:nvPr>
-            <p:ph type="ftr"/>
-          </p:nvPr>
-        </p:nvSpPr>
-        <p:spPr>
-          <a:xfrm>
-            <a:off x="3124080" y="6356520"/>
-            <a:ext cx="2895120" cy="364680"/>
-          </a:xfrm>
-          <a:prstGeom prst="rect">
-            <a:avLst/>
-          </a:prstGeom>
-        </p:spPr>
-        <p:txBody>
-          <a:bodyPr anchor="ctr"/>
-          <a:p>
-            <a:endParaRPr b="0" lang="fr-FR" sz="2400" spc="-1" strike="noStrike">
-              <a:latin typeface="Times New Roman"/>
-            </a:endParaRPr>
-          </a:p>
-        </p:txBody>
-      </p:sp>
-      <p:sp>
-        <p:nvSpPr>
-          <p:cNvPr id="3" name="PlaceHolder 4"/>
-          <p:cNvSpPr>
-            <a:spLocks noGrp="1"/>
-          </p:cNvSpPr>
-          <p:nvPr>
-            <p:ph type="sldNum"/>
-          </p:nvPr>
-        </p:nvSpPr>
-        <p:spPr>
-          <a:xfrm>
-            <a:off x="6553080" y="6356520"/>
-            <a:ext cx="2133360" cy="364680"/>
-          </a:xfrm>
-          <a:prstGeom prst="rect">
-            <a:avLst/>
-          </a:prstGeom>
-        </p:spPr>
-        <p:txBody>
-          <a:bodyPr anchor="ctr"/>
-          <a:p>
-            <a:pPr algn="r">
-              <a:lnSpc>
-                <a:spcPct val="100000"/>
-              </a:lnSpc>
-            </a:pPr>
-            <a:fld id="{E3CB9CF4-2932-4C06-9836-C49D960DD329}" type="slidenum">
-              <a:rPr b="0" lang="fr-FR" sz="1200" spc="-1" strike="noStrike">
-                <a:solidFill>
-                  <a:srgbClr val="8b8b8b"/>
-                </a:solidFill>
-                <a:latin typeface="Calibri"/>
-              </a:rPr>
-              <a:t>1</a:t>
-            </a:fld>
-            <a:endParaRPr b="0" lang="fr-FR" sz="1200" spc="-1" strike="noStrike">
-              <a:latin typeface="Times New Roman"/>
-            </a:endParaRPr>
-          </a:p>
-        </p:txBody>
-      </p:sp>
-      <p:sp>
-        <p:nvSpPr>
-          <p:cNvPr id="4" name="PlaceHolder 5"/>
           <p:cNvSpPr>
             <a:spLocks noGrp="1"/>
           </p:cNvSpPr>
@@ -3747,18 +3470,12 @@
             </a:pPr>
             <a:r>
               <a:rPr b="0" lang="fr-FR" sz="3200" spc="-1" strike="noStrike">
-                <a:solidFill>
-                  <a:srgbClr val="000000"/>
-                </a:solidFill>
-                <a:latin typeface="Calibri"/>
+                <a:latin typeface="Arial"/>
               </a:rPr>
               <a:t>Cliquez pour éditer le format du plan de texte</a:t>
             </a:r>
             <a:endParaRPr b="0" lang="fr-FR" sz="3200" spc="-1" strike="noStrike">
-              <a:solidFill>
-                <a:srgbClr val="000000"/>
-              </a:solidFill>
-              <a:latin typeface="Calibri"/>
+              <a:latin typeface="Arial"/>
             </a:endParaRPr>
           </a:p>
           <a:p>
@@ -3774,19 +3491,13 @@
               <a:buChar char=""/>
             </a:pPr>
             <a:r>
-              <a:rPr b="0" lang="fr-FR" sz="2400" spc="-1" strike="noStrike">
-                <a:solidFill>
-                  <a:srgbClr val="000000"/>
-                </a:solidFill>
-                <a:latin typeface="Calibri"/>
+              <a:rPr b="0" lang="fr-FR" sz="2800" spc="-1" strike="noStrike">
+                <a:latin typeface="Arial"/>
               </a:rPr>
               <a:t>Second niveau de plan</a:t>
             </a:r>
-            <a:endParaRPr b="0" lang="fr-FR" sz="2400" spc="-1" strike="noStrike">
-              <a:solidFill>
-                <a:srgbClr val="000000"/>
-              </a:solidFill>
-              <a:latin typeface="Calibri"/>
+            <a:endParaRPr b="0" lang="fr-FR" sz="2800" spc="-1" strike="noStrike">
+              <a:latin typeface="Arial"/>
             </a:endParaRPr>
           </a:p>
           <a:p>
@@ -3802,19 +3513,13 @@
               <a:buChar char=""/>
             </a:pPr>
             <a:r>
-              <a:rPr b="0" lang="fr-FR" sz="2000" spc="-1" strike="noStrike">
-                <a:solidFill>
-                  <a:srgbClr val="000000"/>
-                </a:solidFill>
-                <a:latin typeface="Calibri"/>
+              <a:rPr b="0" lang="fr-FR" sz="2400" spc="-1" strike="noStrike">
+                <a:latin typeface="Arial"/>
               </a:rPr>
               <a:t>Troisième niveau de plan</a:t>
             </a:r>
-            <a:endParaRPr b="0" lang="fr-FR" sz="2000" spc="-1" strike="noStrike">
-              <a:solidFill>
-                <a:srgbClr val="000000"/>
-              </a:solidFill>
-              <a:latin typeface="Calibri"/>
+            <a:endParaRPr b="0" lang="fr-FR" sz="2400" spc="-1" strike="noStrike">
+              <a:latin typeface="Arial"/>
             </a:endParaRPr>
           </a:p>
           <a:p>
@@ -3831,18 +3536,12 @@
             </a:pPr>
             <a:r>
               <a:rPr b="0" lang="fr-FR" sz="2000" spc="-1" strike="noStrike">
-                <a:solidFill>
-                  <a:srgbClr val="000000"/>
-                </a:solidFill>
-                <a:latin typeface="Calibri"/>
+                <a:latin typeface="Arial"/>
               </a:rPr>
               <a:t>Quatrième niveau de plan</a:t>
             </a:r>
             <a:endParaRPr b="0" lang="fr-FR" sz="2000" spc="-1" strike="noStrike">
-              <a:solidFill>
-                <a:srgbClr val="000000"/>
-              </a:solidFill>
-              <a:latin typeface="Calibri"/>
+              <a:latin typeface="Arial"/>
             </a:endParaRPr>
           </a:p>
           <a:p>
@@ -3859,18 +3558,12 @@
             </a:pPr>
             <a:r>
               <a:rPr b="0" lang="fr-FR" sz="2000" spc="-1" strike="noStrike">
-                <a:solidFill>
-                  <a:srgbClr val="000000"/>
-                </a:solidFill>
-                <a:latin typeface="Calibri"/>
+                <a:latin typeface="Arial"/>
               </a:rPr>
               <a:t>Cinquième niveau de plan</a:t>
             </a:r>
             <a:endParaRPr b="0" lang="fr-FR" sz="2000" spc="-1" strike="noStrike">
-              <a:solidFill>
-                <a:srgbClr val="000000"/>
-              </a:solidFill>
-              <a:latin typeface="Calibri"/>
+              <a:latin typeface="Arial"/>
             </a:endParaRPr>
           </a:p>
           <a:p>
@@ -3887,18 +3580,12 @@
             </a:pPr>
             <a:r>
               <a:rPr b="0" lang="fr-FR" sz="2000" spc="-1" strike="noStrike">
-                <a:solidFill>
-                  <a:srgbClr val="000000"/>
-                </a:solidFill>
-                <a:latin typeface="Calibri"/>
+                <a:latin typeface="Arial"/>
               </a:rPr>
               <a:t>Sixième niveau de plan</a:t>
             </a:r>
             <a:endParaRPr b="0" lang="fr-FR" sz="2000" spc="-1" strike="noStrike">
-              <a:solidFill>
-                <a:srgbClr val="000000"/>
-              </a:solidFill>
-              <a:latin typeface="Calibri"/>
+              <a:latin typeface="Arial"/>
             </a:endParaRPr>
           </a:p>
           <a:p>
@@ -3915,18 +3602,12 @@
             </a:pPr>
             <a:r>
               <a:rPr b="0" lang="fr-FR" sz="2000" spc="-1" strike="noStrike">
-                <a:solidFill>
-                  <a:srgbClr val="000000"/>
-                </a:solidFill>
-                <a:latin typeface="Calibri"/>
+                <a:latin typeface="Arial"/>
               </a:rPr>
               <a:t>Septième niveau de plan</a:t>
             </a:r>
             <a:endParaRPr b="0" lang="fr-FR" sz="2000" spc="-1" strike="noStrike">
-              <a:solidFill>
-                <a:srgbClr val="000000"/>
-              </a:solidFill>
-              <a:latin typeface="Calibri"/>
+              <a:latin typeface="Arial"/>
             </a:endParaRPr>
           </a:p>
         </p:txBody>
@@ -3977,7 +3658,7 @@
       </p:grpSpPr>
       <p:sp>
         <p:nvSpPr>
-          <p:cNvPr id="41" name="PlaceHolder 1"/>
+          <p:cNvPr id="38" name="PlaceHolder 1"/>
           <p:cNvSpPr>
             <a:spLocks noGrp="1"/>
           </p:cNvSpPr>
@@ -3987,42 +3668,32 @@
         </p:nvSpPr>
         <p:spPr>
           <a:xfrm>
-            <a:off x="457200" y="274680"/>
-            <a:ext cx="8229240" cy="1142640"/>
-          </a:xfrm>
-          <a:prstGeom prst="rect">
-            <a:avLst/>
-          </a:prstGeom>
-        </p:spPr>
-        <p:txBody>
-          <a:bodyPr anchor="ctr"/>
-          <a:p>
-            <a:pPr algn="ctr">
-              <a:lnSpc>
-                <a:spcPct val="100000"/>
-              </a:lnSpc>
-            </a:pPr>
+            <a:off x="457200" y="273600"/>
+            <a:ext cx="8229240" cy="1144800"/>
+          </a:xfrm>
+          <a:prstGeom prst="rect">
+            <a:avLst/>
+          </a:prstGeom>
+        </p:spPr>
+        <p:txBody>
+          <a:bodyPr lIns="0" rIns="0" tIns="0" bIns="0" anchor="ctr"/>
+          <a:p>
+            <a:pPr algn="ctr"/>
             <a:r>
               <a:rPr b="0" lang="fr-FR" sz="4400" spc="-1" strike="noStrike">
-                <a:solidFill>
-                  <a:srgbClr val="000000"/>
-                </a:solidFill>
-                <a:latin typeface="Calibri"/>
-              </a:rPr>
-              <a:t>Cliquez pour modifier le style du titre</a:t>
+                <a:latin typeface="Arial"/>
+              </a:rPr>
+              <a:t>Cliquez pour éditer le format du texte-titre</a:t>
             </a:r>
             <a:endParaRPr b="0" lang="fr-FR" sz="4400" spc="-1" strike="noStrike">
-              <a:solidFill>
-                <a:srgbClr val="000000"/>
-              </a:solidFill>
-              <a:latin typeface="Calibri"/>
-            </a:endParaRPr>
-          </a:p>
-        </p:txBody>
-      </p:sp>
-      <p:sp>
-        <p:nvSpPr>
-          <p:cNvPr id="42" name="PlaceHolder 2"/>
+              <a:latin typeface="Arial"/>
+            </a:endParaRPr>
+          </a:p>
+        </p:txBody>
+      </p:sp>
+      <p:sp>
+        <p:nvSpPr>
+          <p:cNvPr id="39" name="PlaceHolder 2"/>
           <p:cNvSpPr>
             <a:spLocks noGrp="1"/>
           </p:cNvSpPr>
@@ -4032,275 +3703,169 @@
         </p:nvSpPr>
         <p:spPr>
           <a:xfrm>
-            <a:off x="457200" y="1600200"/>
-            <a:ext cx="8229240" cy="4525560"/>
-          </a:xfrm>
-          <a:prstGeom prst="rect">
-            <a:avLst/>
-          </a:prstGeom>
-        </p:spPr>
-        <p:txBody>
-          <a:bodyPr/>
-          <a:p>
-            <a:pPr marL="343080" indent="-342720">
-              <a:lnSpc>
-                <a:spcPct val="100000"/>
-              </a:lnSpc>
+            <a:off x="457200" y="1604520"/>
+            <a:ext cx="8229240" cy="3977280"/>
+          </a:xfrm>
+          <a:prstGeom prst="rect">
+            <a:avLst/>
+          </a:prstGeom>
+        </p:spPr>
+        <p:txBody>
+          <a:bodyPr lIns="0" rIns="0" tIns="0" bIns="0">
+            <a:normAutofit/>
+          </a:bodyPr>
+          <a:p>
+            <a:pPr marL="432000" indent="-324000">
               <a:spcBef>
-                <a:spcPts val="641"/>
+                <a:spcPts val="1417"/>
               </a:spcBef>
               <a:buClr>
                 <a:srgbClr val="000000"/>
               </a:buClr>
-              <a:buFont typeface="Arial"/>
-              <a:buChar char="•"/>
+              <a:buSzPct val="45000"/>
+              <a:buFont typeface="Wingdings" charset="2"/>
+              <a:buChar char=""/>
             </a:pPr>
             <a:r>
               <a:rPr b="0" lang="fr-FR" sz="3200" spc="-1" strike="noStrike">
-                <a:solidFill>
-                  <a:srgbClr val="000000"/>
-                </a:solidFill>
-                <a:latin typeface="Calibri"/>
-              </a:rPr>
-              <a:t>Cliquez pour modifier les styles du texte du masque</a:t>
+                <a:latin typeface="Arial"/>
+              </a:rPr>
+              <a:t>Cliquez pour éditer le format du plan de texte</a:t>
             </a:r>
             <a:endParaRPr b="0" lang="fr-FR" sz="3200" spc="-1" strike="noStrike">
-              <a:solidFill>
-                <a:srgbClr val="000000"/>
-              </a:solidFill>
-              <a:latin typeface="Calibri"/>
-            </a:endParaRPr>
-          </a:p>
-          <a:p>
-            <a:pPr lvl="1" marL="743040" indent="-285480">
-              <a:lnSpc>
-                <a:spcPct val="100000"/>
-              </a:lnSpc>
+              <a:latin typeface="Arial"/>
+            </a:endParaRPr>
+          </a:p>
+          <a:p>
+            <a:pPr lvl="1" marL="864000" indent="-324000">
               <a:spcBef>
-                <a:spcPts val="561"/>
+                <a:spcPts val="1134"/>
               </a:spcBef>
               <a:buClr>
                 <a:srgbClr val="000000"/>
               </a:buClr>
-              <a:buFont typeface="Arial"/>
-              <a:buChar char="–"/>
+              <a:buSzPct val="75000"/>
+              <a:buFont typeface="Symbol" charset="2"/>
+              <a:buChar char=""/>
             </a:pPr>
             <a:r>
               <a:rPr b="0" lang="fr-FR" sz="2800" spc="-1" strike="noStrike">
-                <a:solidFill>
-                  <a:srgbClr val="000000"/>
-                </a:solidFill>
-                <a:latin typeface="Calibri"/>
-              </a:rPr>
-              <a:t>Deuxième niveau</a:t>
+                <a:latin typeface="Arial"/>
+              </a:rPr>
+              <a:t>Second niveau de plan</a:t>
             </a:r>
             <a:endParaRPr b="0" lang="fr-FR" sz="2800" spc="-1" strike="noStrike">
-              <a:solidFill>
-                <a:srgbClr val="000000"/>
-              </a:solidFill>
-              <a:latin typeface="Calibri"/>
-            </a:endParaRPr>
-          </a:p>
-          <a:p>
-            <a:pPr lvl="2" marL="1143000" indent="-228240">
-              <a:lnSpc>
-                <a:spcPct val="100000"/>
-              </a:lnSpc>
+              <a:latin typeface="Arial"/>
+            </a:endParaRPr>
+          </a:p>
+          <a:p>
+            <a:pPr lvl="2" marL="1296000" indent="-288000">
               <a:spcBef>
-                <a:spcPts val="479"/>
+                <a:spcPts val="850"/>
               </a:spcBef>
               <a:buClr>
                 <a:srgbClr val="000000"/>
               </a:buClr>
-              <a:buFont typeface="Arial"/>
-              <a:buChar char="•"/>
+              <a:buSzPct val="45000"/>
+              <a:buFont typeface="Wingdings" charset="2"/>
+              <a:buChar char=""/>
             </a:pPr>
             <a:r>
               <a:rPr b="0" lang="fr-FR" sz="2400" spc="-1" strike="noStrike">
-                <a:solidFill>
-                  <a:srgbClr val="000000"/>
-                </a:solidFill>
-                <a:latin typeface="Calibri"/>
-              </a:rPr>
-              <a:t>Troisième niveau</a:t>
+                <a:latin typeface="Arial"/>
+              </a:rPr>
+              <a:t>Troisième niveau de plan</a:t>
             </a:r>
             <a:endParaRPr b="0" lang="fr-FR" sz="2400" spc="-1" strike="noStrike">
-              <a:solidFill>
-                <a:srgbClr val="000000"/>
-              </a:solidFill>
-              <a:latin typeface="Calibri"/>
-            </a:endParaRPr>
-          </a:p>
-          <a:p>
-            <a:pPr lvl="3" marL="1600200" indent="-228240">
-              <a:lnSpc>
-                <a:spcPct val="100000"/>
-              </a:lnSpc>
+              <a:latin typeface="Arial"/>
+            </a:endParaRPr>
+          </a:p>
+          <a:p>
+            <a:pPr lvl="3" marL="1728000" indent="-216000">
               <a:spcBef>
-                <a:spcPts val="400"/>
+                <a:spcPts val="567"/>
               </a:spcBef>
               <a:buClr>
                 <a:srgbClr val="000000"/>
               </a:buClr>
-              <a:buFont typeface="Arial"/>
-              <a:buChar char="–"/>
+              <a:buSzPct val="75000"/>
+              <a:buFont typeface="Symbol" charset="2"/>
+              <a:buChar char=""/>
             </a:pPr>
             <a:r>
               <a:rPr b="0" lang="fr-FR" sz="2000" spc="-1" strike="noStrike">
-                <a:solidFill>
-                  <a:srgbClr val="000000"/>
-                </a:solidFill>
-                <a:latin typeface="Calibri"/>
-              </a:rPr>
-              <a:t>Quatrième niveau</a:t>
+                <a:latin typeface="Arial"/>
+              </a:rPr>
+              <a:t>Quatrième niveau de plan</a:t>
             </a:r>
             <a:endParaRPr b="0" lang="fr-FR" sz="2000" spc="-1" strike="noStrike">
-              <a:solidFill>
-                <a:srgbClr val="000000"/>
-              </a:solidFill>
-              <a:latin typeface="Calibri"/>
-            </a:endParaRPr>
-          </a:p>
-          <a:p>
-            <a:pPr lvl="4" marL="2057400" indent="-228240">
-              <a:lnSpc>
-                <a:spcPct val="100000"/>
-              </a:lnSpc>
+              <a:latin typeface="Arial"/>
+            </a:endParaRPr>
+          </a:p>
+          <a:p>
+            <a:pPr lvl="4" marL="2160000" indent="-216000">
               <a:spcBef>
-                <a:spcPts val="400"/>
+                <a:spcPts val="283"/>
               </a:spcBef>
               <a:buClr>
                 <a:srgbClr val="000000"/>
               </a:buClr>
-              <a:buFont typeface="Arial"/>
-              <a:buChar char="»"/>
+              <a:buSzPct val="45000"/>
+              <a:buFont typeface="Wingdings" charset="2"/>
+              <a:buChar char=""/>
             </a:pPr>
             <a:r>
               <a:rPr b="0" lang="fr-FR" sz="2000" spc="-1" strike="noStrike">
-                <a:solidFill>
-                  <a:srgbClr val="000000"/>
-                </a:solidFill>
-                <a:latin typeface="Calibri"/>
-              </a:rPr>
-              <a:t>Cinquième niveau</a:t>
+                <a:latin typeface="Arial"/>
+              </a:rPr>
+              <a:t>Cinquième niveau de plan</a:t>
             </a:r>
             <a:endParaRPr b="0" lang="fr-FR" sz="2000" spc="-1" strike="noStrike">
-              <a:solidFill>
+              <a:latin typeface="Arial"/>
+            </a:endParaRPr>
+          </a:p>
+          <a:p>
+            <a:pPr lvl="5" marL="2592000" indent="-216000">
+              <a:spcBef>
+                <a:spcPts val="283"/>
+              </a:spcBef>
+              <a:buClr>
                 <a:srgbClr val="000000"/>
-              </a:solidFill>
-              <a:latin typeface="Calibri"/>
-            </a:endParaRPr>
-          </a:p>
-        </p:txBody>
-      </p:sp>
-      <p:sp>
-        <p:nvSpPr>
-          <p:cNvPr id="43" name="PlaceHolder 3"/>
-          <p:cNvSpPr>
-            <a:spLocks noGrp="1"/>
-          </p:cNvSpPr>
-          <p:nvPr>
-            <p:ph type="dt"/>
-          </p:nvPr>
-        </p:nvSpPr>
-        <p:spPr>
-          <a:xfrm>
-            <a:off x="457200" y="6356520"/>
-            <a:ext cx="2133360" cy="364680"/>
-          </a:xfrm>
-          <a:prstGeom prst="rect">
-            <a:avLst/>
-          </a:prstGeom>
-        </p:spPr>
-        <p:txBody>
-          <a:bodyPr anchor="ctr"/>
-          <a:p>
-            <a:pPr>
-              <a:lnSpc>
-                <a:spcPct val="100000"/>
-              </a:lnSpc>
-            </a:pPr>
-            <a:fld id="{13F94A48-FB8C-451E-AF94-CC18F0F478F6}" type="datetime">
-              <a:rPr b="0" lang="fr-FR" sz="1200" spc="-1" strike="noStrike">
-                <a:solidFill>
-                  <a:srgbClr val="8b8b8b"/>
-                </a:solidFill>
-                <a:latin typeface="Calibri"/>
-              </a:rPr>
-              <a:t>01/06/2021</a:t>
-            </a:fld>
-            <a:endParaRPr b="0" lang="fr-FR" sz="1200" spc="-1" strike="noStrike">
-              <a:latin typeface="Times New Roman"/>
-            </a:endParaRPr>
-          </a:p>
-        </p:txBody>
-      </p:sp>
-      <p:sp>
-        <p:nvSpPr>
-          <p:cNvPr id="44" name="PlaceHolder 4"/>
-          <p:cNvSpPr>
-            <a:spLocks noGrp="1"/>
-          </p:cNvSpPr>
-          <p:nvPr>
-            <p:ph type="ftr"/>
-          </p:nvPr>
-        </p:nvSpPr>
-        <p:spPr>
-          <a:xfrm>
-            <a:off x="3124080" y="6356520"/>
-            <a:ext cx="2895120" cy="364680"/>
-          </a:xfrm>
-          <a:prstGeom prst="rect">
-            <a:avLst/>
-          </a:prstGeom>
-        </p:spPr>
-        <p:txBody>
-          <a:bodyPr anchor="ctr"/>
-          <a:p>
-            <a:endParaRPr b="0" lang="fr-FR" sz="2400" spc="-1" strike="noStrike">
-              <a:latin typeface="Times New Roman"/>
-            </a:endParaRPr>
-          </a:p>
-        </p:txBody>
-      </p:sp>
-      <p:sp>
-        <p:nvSpPr>
-          <p:cNvPr id="45" name="PlaceHolder 5"/>
-          <p:cNvSpPr>
-            <a:spLocks noGrp="1"/>
-          </p:cNvSpPr>
-          <p:nvPr>
-            <p:ph type="sldNum"/>
-          </p:nvPr>
-        </p:nvSpPr>
-        <p:spPr>
-          <a:xfrm>
-            <a:off x="6553080" y="6356520"/>
-            <a:ext cx="2133360" cy="364680"/>
-          </a:xfrm>
-          <a:prstGeom prst="rect">
-            <a:avLst/>
-          </a:prstGeom>
-        </p:spPr>
-        <p:txBody>
-          <a:bodyPr anchor="ctr"/>
-          <a:p>
-            <a:pPr algn="r">
-              <a:lnSpc>
-                <a:spcPct val="100000"/>
-              </a:lnSpc>
-            </a:pPr>
-            <a:fld id="{12E7292E-CE69-41CD-9EE1-05198BAC4865}" type="slidenum">
-              <a:rPr b="0" lang="fr-FR" sz="1200" spc="-1" strike="noStrike">
-                <a:solidFill>
-                  <a:srgbClr val="8b8b8b"/>
-                </a:solidFill>
-                <a:latin typeface="Calibri"/>
-              </a:rPr>
-              <a:t>1</a:t>
-            </a:fld>
-            <a:endParaRPr b="0" lang="fr-FR" sz="1200" spc="-1" strike="noStrike">
-              <a:latin typeface="Times New Roman"/>
+              </a:buClr>
+              <a:buSzPct val="45000"/>
+              <a:buFont typeface="Wingdings" charset="2"/>
+              <a:buChar char=""/>
+            </a:pPr>
+            <a:r>
+              <a:rPr b="0" lang="fr-FR" sz="2000" spc="-1" strike="noStrike">
+                <a:latin typeface="Arial"/>
+              </a:rPr>
+              <a:t>Sixième niveau de plan</a:t>
+            </a:r>
+            <a:endParaRPr b="0" lang="fr-FR" sz="2000" spc="-1" strike="noStrike">
+              <a:latin typeface="Arial"/>
+            </a:endParaRPr>
+          </a:p>
+          <a:p>
+            <a:pPr lvl="6" marL="3024000" indent="-216000">
+              <a:spcBef>
+                <a:spcPts val="283"/>
+              </a:spcBef>
+              <a:buClr>
+                <a:srgbClr val="000000"/>
+              </a:buClr>
+              <a:buSzPct val="45000"/>
+              <a:buFont typeface="Wingdings" charset="2"/>
+              <a:buChar char=""/>
+            </a:pPr>
+            <a:r>
+              <a:rPr b="0" lang="fr-FR" sz="2000" spc="-1" strike="noStrike">
+                <a:latin typeface="Arial"/>
+              </a:rPr>
+              <a:t>Septième niveau de plan</a:t>
+            </a:r>
+            <a:endParaRPr b="0" lang="fr-FR" sz="2000" spc="-1" strike="noStrike">
+              <a:latin typeface="Arial"/>
             </a:endParaRPr>
           </a:p>
         </p:txBody>
@@ -4344,14 +3909,14 @@
       </p:grpSpPr>
       <p:sp>
         <p:nvSpPr>
-          <p:cNvPr id="87" name="TextShape 1"/>
-          <p:cNvSpPr txBox="1"/>
+          <p:cNvPr id="81" name="CustomShape 1"/>
+          <p:cNvSpPr/>
           <p:nvPr/>
         </p:nvSpPr>
         <p:spPr>
           <a:xfrm>
             <a:off x="685800" y="2130480"/>
-            <a:ext cx="7774200" cy="2234160"/>
+            <a:ext cx="7773840" cy="2233800"/>
           </a:xfrm>
           <a:prstGeom prst="rect">
             <a:avLst/>
@@ -4361,8 +3926,14 @@
             <a:noFill/>
           </a:ln>
         </p:spPr>
-        <p:txBody>
-          <a:bodyPr anchor="ctr">
+        <p:style>
+          <a:lnRef idx="0"/>
+          <a:fillRef idx="0"/>
+          <a:effectRef idx="0"/>
+          <a:fontRef idx="minor"/>
+        </p:style>
+        <p:txBody>
+          <a:bodyPr lIns="90000" rIns="90000" tIns="45000" bIns="45000" anchor="ctr">
             <a:normAutofit/>
           </a:bodyPr>
           <a:p>
@@ -4411,10 +3982,7 @@
               <a:t>(grandes lignes)</a:t>
             </a:r>
             <a:endParaRPr b="0" lang="fr-FR" sz="4400" spc="-1" strike="noStrike">
-              <a:solidFill>
-                <a:srgbClr val="000000"/>
-              </a:solidFill>
-              <a:latin typeface="Calibri"/>
+              <a:latin typeface="Arial"/>
             </a:endParaRPr>
           </a:p>
         </p:txBody>
@@ -4470,14 +4038,14 @@
       </p:grpSpPr>
       <p:sp>
         <p:nvSpPr>
-          <p:cNvPr id="88" name="CustomShape 1"/>
+          <p:cNvPr id="82" name="CustomShape 1"/>
           <p:cNvSpPr/>
           <p:nvPr/>
         </p:nvSpPr>
         <p:spPr>
           <a:xfrm>
             <a:off x="2411640" y="2565000"/>
-            <a:ext cx="3960000" cy="2651040"/>
+            <a:ext cx="3959640" cy="2650680"/>
           </a:xfrm>
           <a:prstGeom prst="roundRect">
             <a:avLst>
@@ -4513,14 +4081,14 @@
       </p:sp>
       <p:sp>
         <p:nvSpPr>
-          <p:cNvPr id="89" name="TextShape 2"/>
-          <p:cNvSpPr txBox="1"/>
+          <p:cNvPr id="83" name="CustomShape 2"/>
+          <p:cNvSpPr/>
           <p:nvPr/>
         </p:nvSpPr>
         <p:spPr>
           <a:xfrm>
             <a:off x="457200" y="274680"/>
-            <a:ext cx="8229240" cy="1142640"/>
+            <a:ext cx="8228880" cy="1142280"/>
           </a:xfrm>
           <a:prstGeom prst="rect">
             <a:avLst/>
@@ -4530,8 +4098,14 @@
             <a:noFill/>
           </a:ln>
         </p:spPr>
-        <p:txBody>
-          <a:bodyPr anchor="ctr"/>
+        <p:style>
+          <a:lnRef idx="0"/>
+          <a:fillRef idx="0"/>
+          <a:effectRef idx="0"/>
+          <a:fontRef idx="minor"/>
+        </p:style>
+        <p:txBody>
+          <a:bodyPr lIns="90000" rIns="90000" tIns="45000" bIns="45000" anchor="ctr"/>
           <a:p>
             <a:pPr algn="ctr">
               <a:lnSpc>
@@ -4549,24 +4123,21 @@
               <a:t>Serveur +  terminaux "texte" (197x , 198x)</a:t>
             </a:r>
             <a:endParaRPr b="0" lang="fr-FR" sz="4400" spc="-1" strike="noStrike">
-              <a:solidFill>
-                <a:srgbClr val="000000"/>
-              </a:solidFill>
-              <a:latin typeface="Calibri"/>
-            </a:endParaRPr>
-          </a:p>
-        </p:txBody>
-      </p:sp>
-      <p:sp>
-        <p:nvSpPr>
-          <p:cNvPr id="90" name="CustomShape 3"/>
+              <a:latin typeface="Arial"/>
+            </a:endParaRPr>
+          </a:p>
+        </p:txBody>
+      </p:sp>
+      <p:sp>
+        <p:nvSpPr>
+          <p:cNvPr id="84" name="CustomShape 3"/>
           <p:cNvSpPr/>
           <p:nvPr/>
         </p:nvSpPr>
         <p:spPr>
           <a:xfrm>
             <a:off x="216000" y="3076920"/>
-            <a:ext cx="1292760" cy="1004400"/>
+            <a:ext cx="1292400" cy="1004040"/>
           </a:xfrm>
           <a:prstGeom prst="rect">
             <a:avLst/>
@@ -4611,6 +4182,7 @@
                   <a:srgbClr val="000000"/>
                 </a:solidFill>
                 <a:latin typeface="Calibri"/>
+                <a:ea typeface="DejaVu Sans"/>
               </a:rPr>
               <a:t>mode</a:t>
             </a:r>
@@ -4630,6 +4202,7 @@
                   <a:srgbClr val="000000"/>
                 </a:solidFill>
                 <a:latin typeface="Calibri"/>
+                <a:ea typeface="DejaVu Sans"/>
               </a:rPr>
               <a:t>texte , pas</a:t>
             </a:r>
@@ -4649,6 +4222,7 @@
                   <a:srgbClr val="000000"/>
                 </a:solidFill>
                 <a:latin typeface="Calibri"/>
+                <a:ea typeface="DejaVu Sans"/>
               </a:rPr>
               <a:t>de fenêtre</a:t>
             </a:r>
@@ -4660,14 +4234,14 @@
       </p:sp>
       <p:sp>
         <p:nvSpPr>
-          <p:cNvPr id="91" name="CustomShape 4"/>
+          <p:cNvPr id="85" name="CustomShape 4"/>
           <p:cNvSpPr/>
           <p:nvPr/>
         </p:nvSpPr>
         <p:spPr>
           <a:xfrm>
             <a:off x="30960" y="4248000"/>
-            <a:ext cx="2129040" cy="1095480"/>
+            <a:ext cx="2128680" cy="1095120"/>
           </a:xfrm>
           <a:prstGeom prst="rect">
             <a:avLst/>
@@ -4697,6 +4271,7 @@
                   <a:srgbClr val="000000"/>
                 </a:solidFill>
                 <a:latin typeface="Calibri"/>
+                <a:ea typeface="DejaVu Sans"/>
               </a:rPr>
               <a:t>Terminaux</a:t>
             </a:r>
@@ -4716,6 +4291,7 @@
                   <a:srgbClr val="000000"/>
                 </a:solidFill>
                 <a:latin typeface="Calibri"/>
+                <a:ea typeface="DejaVu Sans"/>
               </a:rPr>
               <a:t>Textes (passifs)</a:t>
             </a:r>
@@ -4725,6 +4301,7 @@
                   <a:srgbClr val="000000"/>
                 </a:solidFill>
                 <a:latin typeface="Calibri"/>
+                <a:ea typeface="DejaVu Sans"/>
               </a:rPr>
               <a:t> </a:t>
             </a:r>
@@ -4735,6 +4312,7 @@
                   <a:srgbClr val="000000"/>
                 </a:solidFill>
                 <a:latin typeface="Calibri"/>
+                <a:ea typeface="DejaVu Sans"/>
               </a:rPr>
               <a:t>(monochrome)</a:t>
             </a:r>
@@ -4746,14 +4324,14 @@
       </p:sp>
       <p:sp>
         <p:nvSpPr>
-          <p:cNvPr id="92" name="CustomShape 5"/>
+          <p:cNvPr id="86" name="CustomShape 5"/>
           <p:cNvSpPr/>
           <p:nvPr/>
         </p:nvSpPr>
         <p:spPr>
           <a:xfrm>
             <a:off x="4477680" y="3119400"/>
-            <a:ext cx="1822320" cy="1553400"/>
+            <a:ext cx="1821960" cy="1553040"/>
           </a:xfrm>
           <a:prstGeom prst="rect">
             <a:avLst/>
@@ -4805,6 +4383,7 @@
                   <a:srgbClr val="c00000"/>
                 </a:solidFill>
                 <a:latin typeface="Calibri"/>
+                <a:ea typeface="DejaVu Sans"/>
               </a:rPr>
               <a:t> </a:t>
             </a:r>
@@ -4824,6 +4403,7 @@
                   <a:srgbClr val="000000"/>
                 </a:solidFill>
                 <a:latin typeface="Calibri"/>
+                <a:ea typeface="DejaVu Sans"/>
               </a:rPr>
               <a:t>---------------------</a:t>
             </a:r>
@@ -4843,6 +4423,7 @@
                   <a:srgbClr val="000000"/>
                 </a:solidFill>
                 <a:latin typeface="Calibri"/>
+                <a:ea typeface="DejaVu Sans"/>
               </a:rPr>
               <a:t>.....</a:t>
             </a:r>
@@ -4862,6 +4443,7 @@
                   <a:srgbClr val="000000"/>
                 </a:solidFill>
                 <a:latin typeface="Calibri"/>
+                <a:ea typeface="DejaVu Sans"/>
               </a:rPr>
               <a:t>----------------------</a:t>
             </a:r>
@@ -4881,6 +4463,7 @@
                   <a:srgbClr val="000000"/>
                 </a:solidFill>
                 <a:latin typeface="Calibri"/>
+                <a:ea typeface="DejaVu Sans"/>
               </a:rPr>
               <a:t>FileSystem</a:t>
             </a:r>
@@ -4892,14 +4475,14 @@
       </p:sp>
       <p:sp>
         <p:nvSpPr>
-          <p:cNvPr id="93" name="CustomShape 6"/>
+          <p:cNvPr id="87" name="CustomShape 6"/>
           <p:cNvSpPr/>
           <p:nvPr/>
         </p:nvSpPr>
         <p:spPr>
           <a:xfrm>
             <a:off x="2591640" y="5258880"/>
-            <a:ext cx="4068000" cy="821160"/>
+            <a:ext cx="4067640" cy="820800"/>
           </a:xfrm>
           <a:prstGeom prst="rect">
             <a:avLst/>
@@ -4925,14 +4508,22 @@
             </a:pPr>
             <a:r>
               <a:rPr b="1" lang="fr-FR" sz="2400" spc="-1" strike="noStrike">
-                <a:latin typeface="Calibri"/>
+                <a:solidFill>
+                  <a:srgbClr val="000000"/>
+                </a:solidFill>
+                <a:latin typeface="Calibri"/>
+                <a:ea typeface="DejaVu Sans"/>
               </a:rPr>
               <a:t>Gros système IBM/Bull ou</a:t>
             </a:r>
             <a:br/>
             <a:r>
               <a:rPr b="1" lang="fr-FR" sz="2400" spc="-1" strike="noStrike">
-                <a:latin typeface="Calibri"/>
+                <a:solidFill>
+                  <a:srgbClr val="000000"/>
+                </a:solidFill>
+                <a:latin typeface="Calibri"/>
+                <a:ea typeface="DejaVu Sans"/>
               </a:rPr>
               <a:t>Serveur UNIX</a:t>
             </a:r>
@@ -4944,14 +4535,14 @@
       </p:sp>
       <p:sp>
         <p:nvSpPr>
-          <p:cNvPr id="94" name="CustomShape 7"/>
+          <p:cNvPr id="88" name="CustomShape 7"/>
           <p:cNvSpPr/>
           <p:nvPr/>
         </p:nvSpPr>
         <p:spPr>
           <a:xfrm>
             <a:off x="7339680" y="4527720"/>
-            <a:ext cx="1583640" cy="1736280"/>
+            <a:ext cx="1583280" cy="1735920"/>
           </a:xfrm>
           <a:prstGeom prst="rect">
             <a:avLst/>
@@ -5003,6 +4594,7 @@
                   <a:srgbClr val="000000"/>
                 </a:solidFill>
                 <a:latin typeface="Calibri"/>
+                <a:ea typeface="DejaVu Sans"/>
               </a:rPr>
               <a:t>Base de données hiérarchiques</a:t>
             </a:r>
@@ -5022,6 +4614,7 @@
                   <a:srgbClr val="000000"/>
                 </a:solidFill>
                 <a:latin typeface="Calibri"/>
+                <a:ea typeface="DejaVu Sans"/>
               </a:rPr>
               <a:t>puis relationnelles</a:t>
             </a:r>
@@ -5032,17 +4625,9 @@
                   <a:srgbClr val="000000"/>
                 </a:solidFill>
                 <a:latin typeface="Calibri"/>
-              </a:rPr>
-              <a:t>(SQL</a:t>
-            </a:r>
-            <a:r>
-              <a:rPr b="0" lang="fr-FR" sz="1800" spc="-1" strike="noStrike">
-                <a:solidFill>
-                  <a:srgbClr val="000000"/>
-                </a:solidFill>
-                <a:latin typeface="Calibri"/>
-              </a:rPr>
-              <a:t>)</a:t>
+                <a:ea typeface="DejaVu Sans"/>
+              </a:rPr>
+              <a:t>(SQL)</a:t>
             </a:r>
             <a:endParaRPr b="0" lang="fr-FR" sz="1800" spc="-1" strike="noStrike">
               <a:latin typeface="Arial"/>
@@ -5052,14 +4637,14 @@
       </p:sp>
       <p:sp>
         <p:nvSpPr>
-          <p:cNvPr id="95" name="CustomShape 8"/>
+          <p:cNvPr id="89" name="CustomShape 8"/>
           <p:cNvSpPr/>
           <p:nvPr/>
         </p:nvSpPr>
         <p:spPr>
           <a:xfrm>
             <a:off x="2591640" y="3193560"/>
-            <a:ext cx="1800000" cy="1461240"/>
+            <a:ext cx="1799640" cy="1460880"/>
           </a:xfrm>
           <a:prstGeom prst="rect">
             <a:avLst/>
@@ -5104,6 +4689,7 @@
                   <a:srgbClr val="000000"/>
                 </a:solidFill>
                 <a:latin typeface="Calibri"/>
+                <a:ea typeface="DejaVu Sans"/>
               </a:rPr>
               <a:t>.....</a:t>
             </a:r>
@@ -5123,6 +4709,7 @@
                   <a:srgbClr val="000000"/>
                 </a:solidFill>
                 <a:latin typeface="Calibri"/>
+                <a:ea typeface="DejaVu Sans"/>
               </a:rPr>
               <a:t>liaisons séries, //,</a:t>
             </a:r>
@@ -5142,6 +4729,7 @@
                   <a:srgbClr val="000000"/>
                 </a:solidFill>
                 <a:latin typeface="Calibri"/>
+                <a:ea typeface="DejaVu Sans"/>
               </a:rPr>
               <a:t>....</a:t>
             </a:r>
@@ -5161,6 +4749,7 @@
                   <a:srgbClr val="000000"/>
                 </a:solidFill>
                 <a:latin typeface="Calibri"/>
+                <a:ea typeface="DejaVu Sans"/>
               </a:rPr>
               <a:t>-----------</a:t>
             </a:r>
@@ -5180,6 +4769,7 @@
                   <a:srgbClr val="000000"/>
                 </a:solidFill>
                 <a:latin typeface="Calibri"/>
+                <a:ea typeface="DejaVu Sans"/>
               </a:rPr>
               <a:t>début tcp/ip , ftp</a:t>
             </a:r>
@@ -5191,14 +4781,14 @@
       </p:sp>
       <p:sp>
         <p:nvSpPr>
-          <p:cNvPr id="96" name="CustomShape 9"/>
+          <p:cNvPr id="90" name="CustomShape 9"/>
           <p:cNvSpPr/>
           <p:nvPr/>
         </p:nvSpPr>
         <p:spPr>
           <a:xfrm>
             <a:off x="395640" y="2205000"/>
-            <a:ext cx="287640" cy="359640"/>
+            <a:ext cx="287280" cy="359280"/>
           </a:xfrm>
           <a:prstGeom prst="smileyFace">
             <a:avLst>
@@ -5234,14 +4824,14 @@
       </p:sp>
       <p:sp>
         <p:nvSpPr>
-          <p:cNvPr id="97" name="CustomShape 10"/>
+          <p:cNvPr id="91" name="CustomShape 10"/>
           <p:cNvSpPr/>
           <p:nvPr/>
         </p:nvSpPr>
         <p:spPr>
           <a:xfrm>
             <a:off x="395640" y="2637000"/>
-            <a:ext cx="287640" cy="215640"/>
+            <a:ext cx="287280" cy="215280"/>
           </a:xfrm>
           <a:prstGeom prst="heart">
             <a:avLst/>
@@ -5275,14 +4865,14 @@
       </p:sp>
       <p:sp>
         <p:nvSpPr>
-          <p:cNvPr id="98" name="CustomShape 11"/>
+          <p:cNvPr id="92" name="CustomShape 11"/>
           <p:cNvSpPr/>
           <p:nvPr/>
         </p:nvSpPr>
         <p:spPr>
           <a:xfrm>
             <a:off x="754200" y="2243520"/>
-            <a:ext cx="287640" cy="359640"/>
+            <a:ext cx="287280" cy="359280"/>
           </a:xfrm>
           <a:prstGeom prst="smileyFace">
             <a:avLst>
@@ -5318,14 +4908,14 @@
       </p:sp>
       <p:sp>
         <p:nvSpPr>
-          <p:cNvPr id="99" name="CustomShape 12"/>
+          <p:cNvPr id="93" name="CustomShape 12"/>
           <p:cNvSpPr/>
           <p:nvPr/>
         </p:nvSpPr>
         <p:spPr>
           <a:xfrm>
             <a:off x="754200" y="2675520"/>
-            <a:ext cx="287640" cy="215640"/>
+            <a:ext cx="287280" cy="215280"/>
           </a:xfrm>
           <a:prstGeom prst="heart">
             <a:avLst/>
@@ -5359,14 +4949,14 @@
       </p:sp>
       <p:sp>
         <p:nvSpPr>
-          <p:cNvPr id="100" name="CustomShape 13"/>
+          <p:cNvPr id="94" name="CustomShape 13"/>
           <p:cNvSpPr/>
           <p:nvPr/>
         </p:nvSpPr>
         <p:spPr>
           <a:xfrm>
             <a:off x="547920" y="2357280"/>
-            <a:ext cx="287640" cy="359640"/>
+            <a:ext cx="287280" cy="359280"/>
           </a:xfrm>
           <a:prstGeom prst="smileyFace">
             <a:avLst>
@@ -5402,14 +4992,14 @@
       </p:sp>
       <p:sp>
         <p:nvSpPr>
-          <p:cNvPr id="101" name="CustomShape 14"/>
+          <p:cNvPr id="95" name="CustomShape 14"/>
           <p:cNvSpPr/>
           <p:nvPr/>
         </p:nvSpPr>
         <p:spPr>
           <a:xfrm>
             <a:off x="547920" y="2789280"/>
-            <a:ext cx="287640" cy="215640"/>
+            <a:ext cx="287280" cy="215280"/>
           </a:xfrm>
           <a:prstGeom prst="heart">
             <a:avLst/>
@@ -5443,14 +5033,14 @@
       </p:sp>
       <p:sp>
         <p:nvSpPr>
-          <p:cNvPr id="102" name="CustomShape 15"/>
+          <p:cNvPr id="96" name="CustomShape 15"/>
           <p:cNvSpPr/>
           <p:nvPr/>
         </p:nvSpPr>
         <p:spPr>
           <a:xfrm>
             <a:off x="7396560" y="3005280"/>
-            <a:ext cx="935640" cy="1218240"/>
+            <a:ext cx="935280" cy="1217880"/>
           </a:xfrm>
           <a:prstGeom prst="can">
             <a:avLst>
@@ -5486,14 +5076,14 @@
       </p:sp>
       <p:sp>
         <p:nvSpPr>
-          <p:cNvPr id="103" name="Line 16"/>
+          <p:cNvPr id="97" name="Line 16"/>
           <p:cNvSpPr/>
           <p:nvPr/>
         </p:nvSpPr>
         <p:spPr>
           <a:xfrm>
             <a:off x="1368000" y="3528000"/>
-            <a:ext cx="1296000" cy="0"/>
+            <a:ext cx="1296000" cy="360"/>
           </a:xfrm>
           <a:prstGeom prst="line">
             <a:avLst/>
@@ -5513,14 +5103,14 @@
       </p:sp>
       <p:sp>
         <p:nvSpPr>
-          <p:cNvPr id="104" name="Line 17"/>
+          <p:cNvPr id="98" name="Line 17"/>
           <p:cNvSpPr/>
           <p:nvPr/>
         </p:nvSpPr>
         <p:spPr>
           <a:xfrm>
             <a:off x="6371640" y="3816000"/>
-            <a:ext cx="1116360" cy="0"/>
+            <a:ext cx="1116360" cy="360"/>
           </a:xfrm>
           <a:prstGeom prst="line">
             <a:avLst/>
@@ -5540,14 +5130,14 @@
       </p:sp>
       <p:sp>
         <p:nvSpPr>
-          <p:cNvPr id="105" name="TextShape 18"/>
-          <p:cNvSpPr txBox="1"/>
+          <p:cNvPr id="99" name="CustomShape 18"/>
+          <p:cNvSpPr/>
           <p:nvPr/>
         </p:nvSpPr>
         <p:spPr>
           <a:xfrm>
             <a:off x="2736000" y="2664000"/>
-            <a:ext cx="3644640" cy="346320"/>
+            <a:ext cx="3644280" cy="345960"/>
           </a:xfrm>
           <a:prstGeom prst="rect">
             <a:avLst/>
@@ -5557,6 +5147,12 @@
             <a:noFill/>
           </a:ln>
         </p:spPr>
+        <p:style>
+          <a:lnRef idx="0"/>
+          <a:fillRef idx="0"/>
+          <a:effectRef idx="0"/>
+          <a:fontRef idx="minor"/>
+        </p:style>
         <p:txBody>
           <a:bodyPr lIns="90000" rIns="90000" tIns="45000" bIns="45000"/>
           <a:p>
@@ -5574,14 +5170,14 @@
       </p:sp>
       <p:sp>
         <p:nvSpPr>
-          <p:cNvPr id="106" name="CustomShape 19"/>
+          <p:cNvPr id="100" name="CustomShape 19"/>
           <p:cNvSpPr/>
           <p:nvPr/>
         </p:nvSpPr>
         <p:spPr>
           <a:xfrm>
             <a:off x="6552000" y="1367640"/>
-            <a:ext cx="1800000" cy="1224360"/>
+            <a:ext cx="1799640" cy="1224000"/>
           </a:xfrm>
           <a:prstGeom prst="ellipse">
             <a:avLst/>
@@ -5604,10 +5200,18 @@
         <p:txBody>
           <a:bodyPr wrap="none" lIns="90000" rIns="90000" tIns="45000" bIns="45000" anchor="ctr"/>
           <a:p>
-            <a:pPr algn="ctr"/>
+            <a:pPr algn="ctr">
+              <a:lnSpc>
+                <a:spcPct val="100000"/>
+              </a:lnSpc>
+            </a:pPr>
             <a:r>
               <a:rPr b="0" lang="fr-FR" sz="1800" spc="-1" strike="noStrike">
+                <a:solidFill>
+                  <a:srgbClr val="000000"/>
+                </a:solidFill>
                 <a:latin typeface="Arial"/>
+                <a:ea typeface="DejaVu Sans"/>
               </a:rPr>
               <a:t>traitements</a:t>
             </a:r>
@@ -5616,10 +5220,18 @@
             </a:endParaRPr>
           </a:p>
           <a:p>
-            <a:pPr algn="ctr"/>
+            <a:pPr algn="ctr">
+              <a:lnSpc>
+                <a:spcPct val="100000"/>
+              </a:lnSpc>
+            </a:pPr>
             <a:r>
               <a:rPr b="0" lang="fr-FR" sz="1800" spc="-1" strike="noStrike">
+                <a:solidFill>
+                  <a:srgbClr val="000000"/>
+                </a:solidFill>
                 <a:latin typeface="Arial"/>
+                <a:ea typeface="DejaVu Sans"/>
               </a:rPr>
               <a:t>concentrés</a:t>
             </a:r>
@@ -5628,10 +5240,18 @@
             </a:endParaRPr>
           </a:p>
           <a:p>
-            <a:pPr algn="ctr"/>
+            <a:pPr algn="ctr">
+              <a:lnSpc>
+                <a:spcPct val="100000"/>
+              </a:lnSpc>
+            </a:pPr>
             <a:r>
               <a:rPr b="0" lang="fr-FR" sz="1800" spc="-1" strike="noStrike">
+                <a:solidFill>
+                  <a:srgbClr val="000000"/>
+                </a:solidFill>
                 <a:latin typeface="Arial"/>
+                <a:ea typeface="DejaVu Sans"/>
               </a:rPr>
               <a:t>sur le serveur</a:t>
             </a:r>
@@ -5643,7 +5263,7 @@
       </p:sp>
       <p:sp>
         <p:nvSpPr>
-          <p:cNvPr id="107" name="Line 20"/>
+          <p:cNvPr id="101" name="Line 20"/>
           <p:cNvSpPr/>
           <p:nvPr/>
         </p:nvSpPr>
@@ -5720,14 +5340,14 @@
       </p:grpSpPr>
       <p:sp>
         <p:nvSpPr>
-          <p:cNvPr id="108" name="CustomShape 1"/>
+          <p:cNvPr id="102" name="CustomShape 1"/>
           <p:cNvSpPr/>
           <p:nvPr/>
         </p:nvSpPr>
         <p:spPr>
           <a:xfrm>
             <a:off x="432000" y="3096000"/>
-            <a:ext cx="1728000" cy="2088000"/>
+            <a:ext cx="1727640" cy="2087640"/>
           </a:xfrm>
           <a:prstGeom prst="rect">
             <a:avLst/>
@@ -5750,14 +5370,14 @@
       </p:sp>
       <p:sp>
         <p:nvSpPr>
-          <p:cNvPr id="109" name="CustomShape 2"/>
+          <p:cNvPr id="103" name="CustomShape 2"/>
           <p:cNvSpPr/>
           <p:nvPr/>
         </p:nvSpPr>
         <p:spPr>
           <a:xfrm>
             <a:off x="5832000" y="2664000"/>
-            <a:ext cx="3240000" cy="2664000"/>
+            <a:ext cx="3239640" cy="2663640"/>
           </a:xfrm>
           <a:prstGeom prst="rect">
             <a:avLst/>
@@ -5780,14 +5400,14 @@
       </p:sp>
       <p:sp>
         <p:nvSpPr>
-          <p:cNvPr id="110" name="CustomShape 3"/>
+          <p:cNvPr id="104" name="CustomShape 3"/>
           <p:cNvSpPr/>
           <p:nvPr/>
         </p:nvSpPr>
         <p:spPr>
           <a:xfrm>
             <a:off x="216000" y="2952000"/>
-            <a:ext cx="1728000" cy="2016000"/>
+            <a:ext cx="1727640" cy="2015640"/>
           </a:xfrm>
           <a:prstGeom prst="rect">
             <a:avLst/>
@@ -5810,10 +5430,18 @@
         <p:txBody>
           <a:bodyPr wrap="none" lIns="90000" rIns="90000" tIns="45000" bIns="45000" anchor="ctr"/>
           <a:p>
-            <a:pPr algn="ctr"/>
+            <a:pPr algn="ctr">
+              <a:lnSpc>
+                <a:spcPct val="100000"/>
+              </a:lnSpc>
+            </a:pPr>
             <a:r>
               <a:rPr b="0" lang="fr-FR" sz="1800" spc="-1" strike="noStrike">
+                <a:solidFill>
+                  <a:srgbClr val="000000"/>
+                </a:solidFill>
                 <a:latin typeface="Arial"/>
+                <a:ea typeface="DejaVu Sans"/>
               </a:rPr>
               <a:t>PC </a:t>
             </a:r>
@@ -5822,10 +5450,18 @@
             </a:endParaRPr>
           </a:p>
           <a:p>
-            <a:pPr algn="ctr"/>
+            <a:pPr algn="ctr">
+              <a:lnSpc>
+                <a:spcPct val="100000"/>
+              </a:lnSpc>
+            </a:pPr>
             <a:r>
               <a:rPr b="0" lang="fr-FR" sz="1800" spc="-1" strike="noStrike">
+                <a:solidFill>
+                  <a:srgbClr val="000000"/>
+                </a:solidFill>
                 <a:latin typeface="Arial"/>
+                <a:ea typeface="DejaVu Sans"/>
               </a:rPr>
               <a:t>Windows 3.x</a:t>
             </a:r>
@@ -5834,10 +5470,18 @@
             </a:endParaRPr>
           </a:p>
           <a:p>
-            <a:pPr algn="ctr"/>
+            <a:pPr algn="ctr">
+              <a:lnSpc>
+                <a:spcPct val="100000"/>
+              </a:lnSpc>
+            </a:pPr>
             <a:r>
               <a:rPr b="0" lang="fr-FR" sz="1800" spc="-1" strike="noStrike">
+                <a:solidFill>
+                  <a:srgbClr val="000000"/>
+                </a:solidFill>
                 <a:latin typeface="Arial"/>
+                <a:ea typeface="DejaVu Sans"/>
               </a:rPr>
               <a:t>ou 95</a:t>
             </a:r>
@@ -5846,25 +5490,41 @@
             </a:endParaRPr>
           </a:p>
           <a:p>
-            <a:pPr algn="ctr"/>
+            <a:pPr algn="ctr">
+              <a:lnSpc>
+                <a:spcPct val="100000"/>
+              </a:lnSpc>
+            </a:pPr>
             <a:endParaRPr b="0" lang="fr-FR" sz="1800" spc="-1" strike="noStrike">
               <a:latin typeface="Arial"/>
             </a:endParaRPr>
           </a:p>
           <a:p>
-            <a:pPr algn="ctr"/>
+            <a:pPr algn="ctr">
+              <a:lnSpc>
+                <a:spcPct val="100000"/>
+              </a:lnSpc>
+            </a:pPr>
             <a:endParaRPr b="0" lang="fr-FR" sz="1800" spc="-1" strike="noStrike">
               <a:latin typeface="Arial"/>
             </a:endParaRPr>
           </a:p>
           <a:p>
-            <a:pPr algn="ctr"/>
+            <a:pPr algn="ctr">
+              <a:lnSpc>
+                <a:spcPct val="100000"/>
+              </a:lnSpc>
+            </a:pPr>
             <a:endParaRPr b="0" lang="fr-FR" sz="1800" spc="-1" strike="noStrike">
               <a:latin typeface="Arial"/>
             </a:endParaRPr>
           </a:p>
           <a:p>
-            <a:pPr algn="ctr"/>
+            <a:pPr algn="ctr">
+              <a:lnSpc>
+                <a:spcPct val="100000"/>
+              </a:lnSpc>
+            </a:pPr>
             <a:endParaRPr b="0" lang="fr-FR" sz="1800" spc="-1" strike="noStrike">
               <a:latin typeface="Arial"/>
             </a:endParaRPr>
@@ -5873,14 +5533,14 @@
       </p:sp>
       <p:sp>
         <p:nvSpPr>
-          <p:cNvPr id="111" name="CustomShape 4"/>
+          <p:cNvPr id="105" name="CustomShape 4"/>
           <p:cNvSpPr/>
           <p:nvPr/>
         </p:nvSpPr>
         <p:spPr>
           <a:xfrm>
             <a:off x="4176000" y="5184000"/>
-            <a:ext cx="2160000" cy="1224000"/>
+            <a:ext cx="2159640" cy="1223640"/>
           </a:xfrm>
           <a:prstGeom prst="roundRect">
             <a:avLst>
@@ -5918,7 +5578,11 @@
           <a:p>
             <a:r>
               <a:rPr b="0" lang="fr-FR" sz="1800" spc="-1" strike="noStrike">
+                <a:solidFill>
+                  <a:srgbClr val="000000"/>
+                </a:solidFill>
                 <a:latin typeface="Arial"/>
+                <a:ea typeface="DejaVu Sans"/>
               </a:rPr>
               <a:t>éventuels moniteurs de </a:t>
             </a:r>
@@ -5929,7 +5593,11 @@
           <a:p>
             <a:r>
               <a:rPr b="0" lang="fr-FR" sz="1800" spc="-1" strike="noStrike">
+                <a:solidFill>
+                  <a:srgbClr val="000000"/>
+                </a:solidFill>
                 <a:latin typeface="Arial"/>
+                <a:ea typeface="DejaVu Sans"/>
               </a:rPr>
               <a:t>transactions ou </a:t>
             </a:r>
@@ -5940,7 +5608,11 @@
           <a:p>
             <a:r>
               <a:rPr b="0" lang="fr-FR" sz="1800" spc="-1" strike="noStrike">
+                <a:solidFill>
+                  <a:srgbClr val="000000"/>
+                </a:solidFill>
                 <a:latin typeface="Arial"/>
+                <a:ea typeface="DejaVu Sans"/>
               </a:rPr>
               <a:t>autre middleware</a:t>
             </a:r>
@@ -5952,14 +5624,14 @@
       </p:sp>
       <p:sp>
         <p:nvSpPr>
-          <p:cNvPr id="112" name="TextShape 5"/>
-          <p:cNvSpPr txBox="1"/>
+          <p:cNvPr id="106" name="CustomShape 5"/>
+          <p:cNvSpPr/>
           <p:nvPr/>
         </p:nvSpPr>
         <p:spPr>
           <a:xfrm>
             <a:off x="457200" y="274680"/>
-            <a:ext cx="8229240" cy="1142640"/>
+            <a:ext cx="8228880" cy="1142280"/>
           </a:xfrm>
           <a:prstGeom prst="rect">
             <a:avLst/>
@@ -5969,8 +5641,14 @@
             <a:noFill/>
           </a:ln>
         </p:spPr>
-        <p:txBody>
-          <a:bodyPr anchor="ctr"/>
+        <p:style>
+          <a:lnRef idx="0"/>
+          <a:fillRef idx="0"/>
+          <a:effectRef idx="0"/>
+          <a:fontRef idx="minor"/>
+        </p:style>
+        <p:txBody>
+          <a:bodyPr lIns="90000" rIns="90000" tIns="45000" bIns="45000" anchor="ctr"/>
           <a:p>
             <a:pPr algn="ctr">
               <a:lnSpc>
@@ -5988,24 +5666,21 @@
               <a:t>Client/Serveur (199x)</a:t>
             </a:r>
             <a:endParaRPr b="0" lang="fr-FR" sz="4400" spc="-1" strike="noStrike">
-              <a:solidFill>
-                <a:srgbClr val="000000"/>
-              </a:solidFill>
-              <a:latin typeface="Calibri"/>
-            </a:endParaRPr>
-          </a:p>
-        </p:txBody>
-      </p:sp>
-      <p:sp>
-        <p:nvSpPr>
-          <p:cNvPr id="113" name="CustomShape 6"/>
+              <a:latin typeface="Arial"/>
+            </a:endParaRPr>
+          </a:p>
+        </p:txBody>
+      </p:sp>
+      <p:sp>
+        <p:nvSpPr>
+          <p:cNvPr id="107" name="CustomShape 6"/>
           <p:cNvSpPr/>
           <p:nvPr/>
         </p:nvSpPr>
         <p:spPr>
           <a:xfrm>
             <a:off x="936000" y="3888000"/>
-            <a:ext cx="792000" cy="1004400"/>
+            <a:ext cx="791640" cy="1004040"/>
           </a:xfrm>
           <a:prstGeom prst="rect">
             <a:avLst/>
@@ -6050,6 +5725,7 @@
                   <a:srgbClr val="000000"/>
                 </a:solidFill>
                 <a:latin typeface="Calibri"/>
+                <a:ea typeface="DejaVu Sans"/>
               </a:rPr>
               <a:t>Appli Client (L4G)</a:t>
             </a:r>
@@ -6061,14 +5737,14 @@
       </p:sp>
       <p:sp>
         <p:nvSpPr>
-          <p:cNvPr id="114" name="CustomShape 7"/>
+          <p:cNvPr id="108" name="CustomShape 7"/>
           <p:cNvSpPr/>
           <p:nvPr/>
         </p:nvSpPr>
         <p:spPr>
           <a:xfrm>
             <a:off x="6624000" y="4501800"/>
-            <a:ext cx="2232000" cy="912600"/>
+            <a:ext cx="2231640" cy="912240"/>
           </a:xfrm>
           <a:prstGeom prst="rect">
             <a:avLst/>
@@ -6120,6 +5796,7 @@
                   <a:srgbClr val="000000"/>
                 </a:solidFill>
                 <a:latin typeface="Calibri"/>
+                <a:ea typeface="DejaVu Sans"/>
               </a:rPr>
               <a:t>Scripts </a:t>
             </a:r>
@@ -6129,6 +5806,7 @@
                   <a:srgbClr val="000000"/>
                 </a:solidFill>
                 <a:latin typeface="Calibri"/>
+                <a:ea typeface="DejaVu Sans"/>
               </a:rPr>
               <a:t>SQL</a:t>
             </a:r>
@@ -6138,6 +5816,7 @@
                   <a:srgbClr val="000000"/>
                 </a:solidFill>
                 <a:latin typeface="Calibri"/>
+                <a:ea typeface="DejaVu Sans"/>
               </a:rPr>
               <a:t> </a:t>
             </a:r>
@@ -6148,6 +5827,7 @@
                   <a:srgbClr val="000000"/>
                 </a:solidFill>
                 <a:latin typeface="Calibri"/>
+                <a:ea typeface="DejaVu Sans"/>
               </a:rPr>
               <a:t>(</a:t>
             </a:r>
@@ -6157,6 +5837,7 @@
                   <a:srgbClr val="000000"/>
                 </a:solidFill>
                 <a:latin typeface="Calibri"/>
+                <a:ea typeface="DejaVu Sans"/>
               </a:rPr>
               <a:t>tables</a:t>
             </a:r>
@@ -6166,6 +5847,7 @@
                   <a:srgbClr val="000000"/>
                 </a:solidFill>
                 <a:latin typeface="Calibri"/>
+                <a:ea typeface="DejaVu Sans"/>
               </a:rPr>
               <a:t> , </a:t>
             </a:r>
@@ -6175,6 +5857,7 @@
                   <a:srgbClr val="000000"/>
                 </a:solidFill>
                 <a:latin typeface="Calibri"/>
+                <a:ea typeface="DejaVu Sans"/>
               </a:rPr>
               <a:t>procédures stockées</a:t>
             </a:r>
@@ -6184,6 +5867,7 @@
                   <a:srgbClr val="000000"/>
                 </a:solidFill>
                 <a:latin typeface="Calibri"/>
+                <a:ea typeface="DejaVu Sans"/>
               </a:rPr>
               <a:t>…)</a:t>
             </a:r>
@@ -6195,14 +5879,14 @@
       </p:sp>
       <p:sp>
         <p:nvSpPr>
-          <p:cNvPr id="115" name="CustomShape 8"/>
+          <p:cNvPr id="109" name="CustomShape 8"/>
           <p:cNvSpPr/>
           <p:nvPr/>
         </p:nvSpPr>
         <p:spPr>
           <a:xfrm>
             <a:off x="6120000" y="3334680"/>
-            <a:ext cx="1394280" cy="913320"/>
+            <a:ext cx="1393920" cy="912960"/>
           </a:xfrm>
           <a:prstGeom prst="rect">
             <a:avLst/>
@@ -6232,6 +5916,7 @@
                   <a:srgbClr val="000000"/>
                 </a:solidFill>
                 <a:latin typeface="Calibri"/>
+                <a:ea typeface="DejaVu Sans"/>
               </a:rPr>
               <a:t>SGBDR</a:t>
             </a:r>
@@ -6242,6 +5927,7 @@
                   <a:srgbClr val="000000"/>
                 </a:solidFill>
                 <a:latin typeface="Calibri"/>
+                <a:ea typeface="DejaVu Sans"/>
               </a:rPr>
               <a:t>(Oracle, DB2,</a:t>
             </a:r>
@@ -6252,6 +5938,7 @@
                   <a:srgbClr val="000000"/>
                 </a:solidFill>
                 <a:latin typeface="Calibri"/>
+                <a:ea typeface="DejaVu Sans"/>
               </a:rPr>
               <a:t>…)</a:t>
             </a:r>
@@ -6263,14 +5950,14 @@
       </p:sp>
       <p:sp>
         <p:nvSpPr>
-          <p:cNvPr id="116" name="CustomShape 9"/>
+          <p:cNvPr id="110" name="CustomShape 9"/>
           <p:cNvSpPr/>
           <p:nvPr/>
         </p:nvSpPr>
         <p:spPr>
           <a:xfrm>
             <a:off x="395640" y="2205000"/>
-            <a:ext cx="287640" cy="359640"/>
+            <a:ext cx="287280" cy="359280"/>
           </a:xfrm>
           <a:prstGeom prst="smileyFace">
             <a:avLst>
@@ -6306,14 +5993,14 @@
       </p:sp>
       <p:sp>
         <p:nvSpPr>
-          <p:cNvPr id="117" name="CustomShape 10"/>
+          <p:cNvPr id="111" name="CustomShape 10"/>
           <p:cNvSpPr/>
           <p:nvPr/>
         </p:nvSpPr>
         <p:spPr>
           <a:xfrm>
             <a:off x="395640" y="2637000"/>
-            <a:ext cx="287640" cy="215640"/>
+            <a:ext cx="287280" cy="215280"/>
           </a:xfrm>
           <a:prstGeom prst="heart">
             <a:avLst/>
@@ -6347,14 +6034,14 @@
       </p:sp>
       <p:sp>
         <p:nvSpPr>
-          <p:cNvPr id="118" name="CustomShape 11"/>
+          <p:cNvPr id="112" name="CustomShape 11"/>
           <p:cNvSpPr/>
           <p:nvPr/>
         </p:nvSpPr>
         <p:spPr>
           <a:xfrm>
             <a:off x="754200" y="2243520"/>
-            <a:ext cx="287640" cy="359640"/>
+            <a:ext cx="287280" cy="359280"/>
           </a:xfrm>
           <a:prstGeom prst="smileyFace">
             <a:avLst>
@@ -6390,14 +6077,14 @@
       </p:sp>
       <p:sp>
         <p:nvSpPr>
-          <p:cNvPr id="119" name="CustomShape 12"/>
+          <p:cNvPr id="113" name="CustomShape 12"/>
           <p:cNvSpPr/>
           <p:nvPr/>
         </p:nvSpPr>
         <p:spPr>
           <a:xfrm>
             <a:off x="754200" y="2675520"/>
-            <a:ext cx="287640" cy="215640"/>
+            <a:ext cx="287280" cy="215280"/>
           </a:xfrm>
           <a:prstGeom prst="heart">
             <a:avLst/>
@@ -6431,14 +6118,14 @@
       </p:sp>
       <p:sp>
         <p:nvSpPr>
-          <p:cNvPr id="120" name="CustomShape 13"/>
+          <p:cNvPr id="114" name="CustomShape 13"/>
           <p:cNvSpPr/>
           <p:nvPr/>
         </p:nvSpPr>
         <p:spPr>
           <a:xfrm>
             <a:off x="547920" y="2357280"/>
-            <a:ext cx="287640" cy="359640"/>
+            <a:ext cx="287280" cy="359280"/>
           </a:xfrm>
           <a:prstGeom prst="smileyFace">
             <a:avLst>
@@ -6474,14 +6161,14 @@
       </p:sp>
       <p:sp>
         <p:nvSpPr>
-          <p:cNvPr id="121" name="CustomShape 14"/>
+          <p:cNvPr id="115" name="CustomShape 14"/>
           <p:cNvSpPr/>
           <p:nvPr/>
         </p:nvSpPr>
         <p:spPr>
           <a:xfrm>
             <a:off x="547920" y="2789280"/>
-            <a:ext cx="287640" cy="215640"/>
+            <a:ext cx="287280" cy="215280"/>
           </a:xfrm>
           <a:prstGeom prst="heart">
             <a:avLst/>
@@ -6515,14 +6202,14 @@
       </p:sp>
       <p:sp>
         <p:nvSpPr>
-          <p:cNvPr id="122" name="CustomShape 15"/>
+          <p:cNvPr id="116" name="CustomShape 15"/>
           <p:cNvSpPr/>
           <p:nvPr/>
         </p:nvSpPr>
         <p:spPr>
           <a:xfrm>
             <a:off x="7704000" y="3168000"/>
-            <a:ext cx="935640" cy="1218240"/>
+            <a:ext cx="935280" cy="1217880"/>
           </a:xfrm>
           <a:prstGeom prst="can">
             <a:avLst>
@@ -6558,14 +6245,14 @@
       </p:sp>
       <p:sp>
         <p:nvSpPr>
-          <p:cNvPr id="123" name="CustomShape 16"/>
+          <p:cNvPr id="117" name="CustomShape 16"/>
           <p:cNvSpPr/>
           <p:nvPr/>
         </p:nvSpPr>
         <p:spPr>
           <a:xfrm>
             <a:off x="2232000" y="3499920"/>
-            <a:ext cx="3456000" cy="460080"/>
+            <a:ext cx="3455640" cy="459720"/>
           </a:xfrm>
           <a:prstGeom prst="lightningBolt">
             <a:avLst/>
@@ -6599,14 +6286,14 @@
       </p:sp>
       <p:sp>
         <p:nvSpPr>
-          <p:cNvPr id="124" name="TextShape 17"/>
-          <p:cNvSpPr txBox="1"/>
+          <p:cNvPr id="118" name="CustomShape 17"/>
+          <p:cNvSpPr/>
           <p:nvPr/>
         </p:nvSpPr>
         <p:spPr>
           <a:xfrm>
             <a:off x="3096000" y="3024000"/>
-            <a:ext cx="2271600" cy="346320"/>
+            <a:ext cx="2271240" cy="345960"/>
           </a:xfrm>
           <a:prstGeom prst="rect">
             <a:avLst/>
@@ -6616,6 +6303,12 @@
             <a:noFill/>
           </a:ln>
         </p:spPr>
+        <p:style>
+          <a:lnRef idx="0"/>
+          <a:fillRef idx="0"/>
+          <a:effectRef idx="0"/>
+          <a:fontRef idx="minor"/>
+        </p:style>
         <p:txBody>
           <a:bodyPr lIns="90000" rIns="90000" tIns="45000" bIns="45000"/>
           <a:p>
@@ -6633,14 +6326,14 @@
       </p:sp>
       <p:sp>
         <p:nvSpPr>
-          <p:cNvPr id="125" name="TextShape 18"/>
-          <p:cNvSpPr txBox="1"/>
+          <p:cNvPr id="119" name="CustomShape 18"/>
+          <p:cNvSpPr/>
           <p:nvPr/>
         </p:nvSpPr>
         <p:spPr>
           <a:xfrm>
             <a:off x="3096000" y="4176000"/>
-            <a:ext cx="1656000" cy="602280"/>
+            <a:ext cx="1655640" cy="601920"/>
           </a:xfrm>
           <a:prstGeom prst="rect">
             <a:avLst/>
@@ -6650,6 +6343,12 @@
             <a:noFill/>
           </a:ln>
         </p:spPr>
+        <p:style>
+          <a:lnRef idx="0"/>
+          <a:fillRef idx="0"/>
+          <a:effectRef idx="0"/>
+          <a:fontRef idx="minor"/>
+        </p:style>
         <p:txBody>
           <a:bodyPr lIns="90000" rIns="90000" tIns="45000" bIns="45000"/>
           <a:p>
@@ -6667,7 +6366,7 @@
       </p:sp>
       <p:sp>
         <p:nvSpPr>
-          <p:cNvPr id="126" name="Line 19"/>
+          <p:cNvPr id="120" name="Line 19"/>
           <p:cNvSpPr/>
           <p:nvPr/>
         </p:nvSpPr>
@@ -6695,14 +6394,14 @@
       </p:sp>
       <p:sp>
         <p:nvSpPr>
-          <p:cNvPr id="127" name="TextShape 20"/>
-          <p:cNvSpPr txBox="1"/>
+          <p:cNvPr id="121" name="CustomShape 20"/>
+          <p:cNvSpPr/>
           <p:nvPr/>
         </p:nvSpPr>
         <p:spPr>
           <a:xfrm>
             <a:off x="1800000" y="1800000"/>
-            <a:ext cx="3065760" cy="602280"/>
+            <a:ext cx="3065400" cy="601920"/>
           </a:xfrm>
           <a:prstGeom prst="rect">
             <a:avLst/>
@@ -6712,6 +6411,12 @@
             <a:noFill/>
           </a:ln>
         </p:spPr>
+        <p:style>
+          <a:lnRef idx="0"/>
+          <a:fillRef idx="0"/>
+          <a:effectRef idx="0"/>
+          <a:fontRef idx="minor"/>
+        </p:style>
         <p:txBody>
           <a:bodyPr lIns="90000" rIns="90000" tIns="45000" bIns="45000"/>
           <a:p>
@@ -6770,14 +6475,14 @@
       </p:sp>
       <p:sp>
         <p:nvSpPr>
-          <p:cNvPr id="128" name="CustomShape 21"/>
+          <p:cNvPr id="122" name="CustomShape 21"/>
           <p:cNvSpPr/>
           <p:nvPr/>
         </p:nvSpPr>
         <p:spPr>
           <a:xfrm>
             <a:off x="144000" y="5328360"/>
-            <a:ext cx="1584360" cy="1367640"/>
+            <a:ext cx="1584000" cy="1367280"/>
           </a:xfrm>
           <a:prstGeom prst="ellipse">
             <a:avLst/>
@@ -6800,10 +6505,18 @@
         <p:txBody>
           <a:bodyPr wrap="none" lIns="90000" rIns="90000" tIns="45000" bIns="45000" anchor="ctr"/>
           <a:p>
-            <a:pPr algn="ctr"/>
+            <a:pPr algn="ctr">
+              <a:lnSpc>
+                <a:spcPct val="100000"/>
+              </a:lnSpc>
+            </a:pPr>
             <a:r>
               <a:rPr b="0" lang="fr-FR" sz="1800" spc="-1" strike="noStrike">
+                <a:solidFill>
+                  <a:srgbClr val="000000"/>
+                </a:solidFill>
                 <a:latin typeface="Arial"/>
+                <a:ea typeface="DejaVu Sans"/>
               </a:rPr>
               <a:t>IHM/GUI</a:t>
             </a:r>
@@ -6812,10 +6525,18 @@
             </a:endParaRPr>
           </a:p>
           <a:p>
-            <a:pPr algn="ctr"/>
+            <a:pPr algn="ctr">
+              <a:lnSpc>
+                <a:spcPct val="100000"/>
+              </a:lnSpc>
+            </a:pPr>
             <a:r>
               <a:rPr b="0" lang="fr-FR" sz="1800" spc="-1" strike="noStrike">
+                <a:solidFill>
+                  <a:srgbClr val="000000"/>
+                </a:solidFill>
                 <a:latin typeface="Arial"/>
+                <a:ea typeface="DejaVu Sans"/>
               </a:rPr>
               <a:t>"multi-fenêtres" </a:t>
             </a:r>
@@ -6824,10 +6545,18 @@
             </a:endParaRPr>
           </a:p>
           <a:p>
-            <a:pPr algn="ctr"/>
+            <a:pPr algn="ctr">
+              <a:lnSpc>
+                <a:spcPct val="100000"/>
+              </a:lnSpc>
+            </a:pPr>
             <a:r>
               <a:rPr b="0" lang="fr-FR" sz="1800" spc="-1" strike="noStrike">
+                <a:solidFill>
+                  <a:srgbClr val="000000"/>
+                </a:solidFill>
                 <a:latin typeface="Arial"/>
+                <a:ea typeface="DejaVu Sans"/>
               </a:rPr>
               <a:t>coté</a:t>
             </a:r>
@@ -6836,10 +6565,18 @@
             </a:endParaRPr>
           </a:p>
           <a:p>
-            <a:pPr algn="ctr"/>
+            <a:pPr algn="ctr">
+              <a:lnSpc>
+                <a:spcPct val="100000"/>
+              </a:lnSpc>
+            </a:pPr>
             <a:r>
               <a:rPr b="0" lang="fr-FR" sz="1800" spc="-1" strike="noStrike">
+                <a:solidFill>
+                  <a:srgbClr val="000000"/>
+                </a:solidFill>
                 <a:latin typeface="Arial"/>
+                <a:ea typeface="DejaVu Sans"/>
               </a:rPr>
               <a:t>client</a:t>
             </a:r>
@@ -6851,14 +6588,14 @@
       </p:sp>
       <p:sp>
         <p:nvSpPr>
-          <p:cNvPr id="129" name="CustomShape 22"/>
+          <p:cNvPr id="123" name="CustomShape 22"/>
           <p:cNvSpPr/>
           <p:nvPr/>
         </p:nvSpPr>
         <p:spPr>
           <a:xfrm>
             <a:off x="1944000" y="5688000"/>
-            <a:ext cx="1584000" cy="936360"/>
+            <a:ext cx="1583640" cy="936000"/>
           </a:xfrm>
           <a:prstGeom prst="ellipse">
             <a:avLst/>
@@ -6881,17 +6618,29 @@
         <p:txBody>
           <a:bodyPr wrap="none" lIns="90000" rIns="90000" tIns="45000" bIns="45000" anchor="ctr"/>
           <a:p>
-            <a:pPr algn="ctr"/>
+            <a:pPr algn="ctr">
+              <a:lnSpc>
+                <a:spcPct val="100000"/>
+              </a:lnSpc>
+            </a:pPr>
             <a:r>
               <a:rPr b="0" lang="fr-FR" sz="1800" spc="-1" strike="noStrike">
+                <a:solidFill>
+                  <a:srgbClr val="000000"/>
+                </a:solidFill>
                 <a:latin typeface="Arial"/>
+                <a:ea typeface="DejaVu Sans"/>
               </a:rPr>
               <a:t>logique métier</a:t>
             </a:r>
             <a:br/>
             <a:r>
               <a:rPr b="0" lang="fr-FR" sz="1800" spc="-1" strike="noStrike">
+                <a:solidFill>
+                  <a:srgbClr val="000000"/>
+                </a:solidFill>
                 <a:latin typeface="Arial"/>
+                <a:ea typeface="DejaVu Sans"/>
               </a:rPr>
               <a:t>sur client</a:t>
             </a:r>
@@ -6903,7 +6652,7 @@
       </p:sp>
       <p:sp>
         <p:nvSpPr>
-          <p:cNvPr id="130" name="Line 23"/>
+          <p:cNvPr id="124" name="Line 23"/>
           <p:cNvSpPr/>
           <p:nvPr/>
         </p:nvSpPr>
@@ -6931,7 +6680,7 @@
       </p:sp>
       <p:sp>
         <p:nvSpPr>
-          <p:cNvPr id="131" name="Line 24"/>
+          <p:cNvPr id="125" name="Line 24"/>
           <p:cNvSpPr/>
           <p:nvPr/>
         </p:nvSpPr>
@@ -6959,14 +6708,14 @@
       </p:sp>
       <p:sp>
         <p:nvSpPr>
-          <p:cNvPr id="132" name="CustomShape 25"/>
+          <p:cNvPr id="126" name="CustomShape 25"/>
           <p:cNvSpPr/>
           <p:nvPr/>
         </p:nvSpPr>
         <p:spPr>
           <a:xfrm>
             <a:off x="6912000" y="5687640"/>
-            <a:ext cx="1800000" cy="936360"/>
+            <a:ext cx="1799640" cy="936000"/>
           </a:xfrm>
           <a:prstGeom prst="ellipse">
             <a:avLst/>
@@ -6989,41 +6738,57 @@
         <p:txBody>
           <a:bodyPr wrap="none" lIns="90000" rIns="90000" tIns="45000" bIns="45000" anchor="ctr"/>
           <a:p>
-            <a:pPr algn="ctr"/>
+            <a:pPr algn="ctr">
+              <a:lnSpc>
+                <a:spcPct val="100000"/>
+              </a:lnSpc>
+            </a:pPr>
             <a:r>
               <a:rPr b="0" i="1" lang="fr-FR" sz="1800" spc="-1" strike="noStrike">
+                <a:solidFill>
+                  <a:srgbClr val="000000"/>
+                </a:solidFill>
                 <a:latin typeface="Arial"/>
+                <a:ea typeface="DejaVu Sans"/>
               </a:rPr>
               <a:t>quelques règles </a:t>
             </a:r>
-            <a:endParaRPr b="0" i="1" lang="fr-FR" sz="1800" spc="-1" strike="noStrike">
-              <a:latin typeface="Arial"/>
-            </a:endParaRPr>
-          </a:p>
-          <a:p>
-            <a:pPr algn="ctr"/>
+            <a:endParaRPr b="0" lang="fr-FR" sz="1800" spc="-1" strike="noStrike">
+              <a:latin typeface="Arial"/>
+            </a:endParaRPr>
+          </a:p>
+          <a:p>
+            <a:pPr algn="ctr">
+              <a:lnSpc>
+                <a:spcPct val="100000"/>
+              </a:lnSpc>
+            </a:pPr>
             <a:r>
               <a:rPr b="0" i="1" lang="fr-FR" sz="1800" spc="-1" strike="noStrike">
+                <a:solidFill>
+                  <a:srgbClr val="000000"/>
+                </a:solidFill>
                 <a:latin typeface="Arial"/>
+                <a:ea typeface="DejaVu Sans"/>
               </a:rPr>
               <a:t>de gestion</a:t>
             </a:r>
-            <a:endParaRPr b="0" i="1" lang="fr-FR" sz="1800" spc="-1" strike="noStrike">
-              <a:latin typeface="Arial"/>
-            </a:endParaRPr>
-          </a:p>
-        </p:txBody>
-      </p:sp>
-      <p:sp>
-        <p:nvSpPr>
-          <p:cNvPr id="133" name="Line 26"/>
+            <a:endParaRPr b="0" lang="fr-FR" sz="1800" spc="-1" strike="noStrike">
+              <a:latin typeface="Arial"/>
+            </a:endParaRPr>
+          </a:p>
+        </p:txBody>
+      </p:sp>
+      <p:sp>
+        <p:nvSpPr>
+          <p:cNvPr id="127" name="Line 26"/>
           <p:cNvSpPr/>
           <p:nvPr/>
         </p:nvSpPr>
         <p:spPr>
           <a:xfrm flipV="1">
             <a:off x="8136000" y="5184000"/>
-            <a:ext cx="0" cy="648000"/>
+            <a:ext cx="360" cy="648000"/>
           </a:xfrm>
           <a:prstGeom prst="line">
             <a:avLst/>
@@ -7093,14 +6858,14 @@
       </p:grpSpPr>
       <p:sp>
         <p:nvSpPr>
-          <p:cNvPr id="134" name="CustomShape 1"/>
+          <p:cNvPr id="128" name="CustomShape 1"/>
           <p:cNvSpPr/>
           <p:nvPr/>
         </p:nvSpPr>
         <p:spPr>
           <a:xfrm>
             <a:off x="2411640" y="2565000"/>
-            <a:ext cx="3960000" cy="2403000"/>
+            <a:ext cx="3959640" cy="2402640"/>
           </a:xfrm>
           <a:prstGeom prst="roundRect">
             <a:avLst>
@@ -7136,14 +6901,14 @@
       </p:sp>
       <p:sp>
         <p:nvSpPr>
-          <p:cNvPr id="135" name="TextShape 2"/>
-          <p:cNvSpPr txBox="1"/>
+          <p:cNvPr id="129" name="CustomShape 2"/>
+          <p:cNvSpPr/>
           <p:nvPr/>
         </p:nvSpPr>
         <p:spPr>
           <a:xfrm>
             <a:off x="457200" y="274680"/>
-            <a:ext cx="8229240" cy="1142640"/>
+            <a:ext cx="8228880" cy="1142280"/>
           </a:xfrm>
           <a:prstGeom prst="rect">
             <a:avLst/>
@@ -7153,8 +6918,14 @@
             <a:noFill/>
           </a:ln>
         </p:spPr>
-        <p:txBody>
-          <a:bodyPr anchor="ctr"/>
+        <p:style>
+          <a:lnRef idx="0"/>
+          <a:fillRef idx="0"/>
+          <a:effectRef idx="0"/>
+          <a:fontRef idx="minor"/>
+        </p:style>
+        <p:txBody>
+          <a:bodyPr lIns="90000" rIns="90000" tIns="45000" bIns="45000" anchor="ctr"/>
           <a:p>
             <a:pPr algn="ctr">
               <a:lnSpc>
@@ -7172,24 +6943,21 @@
               <a:t>nTiers Web jee ou php ou .net (200x)</a:t>
             </a:r>
             <a:endParaRPr b="0" lang="fr-FR" sz="4400" spc="-1" strike="noStrike">
-              <a:solidFill>
-                <a:srgbClr val="000000"/>
-              </a:solidFill>
-              <a:latin typeface="Calibri"/>
-            </a:endParaRPr>
-          </a:p>
-        </p:txBody>
-      </p:sp>
-      <p:sp>
-        <p:nvSpPr>
-          <p:cNvPr id="136" name="CustomShape 3"/>
+              <a:latin typeface="Arial"/>
+            </a:endParaRPr>
+          </a:p>
+        </p:txBody>
+      </p:sp>
+      <p:sp>
+        <p:nvSpPr>
+          <p:cNvPr id="130" name="CustomShape 3"/>
           <p:cNvSpPr/>
           <p:nvPr/>
         </p:nvSpPr>
         <p:spPr>
           <a:xfrm>
             <a:off x="395640" y="3076920"/>
-            <a:ext cx="1292760" cy="1005120"/>
+            <a:ext cx="1292400" cy="1004760"/>
           </a:xfrm>
           <a:prstGeom prst="rect">
             <a:avLst/>
@@ -7234,6 +7002,7 @@
                   <a:srgbClr val="000000"/>
                 </a:solidFill>
                 <a:latin typeface="Calibri"/>
+                <a:ea typeface="DejaVu Sans"/>
               </a:rPr>
               <a:t>HTML 4 </a:t>
             </a:r>
@@ -7244,6 +7013,7 @@
                   <a:srgbClr val="000000"/>
                 </a:solidFill>
                 <a:latin typeface="Calibri"/>
+                <a:ea typeface="DejaVu Sans"/>
               </a:rPr>
               <a:t>+ CSS </a:t>
             </a:r>
@@ -7254,6 +7024,7 @@
                   <a:srgbClr val="000000"/>
                 </a:solidFill>
                 <a:latin typeface="Calibri"/>
+                <a:ea typeface="DejaVu Sans"/>
               </a:rPr>
               <a:t>+ JS</a:t>
             </a:r>
@@ -7265,14 +7036,14 @@
       </p:sp>
       <p:sp>
         <p:nvSpPr>
-          <p:cNvPr id="137" name="CustomShape 4"/>
+          <p:cNvPr id="131" name="CustomShape 4"/>
           <p:cNvSpPr/>
           <p:nvPr/>
         </p:nvSpPr>
         <p:spPr>
           <a:xfrm>
             <a:off x="271440" y="4037760"/>
-            <a:ext cx="1732680" cy="730440"/>
+            <a:ext cx="1732320" cy="730080"/>
           </a:xfrm>
           <a:prstGeom prst="rect">
             <a:avLst/>
@@ -7302,6 +7073,7 @@
                   <a:srgbClr val="000000"/>
                 </a:solidFill>
                 <a:latin typeface="Calibri"/>
+                <a:ea typeface="DejaVu Sans"/>
               </a:rPr>
               <a:t>Navigateurs</a:t>
             </a:r>
@@ -7311,6 +7083,7 @@
                   <a:srgbClr val="000000"/>
                 </a:solidFill>
                 <a:latin typeface="Calibri"/>
+                <a:ea typeface="DejaVu Sans"/>
               </a:rPr>
               <a:t> </a:t>
             </a:r>
@@ -7321,6 +7094,7 @@
                   <a:srgbClr val="000000"/>
                 </a:solidFill>
                 <a:latin typeface="Calibri"/>
+                <a:ea typeface="DejaVu Sans"/>
               </a:rPr>
               <a:t>(IE,Netscape, ...)</a:t>
             </a:r>
@@ -7332,14 +7106,14 @@
       </p:sp>
       <p:sp>
         <p:nvSpPr>
-          <p:cNvPr id="138" name="CustomShape 5"/>
+          <p:cNvPr id="132" name="CustomShape 5"/>
           <p:cNvSpPr/>
           <p:nvPr/>
         </p:nvSpPr>
         <p:spPr>
           <a:xfrm>
             <a:off x="4477680" y="3119400"/>
-            <a:ext cx="1822320" cy="1553400"/>
+            <a:ext cx="1821960" cy="1553040"/>
           </a:xfrm>
           <a:prstGeom prst="rect">
             <a:avLst/>
@@ -7391,6 +7165,7 @@
                   <a:srgbClr val="c00000"/>
                 </a:solidFill>
                 <a:latin typeface="Calibri"/>
+                <a:ea typeface="DejaVu Sans"/>
               </a:rPr>
               <a:t>EJB3 </a:t>
             </a:r>
@@ -7410,6 +7185,7 @@
                   <a:srgbClr val="000000"/>
                 </a:solidFill>
                 <a:latin typeface="Calibri"/>
+                <a:ea typeface="DejaVu Sans"/>
               </a:rPr>
               <a:t>---------------------</a:t>
             </a:r>
@@ -7429,6 +7205,7 @@
                   <a:srgbClr val="000000"/>
                 </a:solidFill>
                 <a:latin typeface="Calibri"/>
+                <a:ea typeface="DejaVu Sans"/>
               </a:rPr>
               <a:t>JPA</a:t>
             </a:r>
@@ -7438,6 +7215,7 @@
                   <a:srgbClr val="000000"/>
                 </a:solidFill>
                 <a:latin typeface="Calibri"/>
+                <a:ea typeface="DejaVu Sans"/>
               </a:rPr>
               <a:t> / Hibernate</a:t>
             </a:r>
@@ -7457,6 +7235,7 @@
                   <a:srgbClr val="000000"/>
                 </a:solidFill>
                 <a:latin typeface="Calibri"/>
+                <a:ea typeface="DejaVu Sans"/>
               </a:rPr>
               <a:t>----------------------</a:t>
             </a:r>
@@ -7476,6 +7255,7 @@
                   <a:srgbClr val="000000"/>
                 </a:solidFill>
                 <a:latin typeface="Calibri"/>
+                <a:ea typeface="DejaVu Sans"/>
               </a:rPr>
               <a:t>Java + JDBC</a:t>
             </a:r>
@@ -7487,14 +7267,14 @@
       </p:sp>
       <p:sp>
         <p:nvSpPr>
-          <p:cNvPr id="139" name="CustomShape 6"/>
+          <p:cNvPr id="133" name="CustomShape 6"/>
           <p:cNvSpPr/>
           <p:nvPr/>
         </p:nvSpPr>
         <p:spPr>
           <a:xfrm>
             <a:off x="2592000" y="5010120"/>
-            <a:ext cx="4068000" cy="821880"/>
+            <a:ext cx="4067640" cy="821520"/>
           </a:xfrm>
           <a:prstGeom prst="rect">
             <a:avLst/>
@@ -7524,6 +7304,7 @@
                   <a:srgbClr val="000000"/>
                 </a:solidFill>
                 <a:latin typeface="Calibri"/>
+                <a:ea typeface="DejaVu Sans"/>
               </a:rPr>
               <a:t>JRE + Serveur d’appli Java / JEE</a:t>
             </a:r>
@@ -7534,6 +7315,7 @@
                   <a:srgbClr val="000000"/>
                 </a:solidFill>
                 <a:latin typeface="Calibri"/>
+                <a:ea typeface="DejaVu Sans"/>
               </a:rPr>
               <a:t>(</a:t>
             </a:r>
@@ -7543,6 +7325,7 @@
                   <a:srgbClr val="c00000"/>
                 </a:solidFill>
                 <a:latin typeface="Calibri"/>
+                <a:ea typeface="DejaVu Sans"/>
               </a:rPr>
               <a:t>jboss_as</a:t>
             </a:r>
@@ -7552,6 +7335,7 @@
                   <a:srgbClr val="000000"/>
                 </a:solidFill>
                 <a:latin typeface="Calibri"/>
+                <a:ea typeface="DejaVu Sans"/>
               </a:rPr>
               <a:t>, websphere_as, …)</a:t>
             </a:r>
@@ -7563,14 +7347,14 @@
       </p:sp>
       <p:sp>
         <p:nvSpPr>
-          <p:cNvPr id="140" name="CustomShape 7"/>
+          <p:cNvPr id="134" name="CustomShape 7"/>
           <p:cNvSpPr/>
           <p:nvPr/>
         </p:nvSpPr>
         <p:spPr>
           <a:xfrm>
             <a:off x="7339680" y="4501800"/>
-            <a:ext cx="1583640" cy="639000"/>
+            <a:ext cx="1583280" cy="638640"/>
           </a:xfrm>
           <a:prstGeom prst="rect">
             <a:avLst/>
@@ -7622,6 +7406,7 @@
                   <a:srgbClr val="000000"/>
                 </a:solidFill>
                 <a:latin typeface="Calibri"/>
+                <a:ea typeface="DejaVu Sans"/>
               </a:rPr>
               <a:t>Scripts </a:t>
             </a:r>
@@ -7631,6 +7416,7 @@
                   <a:srgbClr val="000000"/>
                 </a:solidFill>
                 <a:latin typeface="Calibri"/>
+                <a:ea typeface="DejaVu Sans"/>
               </a:rPr>
               <a:t>SQL</a:t>
             </a:r>
@@ -7640,6 +7426,7 @@
                   <a:srgbClr val="000000"/>
                 </a:solidFill>
                 <a:latin typeface="Calibri"/>
+                <a:ea typeface="DejaVu Sans"/>
               </a:rPr>
               <a:t> </a:t>
             </a:r>
@@ -7650,6 +7437,7 @@
                   <a:srgbClr val="000000"/>
                 </a:solidFill>
                 <a:latin typeface="Calibri"/>
+                <a:ea typeface="DejaVu Sans"/>
               </a:rPr>
               <a:t>(</a:t>
             </a:r>
@@ -7659,6 +7447,7 @@
                   <a:srgbClr val="000000"/>
                 </a:solidFill>
                 <a:latin typeface="Calibri"/>
+                <a:ea typeface="DejaVu Sans"/>
               </a:rPr>
               <a:t>tables</a:t>
             </a:r>
@@ -7668,6 +7457,7 @@
                   <a:srgbClr val="000000"/>
                 </a:solidFill>
                 <a:latin typeface="Calibri"/>
+                <a:ea typeface="DejaVu Sans"/>
               </a:rPr>
               <a:t> , …)</a:t>
             </a:r>
@@ -7679,14 +7469,14 @@
       </p:sp>
       <p:sp>
         <p:nvSpPr>
-          <p:cNvPr id="141" name="CustomShape 8"/>
+          <p:cNvPr id="135" name="CustomShape 8"/>
           <p:cNvSpPr/>
           <p:nvPr/>
         </p:nvSpPr>
         <p:spPr>
           <a:xfrm>
             <a:off x="7351920" y="5269680"/>
-            <a:ext cx="1665360" cy="913320"/>
+            <a:ext cx="1665000" cy="912960"/>
           </a:xfrm>
           <a:prstGeom prst="rect">
             <a:avLst/>
@@ -7716,6 +7506,7 @@
                   <a:srgbClr val="000000"/>
                 </a:solidFill>
                 <a:latin typeface="Calibri"/>
+                <a:ea typeface="DejaVu Sans"/>
               </a:rPr>
               <a:t>SGBDR</a:t>
             </a:r>
@@ -7726,6 +7517,7 @@
                   <a:srgbClr val="000000"/>
                 </a:solidFill>
                 <a:latin typeface="Calibri"/>
+                <a:ea typeface="DejaVu Sans"/>
               </a:rPr>
               <a:t>(Oracle, MySQL,</a:t>
             </a:r>
@@ -7736,6 +7528,7 @@
                   <a:srgbClr val="000000"/>
                 </a:solidFill>
                 <a:latin typeface="Calibri"/>
+                <a:ea typeface="DejaVu Sans"/>
               </a:rPr>
               <a:t>…)</a:t>
             </a:r>
@@ -7747,14 +7540,14 @@
       </p:sp>
       <p:sp>
         <p:nvSpPr>
-          <p:cNvPr id="142" name="CustomShape 9"/>
+          <p:cNvPr id="136" name="CustomShape 9"/>
           <p:cNvSpPr/>
           <p:nvPr/>
         </p:nvSpPr>
         <p:spPr>
           <a:xfrm>
             <a:off x="2591640" y="3193560"/>
-            <a:ext cx="1800000" cy="1492560"/>
+            <a:ext cx="1799640" cy="1492200"/>
           </a:xfrm>
           <a:prstGeom prst="rect">
             <a:avLst/>
@@ -7799,6 +7592,7 @@
                   <a:srgbClr val="000000"/>
                 </a:solidFill>
                 <a:latin typeface="Calibri"/>
+                <a:ea typeface="DejaVu Sans"/>
               </a:rPr>
               <a:t>JSF</a:t>
             </a:r>
@@ -7808,6 +7602,7 @@
                   <a:srgbClr val="000000"/>
                 </a:solidFill>
                 <a:latin typeface="Calibri"/>
+                <a:ea typeface="DejaVu Sans"/>
               </a:rPr>
               <a:t> ou …. (facultatif)</a:t>
             </a:r>
@@ -7827,6 +7622,7 @@
                   <a:srgbClr val="000000"/>
                 </a:solidFill>
                 <a:latin typeface="Calibri"/>
+                <a:ea typeface="DejaVu Sans"/>
               </a:rPr>
               <a:t>----------------------</a:t>
             </a:r>
@@ -7846,6 +7642,7 @@
                   <a:srgbClr val="000000"/>
                 </a:solidFill>
                 <a:latin typeface="Calibri"/>
+                <a:ea typeface="DejaVu Sans"/>
               </a:rPr>
               <a:t>Servlet / JSP </a:t>
             </a:r>
@@ -7856,6 +7653,7 @@
                   <a:srgbClr val="000000"/>
                 </a:solidFill>
                 <a:latin typeface="Calibri"/>
+                <a:ea typeface="DejaVu Sans"/>
               </a:rPr>
               <a:t>/ jstl</a:t>
             </a:r>
@@ -7867,14 +7665,14 @@
       </p:sp>
       <p:sp>
         <p:nvSpPr>
-          <p:cNvPr id="143" name="CustomShape 10"/>
+          <p:cNvPr id="137" name="CustomShape 10"/>
           <p:cNvSpPr/>
           <p:nvPr/>
         </p:nvSpPr>
         <p:spPr>
           <a:xfrm>
             <a:off x="395640" y="2205000"/>
-            <a:ext cx="287640" cy="359640"/>
+            <a:ext cx="287280" cy="359280"/>
           </a:xfrm>
           <a:prstGeom prst="smileyFace">
             <a:avLst>
@@ -7910,14 +7708,14 @@
       </p:sp>
       <p:sp>
         <p:nvSpPr>
-          <p:cNvPr id="144" name="CustomShape 11"/>
+          <p:cNvPr id="138" name="CustomShape 11"/>
           <p:cNvSpPr/>
           <p:nvPr/>
         </p:nvSpPr>
         <p:spPr>
           <a:xfrm>
             <a:off x="395640" y="2637000"/>
-            <a:ext cx="287640" cy="215640"/>
+            <a:ext cx="287280" cy="215280"/>
           </a:xfrm>
           <a:prstGeom prst="heart">
             <a:avLst/>
@@ -7951,14 +7749,14 @@
       </p:sp>
       <p:sp>
         <p:nvSpPr>
-          <p:cNvPr id="145" name="CustomShape 12"/>
+          <p:cNvPr id="139" name="CustomShape 12"/>
           <p:cNvSpPr/>
           <p:nvPr/>
         </p:nvSpPr>
         <p:spPr>
           <a:xfrm>
             <a:off x="754200" y="2243520"/>
-            <a:ext cx="287640" cy="359640"/>
+            <a:ext cx="287280" cy="359280"/>
           </a:xfrm>
           <a:prstGeom prst="smileyFace">
             <a:avLst>
@@ -7994,14 +7792,14 @@
       </p:sp>
       <p:sp>
         <p:nvSpPr>
-          <p:cNvPr id="146" name="CustomShape 13"/>
+          <p:cNvPr id="140" name="CustomShape 13"/>
           <p:cNvSpPr/>
           <p:nvPr/>
         </p:nvSpPr>
         <p:spPr>
           <a:xfrm>
             <a:off x="754200" y="2675520"/>
-            <a:ext cx="287640" cy="215640"/>
+            <a:ext cx="287280" cy="215280"/>
           </a:xfrm>
           <a:prstGeom prst="heart">
             <a:avLst/>
@@ -8035,14 +7833,14 @@
       </p:sp>
       <p:sp>
         <p:nvSpPr>
-          <p:cNvPr id="147" name="CustomShape 14"/>
+          <p:cNvPr id="141" name="CustomShape 14"/>
           <p:cNvSpPr/>
           <p:nvPr/>
         </p:nvSpPr>
         <p:spPr>
           <a:xfrm>
             <a:off x="547920" y="2357280"/>
-            <a:ext cx="287640" cy="359640"/>
+            <a:ext cx="287280" cy="359280"/>
           </a:xfrm>
           <a:prstGeom prst="smileyFace">
             <a:avLst>
@@ -8078,14 +7876,14 @@
       </p:sp>
       <p:sp>
         <p:nvSpPr>
-          <p:cNvPr id="148" name="CustomShape 15"/>
+          <p:cNvPr id="142" name="CustomShape 15"/>
           <p:cNvSpPr/>
           <p:nvPr/>
         </p:nvSpPr>
         <p:spPr>
           <a:xfrm>
             <a:off x="547920" y="2789280"/>
-            <a:ext cx="287640" cy="215640"/>
+            <a:ext cx="287280" cy="215280"/>
           </a:xfrm>
           <a:prstGeom prst="heart">
             <a:avLst/>
@@ -8119,14 +7917,14 @@
       </p:sp>
       <p:sp>
         <p:nvSpPr>
-          <p:cNvPr id="149" name="CustomShape 16"/>
+          <p:cNvPr id="143" name="CustomShape 16"/>
           <p:cNvSpPr/>
           <p:nvPr/>
         </p:nvSpPr>
         <p:spPr>
           <a:xfrm>
             <a:off x="7396560" y="3005280"/>
-            <a:ext cx="935640" cy="1218240"/>
+            <a:ext cx="935280" cy="1217880"/>
           </a:xfrm>
           <a:prstGeom prst="can">
             <a:avLst>
@@ -8162,14 +7960,14 @@
       </p:sp>
       <p:sp>
         <p:nvSpPr>
-          <p:cNvPr id="150" name="CustomShape 17"/>
+          <p:cNvPr id="144" name="CustomShape 17"/>
           <p:cNvSpPr/>
           <p:nvPr/>
         </p:nvSpPr>
         <p:spPr>
           <a:xfrm>
             <a:off x="6516360" y="3721320"/>
-            <a:ext cx="719640" cy="316080"/>
+            <a:ext cx="719280" cy="315720"/>
           </a:xfrm>
           <a:prstGeom prst="lightningBolt">
             <a:avLst/>
@@ -8203,14 +8001,14 @@
       </p:sp>
       <p:sp>
         <p:nvSpPr>
-          <p:cNvPr id="151" name="CustomShape 18"/>
+          <p:cNvPr id="145" name="CustomShape 18"/>
           <p:cNvSpPr/>
           <p:nvPr/>
         </p:nvSpPr>
         <p:spPr>
           <a:xfrm>
             <a:off x="1821960" y="3173040"/>
-            <a:ext cx="500400" cy="365400"/>
+            <a:ext cx="500040" cy="365040"/>
           </a:xfrm>
           <a:prstGeom prst="lightningBolt">
             <a:avLst/>
@@ -8244,14 +8042,14 @@
       </p:sp>
       <p:sp>
         <p:nvSpPr>
-          <p:cNvPr id="152" name="CustomShape 19"/>
+          <p:cNvPr id="146" name="CustomShape 19"/>
           <p:cNvSpPr/>
           <p:nvPr/>
         </p:nvSpPr>
         <p:spPr>
           <a:xfrm>
             <a:off x="1758240" y="3538440"/>
-            <a:ext cx="500400" cy="365400"/>
+            <a:ext cx="500040" cy="365040"/>
           </a:xfrm>
           <a:prstGeom prst="lightningBolt">
             <a:avLst/>
@@ -8285,14 +8083,14 @@
       </p:sp>
       <p:sp>
         <p:nvSpPr>
-          <p:cNvPr id="153" name="CustomShape 20"/>
+          <p:cNvPr id="147" name="CustomShape 20"/>
           <p:cNvSpPr/>
           <p:nvPr/>
         </p:nvSpPr>
         <p:spPr>
           <a:xfrm>
             <a:off x="1758240" y="3947760"/>
-            <a:ext cx="500400" cy="365400"/>
+            <a:ext cx="500040" cy="365040"/>
           </a:xfrm>
           <a:prstGeom prst="lightningBolt">
             <a:avLst/>
@@ -8326,14 +8124,14 @@
       </p:sp>
       <p:sp>
         <p:nvSpPr>
-          <p:cNvPr id="154" name="CustomShape 21"/>
+          <p:cNvPr id="148" name="CustomShape 21"/>
           <p:cNvSpPr/>
           <p:nvPr/>
         </p:nvSpPr>
         <p:spPr>
           <a:xfrm>
             <a:off x="2483640" y="1656360"/>
-            <a:ext cx="2904840" cy="647640"/>
+            <a:ext cx="2904480" cy="647280"/>
           </a:xfrm>
           <a:prstGeom prst="roundRect">
             <a:avLst>
@@ -8370,6 +8168,7 @@
                   <a:srgbClr val="c00000"/>
                 </a:solidFill>
                 <a:latin typeface="Calibri"/>
+                <a:ea typeface="DejaVu Sans"/>
               </a:rPr>
               <a:t>Appli_jee</a:t>
             </a:r>
@@ -8379,6 +8178,7 @@
                   <a:srgbClr val="c00000"/>
                 </a:solidFill>
                 <a:latin typeface="Calibri"/>
+                <a:ea typeface="DejaVu Sans"/>
               </a:rPr>
               <a:t>.ear </a:t>
             </a:r>
@@ -8388,6 +8188,7 @@
                   <a:srgbClr val="000000"/>
                 </a:solidFill>
                 <a:latin typeface="Calibri"/>
+                <a:ea typeface="DejaVu Sans"/>
               </a:rPr>
               <a:t>(.jar + .war)</a:t>
             </a:r>
@@ -8399,14 +8200,14 @@
       </p:sp>
       <p:sp>
         <p:nvSpPr>
-          <p:cNvPr id="155" name="CustomShape 22"/>
+          <p:cNvPr id="149" name="CustomShape 22"/>
           <p:cNvSpPr/>
           <p:nvPr/>
         </p:nvSpPr>
         <p:spPr>
           <a:xfrm flipH="1">
-            <a:off x="4477680" y="1917000"/>
-            <a:ext cx="742320" cy="827640"/>
+            <a:off x="4476960" y="1917000"/>
+            <a:ext cx="741960" cy="827280"/>
           </a:xfrm>
           <a:custGeom>
             <a:avLst/>
@@ -8448,14 +8249,14 @@
       </p:sp>
       <p:sp>
         <p:nvSpPr>
-          <p:cNvPr id="156" name="CustomShape 23"/>
+          <p:cNvPr id="150" name="CustomShape 23"/>
           <p:cNvSpPr/>
           <p:nvPr/>
         </p:nvSpPr>
         <p:spPr>
           <a:xfrm>
             <a:off x="5472000" y="2016000"/>
-            <a:ext cx="1036080" cy="364680"/>
+            <a:ext cx="1035720" cy="364320"/>
           </a:xfrm>
           <a:prstGeom prst="rect">
             <a:avLst/>
@@ -8485,6 +8286,7 @@
                   <a:srgbClr val="000000"/>
                 </a:solidFill>
                 <a:latin typeface="Calibri"/>
+                <a:ea typeface="DejaVu Sans"/>
               </a:rPr>
               <a:t>déployée</a:t>
             </a:r>
@@ -8496,14 +8298,14 @@
       </p:sp>
       <p:sp>
         <p:nvSpPr>
-          <p:cNvPr id="157" name="CustomShape 24"/>
+          <p:cNvPr id="151" name="CustomShape 24"/>
           <p:cNvSpPr/>
           <p:nvPr/>
         </p:nvSpPr>
         <p:spPr>
           <a:xfrm>
             <a:off x="1743840" y="2675520"/>
-            <a:ext cx="569880" cy="364680"/>
+            <a:ext cx="569520" cy="364320"/>
           </a:xfrm>
           <a:prstGeom prst="rect">
             <a:avLst/>
@@ -8533,6 +8335,7 @@
                   <a:srgbClr val="0070c0"/>
                 </a:solidFill>
                 <a:latin typeface="Calibri"/>
+                <a:ea typeface="DejaVu Sans"/>
               </a:rPr>
               <a:t>http</a:t>
             </a:r>
@@ -8544,14 +8347,14 @@
       </p:sp>
       <p:sp>
         <p:nvSpPr>
-          <p:cNvPr id="158" name="CustomShape 25"/>
+          <p:cNvPr id="152" name="CustomShape 25"/>
           <p:cNvSpPr/>
           <p:nvPr/>
         </p:nvSpPr>
         <p:spPr>
           <a:xfrm>
             <a:off x="360000" y="5328000"/>
-            <a:ext cx="1368000" cy="936000"/>
+            <a:ext cx="1367640" cy="935640"/>
           </a:xfrm>
           <a:prstGeom prst="ellipse">
             <a:avLst/>
@@ -8574,10 +8377,18 @@
         <p:txBody>
           <a:bodyPr wrap="none" lIns="90000" rIns="90000" tIns="45000" bIns="45000" anchor="ctr"/>
           <a:p>
-            <a:pPr algn="ctr"/>
+            <a:pPr algn="ctr">
+              <a:lnSpc>
+                <a:spcPct val="100000"/>
+              </a:lnSpc>
+            </a:pPr>
             <a:r>
               <a:rPr b="0" lang="fr-FR" sz="1800" spc="-1" strike="noStrike">
+                <a:solidFill>
+                  <a:srgbClr val="000000"/>
+                </a:solidFill>
                 <a:latin typeface="Arial"/>
+                <a:ea typeface="DejaVu Sans"/>
               </a:rPr>
               <a:t>sessions</a:t>
             </a:r>
@@ -8586,10 +8397,18 @@
             </a:endParaRPr>
           </a:p>
           <a:p>
-            <a:pPr algn="ctr"/>
+            <a:pPr algn="ctr">
+              <a:lnSpc>
+                <a:spcPct val="100000"/>
+              </a:lnSpc>
+            </a:pPr>
             <a:r>
               <a:rPr b="0" lang="fr-FR" sz="1800" spc="-1" strike="noStrike">
+                <a:solidFill>
+                  <a:srgbClr val="000000"/>
+                </a:solidFill>
                 <a:latin typeface="Arial"/>
+                <a:ea typeface="DejaVu Sans"/>
               </a:rPr>
               <a:t>"http" coté</a:t>
             </a:r>
@@ -8598,10 +8417,18 @@
             </a:endParaRPr>
           </a:p>
           <a:p>
-            <a:pPr algn="ctr"/>
+            <a:pPr algn="ctr">
+              <a:lnSpc>
+                <a:spcPct val="100000"/>
+              </a:lnSpc>
+            </a:pPr>
             <a:r>
               <a:rPr b="0" lang="fr-FR" sz="1800" spc="-1" strike="noStrike">
+                <a:solidFill>
+                  <a:srgbClr val="000000"/>
+                </a:solidFill>
                 <a:latin typeface="Arial"/>
+                <a:ea typeface="DejaVu Sans"/>
               </a:rPr>
               <a:t>serveur</a:t>
             </a:r>
@@ -8613,7 +8440,7 @@
       </p:sp>
       <p:sp>
         <p:nvSpPr>
-          <p:cNvPr id="159" name="Line 26"/>
+          <p:cNvPr id="153" name="Line 26"/>
           <p:cNvSpPr/>
           <p:nvPr/>
         </p:nvSpPr>
@@ -8641,14 +8468,14 @@
       </p:sp>
       <p:sp>
         <p:nvSpPr>
-          <p:cNvPr id="160" name="CustomShape 27"/>
+          <p:cNvPr id="154" name="CustomShape 27"/>
           <p:cNvSpPr/>
           <p:nvPr/>
         </p:nvSpPr>
         <p:spPr>
           <a:xfrm>
             <a:off x="1728000" y="5976000"/>
-            <a:ext cx="2664000" cy="792000"/>
+            <a:ext cx="2663640" cy="791640"/>
           </a:xfrm>
           <a:prstGeom prst="ellipse">
             <a:avLst/>
@@ -8671,10 +8498,18 @@
         <p:txBody>
           <a:bodyPr wrap="none" lIns="90000" rIns="90000" tIns="45000" bIns="45000" anchor="ctr"/>
           <a:p>
-            <a:pPr algn="ctr"/>
+            <a:pPr algn="ctr">
+              <a:lnSpc>
+                <a:spcPct val="100000"/>
+              </a:lnSpc>
+            </a:pPr>
             <a:r>
               <a:rPr b="0" lang="fr-FR" sz="1800" spc="-1" strike="noStrike">
+                <a:solidFill>
+                  <a:srgbClr val="000000"/>
+                </a:solidFill>
                 <a:latin typeface="Arial"/>
+                <a:ea typeface="DejaVu Sans"/>
               </a:rPr>
               <a:t>génération dynamique</a:t>
             </a:r>
@@ -8683,10 +8518,18 @@
             </a:endParaRPr>
           </a:p>
           <a:p>
-            <a:pPr algn="ctr"/>
+            <a:pPr algn="ctr">
+              <a:lnSpc>
+                <a:spcPct val="100000"/>
+              </a:lnSpc>
+            </a:pPr>
             <a:r>
               <a:rPr b="0" lang="fr-FR" sz="1800" spc="-1" strike="noStrike">
+                <a:solidFill>
+                  <a:srgbClr val="000000"/>
+                </a:solidFill>
                 <a:latin typeface="Arial"/>
+                <a:ea typeface="DejaVu Sans"/>
               </a:rPr>
               <a:t>de pages HTML</a:t>
             </a:r>
@@ -8698,7 +8541,7 @@
       </p:sp>
       <p:sp>
         <p:nvSpPr>
-          <p:cNvPr id="161" name="Line 28"/>
+          <p:cNvPr id="155" name="Line 28"/>
           <p:cNvSpPr/>
           <p:nvPr/>
         </p:nvSpPr>
@@ -8775,14 +8618,14 @@
       </p:grpSpPr>
       <p:sp>
         <p:nvSpPr>
-          <p:cNvPr id="162" name="CustomShape 1"/>
+          <p:cNvPr id="156" name="CustomShape 1"/>
           <p:cNvSpPr/>
           <p:nvPr/>
         </p:nvSpPr>
         <p:spPr>
           <a:xfrm>
             <a:off x="2411640" y="2205000"/>
-            <a:ext cx="3960000" cy="2651040"/>
+            <a:ext cx="3959640" cy="2650680"/>
           </a:xfrm>
           <a:prstGeom prst="roundRect">
             <a:avLst>
@@ -8818,14 +8661,14 @@
       </p:sp>
       <p:sp>
         <p:nvSpPr>
-          <p:cNvPr id="163" name="TextShape 2"/>
-          <p:cNvSpPr txBox="1"/>
+          <p:cNvPr id="157" name="CustomShape 2"/>
+          <p:cNvSpPr/>
           <p:nvPr/>
         </p:nvSpPr>
         <p:spPr>
           <a:xfrm>
             <a:off x="457200" y="153360"/>
-            <a:ext cx="8229240" cy="1142640"/>
+            <a:ext cx="8228880" cy="1142280"/>
           </a:xfrm>
           <a:prstGeom prst="rect">
             <a:avLst/>
@@ -8835,8 +8678,14 @@
             <a:noFill/>
           </a:ln>
         </p:spPr>
-        <p:txBody>
-          <a:bodyPr anchor="ctr"/>
+        <p:style>
+          <a:lnRef idx="0"/>
+          <a:fillRef idx="0"/>
+          <a:effectRef idx="0"/>
+          <a:fontRef idx="minor"/>
+        </p:style>
+        <p:txBody>
+          <a:bodyPr lIns="90000" rIns="90000" tIns="45000" bIns="45000" anchor="ctr"/>
           <a:p>
             <a:pPr algn="ctr">
               <a:lnSpc>
@@ -8854,24 +8703,21 @@
               <a:t>FrontEnd_js + backEnd_rest (201x)</a:t>
             </a:r>
             <a:endParaRPr b="0" lang="fr-FR" sz="4400" spc="-1" strike="noStrike">
-              <a:solidFill>
-                <a:srgbClr val="000000"/>
-              </a:solidFill>
-              <a:latin typeface="Calibri"/>
-            </a:endParaRPr>
-          </a:p>
-        </p:txBody>
-      </p:sp>
-      <p:sp>
-        <p:nvSpPr>
-          <p:cNvPr id="164" name="CustomShape 3"/>
+              <a:latin typeface="Arial"/>
+            </a:endParaRPr>
+          </a:p>
+        </p:txBody>
+      </p:sp>
+      <p:sp>
+        <p:nvSpPr>
+          <p:cNvPr id="158" name="CustomShape 3"/>
           <p:cNvSpPr/>
           <p:nvPr/>
         </p:nvSpPr>
         <p:spPr>
           <a:xfrm>
             <a:off x="216000" y="2880000"/>
-            <a:ext cx="1542240" cy="1919880"/>
+            <a:ext cx="1541880" cy="1919520"/>
           </a:xfrm>
           <a:prstGeom prst="rect">
             <a:avLst/>
@@ -8916,8 +8762,9 @@
                   <a:srgbClr val="ce181e"/>
                 </a:solidFill>
                 <a:latin typeface="Calibri"/>
-              </a:rPr>
-              <a:t>FontEnd</a:t>
+                <a:ea typeface="DejaVu Sans"/>
+              </a:rPr>
+              <a:t>FrontEnd</a:t>
             </a:r>
             <a:endParaRPr b="0" lang="fr-FR" sz="2000" spc="-1" strike="noStrike">
               <a:latin typeface="Arial"/>
@@ -8935,6 +8782,7 @@
                   <a:srgbClr val="182f7c"/>
                 </a:solidFill>
                 <a:latin typeface="Calibri"/>
+                <a:ea typeface="DejaVu Sans"/>
               </a:rPr>
               <a:t>HTML 5 </a:t>
             </a:r>
@@ -8945,6 +8793,7 @@
                   <a:srgbClr val="182f7c"/>
                 </a:solidFill>
                 <a:latin typeface="Calibri"/>
+                <a:ea typeface="DejaVu Sans"/>
               </a:rPr>
               <a:t>+ CSS 3 </a:t>
             </a:r>
@@ -8955,6 +8804,7 @@
                   <a:srgbClr val="182f7c"/>
                 </a:solidFill>
                 <a:latin typeface="Calibri"/>
+                <a:ea typeface="DejaVu Sans"/>
               </a:rPr>
               <a:t>+ JS</a:t>
             </a:r>
@@ -8964,6 +8814,7 @@
                   <a:srgbClr val="000000"/>
                 </a:solidFill>
                 <a:latin typeface="Calibri"/>
+                <a:ea typeface="DejaVu Sans"/>
               </a:rPr>
               <a:t> (</a:t>
             </a:r>
@@ -8973,6 +8824,7 @@
                   <a:srgbClr val="c00000"/>
                 </a:solidFill>
                 <a:latin typeface="Calibri"/>
+                <a:ea typeface="DejaVu Sans"/>
               </a:rPr>
               <a:t>react</a:t>
             </a:r>
@@ -8983,6 +8835,7 @@
                   <a:srgbClr val="000000"/>
                 </a:solidFill>
                 <a:latin typeface="Calibri"/>
+                <a:ea typeface="DejaVu Sans"/>
               </a:rPr>
               <a:t>ou </a:t>
             </a:r>
@@ -8992,6 +8845,7 @@
                   <a:srgbClr val="c00000"/>
                 </a:solidFill>
                 <a:latin typeface="Calibri"/>
+                <a:ea typeface="DejaVu Sans"/>
               </a:rPr>
               <a:t>Angular </a:t>
             </a:r>
@@ -9001,6 +8855,7 @@
                   <a:srgbClr val="000000"/>
                 </a:solidFill>
                 <a:latin typeface="Calibri"/>
+                <a:ea typeface="DejaVu Sans"/>
               </a:rPr>
               <a:t>ou </a:t>
             </a:r>
@@ -9010,6 +8865,7 @@
                   <a:srgbClr val="ce181e"/>
                 </a:solidFill>
                 <a:latin typeface="Calibri"/>
+                <a:ea typeface="DejaVu Sans"/>
               </a:rPr>
               <a:t>vueJs</a:t>
             </a:r>
@@ -9019,6 +8875,7 @@
                   <a:srgbClr val="000000"/>
                 </a:solidFill>
                 <a:latin typeface="Calibri"/>
+                <a:ea typeface="DejaVu Sans"/>
               </a:rPr>
               <a:t>)</a:t>
             </a:r>
@@ -9030,14 +8887,14 @@
       </p:sp>
       <p:sp>
         <p:nvSpPr>
-          <p:cNvPr id="165" name="CustomShape 4"/>
+          <p:cNvPr id="159" name="CustomShape 4"/>
           <p:cNvSpPr/>
           <p:nvPr/>
         </p:nvSpPr>
         <p:spPr>
           <a:xfrm>
             <a:off x="317520" y="4896000"/>
-            <a:ext cx="1808640" cy="730440"/>
+            <a:ext cx="1808280" cy="730080"/>
           </a:xfrm>
           <a:prstGeom prst="rect">
             <a:avLst/>
@@ -9067,6 +8924,7 @@
                   <a:srgbClr val="000000"/>
                 </a:solidFill>
                 <a:latin typeface="Calibri"/>
+                <a:ea typeface="DejaVu Sans"/>
               </a:rPr>
               <a:t>Navigateurs</a:t>
             </a:r>
@@ -9076,6 +8934,7 @@
                   <a:srgbClr val="000000"/>
                 </a:solidFill>
                 <a:latin typeface="Calibri"/>
+                <a:ea typeface="DejaVu Sans"/>
               </a:rPr>
               <a:t> </a:t>
             </a:r>
@@ -9086,6 +8945,7 @@
                   <a:srgbClr val="000000"/>
                 </a:solidFill>
                 <a:latin typeface="Calibri"/>
+                <a:ea typeface="DejaVu Sans"/>
               </a:rPr>
               <a:t>(Edge,Fx,Chrome)</a:t>
             </a:r>
@@ -9097,14 +8957,14 @@
       </p:sp>
       <p:sp>
         <p:nvSpPr>
-          <p:cNvPr id="166" name="CustomShape 5"/>
+          <p:cNvPr id="160" name="CustomShape 5"/>
           <p:cNvSpPr/>
           <p:nvPr/>
         </p:nvSpPr>
         <p:spPr>
           <a:xfrm>
             <a:off x="4477680" y="2759400"/>
-            <a:ext cx="1822320" cy="1736280"/>
+            <a:ext cx="1821960" cy="1735920"/>
           </a:xfrm>
           <a:prstGeom prst="rect">
             <a:avLst/>
@@ -9152,7 +9012,11 @@
             </a:pPr>
             <a:r>
               <a:rPr b="0" lang="fr-FR" sz="1800" spc="-1" strike="noStrike">
-                <a:latin typeface="Calibri"/>
+                <a:solidFill>
+                  <a:srgbClr val="000000"/>
+                </a:solidFill>
+                <a:latin typeface="Calibri"/>
+                <a:ea typeface="DejaVu Sans"/>
               </a:rPr>
               <a:t>Eventuelles transactions </a:t>
             </a:r>
@@ -9172,6 +9036,7 @@
                   <a:srgbClr val="000000"/>
                 </a:solidFill>
                 <a:latin typeface="Calibri"/>
+                <a:ea typeface="DejaVu Sans"/>
               </a:rPr>
               <a:t>---------------------</a:t>
             </a:r>
@@ -9187,7 +9052,11 @@
             </a:pPr>
             <a:r>
               <a:rPr b="0" lang="fr-FR" sz="1800" spc="-1" strike="noStrike">
-                <a:latin typeface="Calibri"/>
+                <a:solidFill>
+                  <a:srgbClr val="000000"/>
+                </a:solidFill>
+                <a:latin typeface="Calibri"/>
+                <a:ea typeface="DejaVu Sans"/>
               </a:rPr>
               <a:t>Eventuel ORM</a:t>
             </a:r>
@@ -9207,6 +9076,7 @@
                   <a:srgbClr val="000000"/>
                 </a:solidFill>
                 <a:latin typeface="Calibri"/>
+                <a:ea typeface="DejaVu Sans"/>
               </a:rPr>
               <a:t>----------------------</a:t>
             </a:r>
@@ -9226,6 +9096,7 @@
                   <a:srgbClr val="ce181e"/>
                 </a:solidFill>
                 <a:latin typeface="Calibri"/>
+                <a:ea typeface="DejaVu Sans"/>
               </a:rPr>
               <a:t>Persistance</a:t>
             </a:r>
@@ -9237,14 +9108,14 @@
       </p:sp>
       <p:sp>
         <p:nvSpPr>
-          <p:cNvPr id="167" name="CustomShape 6"/>
+          <p:cNvPr id="161" name="CustomShape 6"/>
           <p:cNvSpPr/>
           <p:nvPr/>
         </p:nvSpPr>
         <p:spPr>
           <a:xfrm>
             <a:off x="3095640" y="4896000"/>
-            <a:ext cx="3672360" cy="821880"/>
+            <a:ext cx="3672000" cy="821520"/>
           </a:xfrm>
           <a:prstGeom prst="rect">
             <a:avLst/>
@@ -9274,6 +9145,7 @@
                   <a:srgbClr val="000000"/>
                 </a:solidFill>
                 <a:latin typeface="Calibri"/>
+                <a:ea typeface="DejaVu Sans"/>
               </a:rPr>
               <a:t>Machine virtuelle java ou </a:t>
             </a:r>
@@ -9284,6 +9156,7 @@
                   <a:srgbClr val="000000"/>
                 </a:solidFill>
                 <a:latin typeface="Calibri"/>
+                <a:ea typeface="DejaVu Sans"/>
               </a:rPr>
               <a:t>nodeJs ou envPython ou ...</a:t>
             </a:r>
@@ -9295,14 +9168,14 @@
       </p:sp>
       <p:sp>
         <p:nvSpPr>
-          <p:cNvPr id="168" name="CustomShape 7"/>
+          <p:cNvPr id="162" name="CustomShape 7"/>
           <p:cNvSpPr/>
           <p:nvPr/>
         </p:nvSpPr>
         <p:spPr>
           <a:xfrm>
             <a:off x="7339680" y="4392000"/>
-            <a:ext cx="1583640" cy="912600"/>
+            <a:ext cx="1583280" cy="912240"/>
           </a:xfrm>
           <a:prstGeom prst="rect">
             <a:avLst/>
@@ -9354,6 +9227,7 @@
                   <a:srgbClr val="000000"/>
                 </a:solidFill>
                 <a:latin typeface="Calibri"/>
+                <a:ea typeface="DejaVu Sans"/>
               </a:rPr>
               <a:t>Scripts </a:t>
             </a:r>
@@ -9363,6 +9237,7 @@
                   <a:srgbClr val="000000"/>
                 </a:solidFill>
                 <a:latin typeface="Calibri"/>
+                <a:ea typeface="DejaVu Sans"/>
               </a:rPr>
               <a:t>SQL</a:t>
             </a:r>
@@ -9372,6 +9247,7 @@
                   <a:srgbClr val="000000"/>
                 </a:solidFill>
                 <a:latin typeface="Calibri"/>
+                <a:ea typeface="DejaVu Sans"/>
               </a:rPr>
               <a:t> </a:t>
             </a:r>
@@ -9382,6 +9258,7 @@
                   <a:srgbClr val="000000"/>
                 </a:solidFill>
                 <a:latin typeface="Calibri"/>
+                <a:ea typeface="DejaVu Sans"/>
               </a:rPr>
               <a:t>(</a:t>
             </a:r>
@@ -9391,6 +9268,7 @@
                   <a:srgbClr val="000000"/>
                 </a:solidFill>
                 <a:latin typeface="Calibri"/>
+                <a:ea typeface="DejaVu Sans"/>
               </a:rPr>
               <a:t>tables</a:t>
             </a:r>
@@ -9400,6 +9278,7 @@
                   <a:srgbClr val="000000"/>
                 </a:solidFill>
                 <a:latin typeface="Calibri"/>
+                <a:ea typeface="DejaVu Sans"/>
               </a:rPr>
               <a:t> , …) </a:t>
             </a:r>
@@ -9419,6 +9298,7 @@
                   <a:srgbClr val="000000"/>
                 </a:solidFill>
                 <a:latin typeface="Calibri"/>
+                <a:ea typeface="DejaVu Sans"/>
               </a:rPr>
               <a:t>ou ...</a:t>
             </a:r>
@@ -9430,14 +9310,14 @@
       </p:sp>
       <p:sp>
         <p:nvSpPr>
-          <p:cNvPr id="169" name="CustomShape 8"/>
+          <p:cNvPr id="163" name="CustomShape 8"/>
           <p:cNvSpPr/>
           <p:nvPr/>
         </p:nvSpPr>
         <p:spPr>
           <a:xfrm>
             <a:off x="7446600" y="5269680"/>
-            <a:ext cx="1478160" cy="1186920"/>
+            <a:ext cx="1477800" cy="1186560"/>
           </a:xfrm>
           <a:prstGeom prst="rect">
             <a:avLst/>
@@ -9467,6 +9347,7 @@
                   <a:srgbClr val="182f7c"/>
                 </a:solidFill>
                 <a:latin typeface="Calibri"/>
+                <a:ea typeface="DejaVu Sans"/>
               </a:rPr>
               <a:t>SGBDR</a:t>
             </a:r>
@@ -9477,6 +9358,7 @@
                   <a:srgbClr val="000000"/>
                 </a:solidFill>
                 <a:latin typeface="Calibri"/>
+                <a:ea typeface="DejaVu Sans"/>
               </a:rPr>
               <a:t>( </a:t>
             </a:r>
@@ -9486,6 +9368,7 @@
                   <a:srgbClr val="000000"/>
                 </a:solidFill>
                 <a:latin typeface="Calibri"/>
+                <a:ea typeface="DejaVu Sans"/>
               </a:rPr>
               <a:t>MySQL</a:t>
             </a:r>
@@ -9495,6 +9378,7 @@
                   <a:srgbClr val="000000"/>
                 </a:solidFill>
                 <a:latin typeface="Calibri"/>
+                <a:ea typeface="DejaVu Sans"/>
               </a:rPr>
               <a:t>,</a:t>
             </a:r>
@@ -9505,6 +9389,7 @@
                   <a:srgbClr val="000000"/>
                 </a:solidFill>
                 <a:latin typeface="Calibri"/>
+                <a:ea typeface="DejaVu Sans"/>
               </a:rPr>
               <a:t>…) ou </a:t>
             </a:r>
@@ -9514,6 +9399,7 @@
                   <a:srgbClr val="182f7c"/>
                 </a:solidFill>
                 <a:latin typeface="Calibri"/>
+                <a:ea typeface="DejaVu Sans"/>
               </a:rPr>
               <a:t>noSQL</a:t>
             </a:r>
@@ -9523,6 +9409,7 @@
                   <a:srgbClr val="000000"/>
                 </a:solidFill>
                 <a:latin typeface="Calibri"/>
+                <a:ea typeface="DejaVu Sans"/>
               </a:rPr>
               <a:t>(</a:t>
             </a:r>
@@ -9542,6 +9429,7 @@
                   <a:srgbClr val="000000"/>
                 </a:solidFill>
                 <a:latin typeface="Calibri"/>
+                <a:ea typeface="DejaVu Sans"/>
               </a:rPr>
               <a:t>MongoDB</a:t>
             </a:r>
@@ -9551,6 +9439,7 @@
                   <a:srgbClr val="000000"/>
                 </a:solidFill>
                 <a:latin typeface="Calibri"/>
+                <a:ea typeface="DejaVu Sans"/>
               </a:rPr>
               <a:t>, ...)</a:t>
             </a:r>
@@ -9562,14 +9451,14 @@
       </p:sp>
       <p:sp>
         <p:nvSpPr>
-          <p:cNvPr id="170" name="CustomShape 9"/>
+          <p:cNvPr id="164" name="CustomShape 9"/>
           <p:cNvSpPr/>
           <p:nvPr/>
         </p:nvSpPr>
         <p:spPr>
           <a:xfrm>
             <a:off x="2592000" y="2525400"/>
-            <a:ext cx="1800000" cy="2010600"/>
+            <a:ext cx="1799640" cy="2010240"/>
           </a:xfrm>
           <a:prstGeom prst="rect">
             <a:avLst/>
@@ -9614,6 +9503,7 @@
                   <a:srgbClr val="c00000"/>
                 </a:solidFill>
                 <a:latin typeface="Calibri"/>
+                <a:ea typeface="DejaVu Sans"/>
               </a:rPr>
               <a:t>Web_services</a:t>
             </a:r>
@@ -9624,6 +9514,7 @@
                   <a:srgbClr val="c00000"/>
                 </a:solidFill>
                 <a:latin typeface="Calibri"/>
+                <a:ea typeface="DejaVu Sans"/>
               </a:rPr>
               <a:t>REST </a:t>
             </a:r>
@@ -9633,6 +9524,7 @@
                   <a:srgbClr val="000000"/>
                 </a:solidFill>
                 <a:latin typeface="Calibri"/>
+                <a:ea typeface="DejaVu Sans"/>
               </a:rPr>
               <a:t>(Express/js</a:t>
             </a:r>
@@ -9652,6 +9544,7 @@
                   <a:srgbClr val="000000"/>
                 </a:solidFill>
                 <a:latin typeface="Calibri"/>
+                <a:ea typeface="DejaVu Sans"/>
               </a:rPr>
               <a:t>   </a:t>
             </a:r>
@@ -9661,6 +9554,7 @@
                   <a:srgbClr val="000000"/>
                 </a:solidFill>
                 <a:latin typeface="Calibri"/>
+                <a:ea typeface="DejaVu Sans"/>
               </a:rPr>
               <a:t>ou spring-mvc</a:t>
             </a:r>
@@ -9680,6 +9574,7 @@
                   <a:srgbClr val="000000"/>
                 </a:solidFill>
                 <a:latin typeface="Calibri"/>
+                <a:ea typeface="DejaVu Sans"/>
               </a:rPr>
               <a:t>    </a:t>
             </a:r>
@@ -9689,6 +9584,7 @@
                   <a:srgbClr val="000000"/>
                 </a:solidFill>
                 <a:latin typeface="Calibri"/>
+                <a:ea typeface="DejaVu Sans"/>
               </a:rPr>
               <a:t>ou JAX-RS</a:t>
             </a:r>
@@ -9708,6 +9604,7 @@
                   <a:srgbClr val="000000"/>
                 </a:solidFill>
                 <a:latin typeface="Calibri"/>
+                <a:ea typeface="DejaVu Sans"/>
               </a:rPr>
               <a:t>     </a:t>
             </a:r>
@@ -9717,6 +9614,7 @@
                   <a:srgbClr val="000000"/>
                 </a:solidFill>
                 <a:latin typeface="Calibri"/>
+                <a:ea typeface="DejaVu Sans"/>
               </a:rPr>
               <a:t>ou php </a:t>
             </a:r>
@@ -9736,6 +9634,7 @@
                   <a:srgbClr val="000000"/>
                 </a:solidFill>
                 <a:latin typeface="Calibri"/>
+                <a:ea typeface="DejaVu Sans"/>
               </a:rPr>
               <a:t>    </a:t>
             </a:r>
@@ -9745,6 +9644,7 @@
                   <a:srgbClr val="000000"/>
                 </a:solidFill>
                 <a:latin typeface="Calibri"/>
+                <a:ea typeface="DejaVu Sans"/>
               </a:rPr>
               <a:t>ou python </a:t>
             </a:r>
@@ -9764,6 +9664,7 @@
                   <a:srgbClr val="000000"/>
                 </a:solidFill>
                 <a:latin typeface="Calibri"/>
+                <a:ea typeface="DejaVu Sans"/>
               </a:rPr>
               <a:t>    </a:t>
             </a:r>
@@ -9773,6 +9674,7 @@
                   <a:srgbClr val="000000"/>
                 </a:solidFill>
                 <a:latin typeface="Calibri"/>
+                <a:ea typeface="DejaVu Sans"/>
               </a:rPr>
               <a:t>ou ....)</a:t>
             </a:r>
@@ -9784,14 +9686,14 @@
       </p:sp>
       <p:sp>
         <p:nvSpPr>
-          <p:cNvPr id="171" name="CustomShape 10"/>
+          <p:cNvPr id="165" name="CustomShape 10"/>
           <p:cNvSpPr/>
           <p:nvPr/>
         </p:nvSpPr>
         <p:spPr>
           <a:xfrm>
             <a:off x="395640" y="2052360"/>
-            <a:ext cx="287640" cy="359640"/>
+            <a:ext cx="287280" cy="359280"/>
           </a:xfrm>
           <a:prstGeom prst="smileyFace">
             <a:avLst>
@@ -9827,14 +9729,14 @@
       </p:sp>
       <p:sp>
         <p:nvSpPr>
-          <p:cNvPr id="172" name="CustomShape 11"/>
+          <p:cNvPr id="166" name="CustomShape 11"/>
           <p:cNvSpPr/>
           <p:nvPr/>
         </p:nvSpPr>
         <p:spPr>
           <a:xfrm>
             <a:off x="395640" y="2484360"/>
-            <a:ext cx="287640" cy="215640"/>
+            <a:ext cx="287280" cy="215280"/>
           </a:xfrm>
           <a:prstGeom prst="heart">
             <a:avLst/>
@@ -9868,14 +9770,14 @@
       </p:sp>
       <p:sp>
         <p:nvSpPr>
-          <p:cNvPr id="173" name="CustomShape 12"/>
+          <p:cNvPr id="167" name="CustomShape 12"/>
           <p:cNvSpPr/>
           <p:nvPr/>
         </p:nvSpPr>
         <p:spPr>
           <a:xfrm>
             <a:off x="754200" y="2090880"/>
-            <a:ext cx="287640" cy="359640"/>
+            <a:ext cx="287280" cy="359280"/>
           </a:xfrm>
           <a:prstGeom prst="smileyFace">
             <a:avLst>
@@ -9911,14 +9813,14 @@
       </p:sp>
       <p:sp>
         <p:nvSpPr>
-          <p:cNvPr id="174" name="CustomShape 13"/>
+          <p:cNvPr id="168" name="CustomShape 13"/>
           <p:cNvSpPr/>
           <p:nvPr/>
         </p:nvSpPr>
         <p:spPr>
           <a:xfrm>
             <a:off x="754200" y="2523240"/>
-            <a:ext cx="287640" cy="215640"/>
+            <a:ext cx="287280" cy="215280"/>
           </a:xfrm>
           <a:prstGeom prst="heart">
             <a:avLst/>
@@ -9952,14 +9854,14 @@
       </p:sp>
       <p:sp>
         <p:nvSpPr>
-          <p:cNvPr id="175" name="CustomShape 14"/>
+          <p:cNvPr id="169" name="CustomShape 14"/>
           <p:cNvSpPr/>
           <p:nvPr/>
         </p:nvSpPr>
         <p:spPr>
           <a:xfrm>
             <a:off x="547920" y="2205000"/>
-            <a:ext cx="287640" cy="359640"/>
+            <a:ext cx="287280" cy="359280"/>
           </a:xfrm>
           <a:prstGeom prst="smileyFace">
             <a:avLst>
@@ -9995,14 +9897,14 @@
       </p:sp>
       <p:sp>
         <p:nvSpPr>
-          <p:cNvPr id="176" name="CustomShape 15"/>
+          <p:cNvPr id="170" name="CustomShape 15"/>
           <p:cNvSpPr/>
           <p:nvPr/>
         </p:nvSpPr>
         <p:spPr>
           <a:xfrm>
             <a:off x="547920" y="2637000"/>
-            <a:ext cx="287640" cy="215640"/>
+            <a:ext cx="287280" cy="215280"/>
           </a:xfrm>
           <a:prstGeom prst="heart">
             <a:avLst/>
@@ -10036,14 +9938,14 @@
       </p:sp>
       <p:sp>
         <p:nvSpPr>
-          <p:cNvPr id="177" name="CustomShape 16"/>
+          <p:cNvPr id="171" name="CustomShape 16"/>
           <p:cNvSpPr/>
           <p:nvPr/>
         </p:nvSpPr>
         <p:spPr>
           <a:xfrm>
             <a:off x="7396560" y="3005280"/>
-            <a:ext cx="935640" cy="1218240"/>
+            <a:ext cx="935280" cy="1217880"/>
           </a:xfrm>
           <a:prstGeom prst="can">
             <a:avLst>
@@ -10079,14 +9981,14 @@
       </p:sp>
       <p:sp>
         <p:nvSpPr>
-          <p:cNvPr id="178" name="CustomShape 17"/>
+          <p:cNvPr id="172" name="CustomShape 17"/>
           <p:cNvSpPr/>
           <p:nvPr/>
         </p:nvSpPr>
         <p:spPr>
           <a:xfrm>
             <a:off x="6516360" y="3721320"/>
-            <a:ext cx="719640" cy="316080"/>
+            <a:ext cx="719280" cy="315720"/>
           </a:xfrm>
           <a:prstGeom prst="lightningBolt">
             <a:avLst/>
@@ -10120,14 +10022,14 @@
       </p:sp>
       <p:sp>
         <p:nvSpPr>
-          <p:cNvPr id="179" name="CustomShape 18"/>
+          <p:cNvPr id="173" name="CustomShape 18"/>
           <p:cNvSpPr/>
           <p:nvPr/>
         </p:nvSpPr>
         <p:spPr>
           <a:xfrm>
             <a:off x="1821960" y="3173040"/>
-            <a:ext cx="500400" cy="365400"/>
+            <a:ext cx="500040" cy="365040"/>
           </a:xfrm>
           <a:prstGeom prst="lightningBolt">
             <a:avLst/>
@@ -10161,14 +10063,14 @@
       </p:sp>
       <p:sp>
         <p:nvSpPr>
-          <p:cNvPr id="180" name="CustomShape 19"/>
+          <p:cNvPr id="174" name="CustomShape 19"/>
           <p:cNvSpPr/>
           <p:nvPr/>
         </p:nvSpPr>
         <p:spPr>
           <a:xfrm>
             <a:off x="1758240" y="3538440"/>
-            <a:ext cx="500400" cy="365400"/>
+            <a:ext cx="500040" cy="365040"/>
           </a:xfrm>
           <a:prstGeom prst="lightningBolt">
             <a:avLst/>
@@ -10202,14 +10104,14 @@
       </p:sp>
       <p:sp>
         <p:nvSpPr>
-          <p:cNvPr id="181" name="CustomShape 20"/>
+          <p:cNvPr id="175" name="CustomShape 20"/>
           <p:cNvSpPr/>
           <p:nvPr/>
         </p:nvSpPr>
         <p:spPr>
           <a:xfrm>
             <a:off x="1758240" y="3947760"/>
-            <a:ext cx="500400" cy="365400"/>
+            <a:ext cx="500040" cy="365040"/>
           </a:xfrm>
           <a:prstGeom prst="lightningBolt">
             <a:avLst/>
@@ -10243,14 +10145,14 @@
       </p:sp>
       <p:sp>
         <p:nvSpPr>
-          <p:cNvPr id="182" name="CustomShape 21"/>
+          <p:cNvPr id="176" name="CustomShape 21"/>
           <p:cNvSpPr/>
           <p:nvPr/>
         </p:nvSpPr>
         <p:spPr>
           <a:xfrm>
             <a:off x="2483640" y="1340640"/>
-            <a:ext cx="2904840" cy="647640"/>
+            <a:ext cx="2904480" cy="647280"/>
           </a:xfrm>
           <a:prstGeom prst="roundRect">
             <a:avLst>
@@ -10287,6 +10189,7 @@
                   <a:srgbClr val="ce181e"/>
                 </a:solidFill>
                 <a:latin typeface="Calibri"/>
+                <a:ea typeface="DejaVu Sans"/>
               </a:rPr>
               <a:t>backEnd_REST</a:t>
             </a:r>
@@ -10296,6 +10199,7 @@
                   <a:srgbClr val="c00000"/>
                 </a:solidFill>
                 <a:latin typeface="Calibri"/>
+                <a:ea typeface="DejaVu Sans"/>
               </a:rPr>
               <a:t> </a:t>
             </a:r>
@@ -10305,6 +10209,7 @@
                   <a:srgbClr val="000000"/>
                 </a:solidFill>
                 <a:latin typeface="Calibri"/>
+                <a:ea typeface="DejaVu Sans"/>
               </a:rPr>
               <a:t>(</a:t>
             </a:r>
@@ -10314,6 +10219,7 @@
                   <a:srgbClr val="182f7c"/>
                 </a:solidFill>
                 <a:latin typeface="Calibri"/>
+                <a:ea typeface="DejaVu Sans"/>
               </a:rPr>
               <a:t>springBoot</a:t>
             </a:r>
@@ -10323,6 +10229,7 @@
                   <a:srgbClr val="000000"/>
                 </a:solidFill>
                 <a:latin typeface="Calibri"/>
+                <a:ea typeface="DejaVu Sans"/>
               </a:rPr>
               <a:t> ou </a:t>
             </a:r>
@@ -10332,6 +10239,7 @@
                   <a:srgbClr val="182f7c"/>
                 </a:solidFill>
                 <a:latin typeface="Calibri"/>
+                <a:ea typeface="DejaVu Sans"/>
               </a:rPr>
               <a:t>nodeJs</a:t>
             </a:r>
@@ -10341,6 +10249,7 @@
                   <a:srgbClr val="000000"/>
                 </a:solidFill>
                 <a:latin typeface="Calibri"/>
+                <a:ea typeface="DejaVu Sans"/>
               </a:rPr>
               <a:t> ou ...)</a:t>
             </a:r>
@@ -10352,14 +10261,14 @@
       </p:sp>
       <p:sp>
         <p:nvSpPr>
-          <p:cNvPr id="183" name="CustomShape 22"/>
+          <p:cNvPr id="177" name="CustomShape 22"/>
           <p:cNvSpPr/>
           <p:nvPr/>
         </p:nvSpPr>
         <p:spPr>
           <a:xfrm flipH="1">
-            <a:off x="4477680" y="1917000"/>
-            <a:ext cx="742320" cy="827640"/>
+            <a:off x="4476960" y="1917000"/>
+            <a:ext cx="741960" cy="827280"/>
           </a:xfrm>
           <a:custGeom>
             <a:avLst/>
@@ -10401,14 +10310,14 @@
       </p:sp>
       <p:sp>
         <p:nvSpPr>
-          <p:cNvPr id="184" name="CustomShape 23"/>
+          <p:cNvPr id="178" name="CustomShape 23"/>
           <p:cNvSpPr/>
           <p:nvPr/>
         </p:nvSpPr>
         <p:spPr>
           <a:xfrm>
             <a:off x="1779480" y="2205000"/>
-            <a:ext cx="585000" cy="913320"/>
+            <a:ext cx="584640" cy="912960"/>
           </a:xfrm>
           <a:prstGeom prst="rect">
             <a:avLst/>
@@ -10438,6 +10347,7 @@
                   <a:srgbClr val="0070c0"/>
                 </a:solidFill>
                 <a:latin typeface="Calibri"/>
+                <a:ea typeface="DejaVu Sans"/>
               </a:rPr>
               <a:t>http</a:t>
             </a:r>
@@ -10448,6 +10358,7 @@
                   <a:srgbClr val="000000"/>
                 </a:solidFill>
                 <a:latin typeface="Calibri"/>
+                <a:ea typeface="DejaVu Sans"/>
               </a:rPr>
               <a:t>&amp; </a:t>
             </a:r>
@@ -10467,6 +10378,7 @@
                   <a:srgbClr val="c00000"/>
                 </a:solidFill>
                 <a:latin typeface="Calibri"/>
+                <a:ea typeface="DejaVu Sans"/>
               </a:rPr>
               <a:t>ajax</a:t>
             </a:r>
@@ -10478,14 +10390,14 @@
       </p:sp>
       <p:sp>
         <p:nvSpPr>
-          <p:cNvPr id="185" name="CustomShape 24"/>
+          <p:cNvPr id="179" name="CustomShape 24"/>
           <p:cNvSpPr/>
           <p:nvPr/>
         </p:nvSpPr>
         <p:spPr>
           <a:xfrm>
             <a:off x="216000" y="5760000"/>
-            <a:ext cx="1512000" cy="1008000"/>
+            <a:ext cx="1511640" cy="1007640"/>
           </a:xfrm>
           <a:prstGeom prst="ellipse">
             <a:avLst/>
@@ -10508,10 +10420,18 @@
         <p:txBody>
           <a:bodyPr wrap="none" lIns="90000" rIns="90000" tIns="45000" bIns="45000" anchor="ctr"/>
           <a:p>
-            <a:pPr algn="ctr"/>
+            <a:pPr algn="ctr">
+              <a:lnSpc>
+                <a:spcPct val="100000"/>
+              </a:lnSpc>
+            </a:pPr>
             <a:r>
               <a:rPr b="0" lang="fr-FR" sz="1800" spc="-1" strike="noStrike">
+                <a:solidFill>
+                  <a:srgbClr val="000000"/>
+                </a:solidFill>
                 <a:latin typeface="Arial"/>
+                <a:ea typeface="DejaVu Sans"/>
               </a:rPr>
               <a:t>rendu coté</a:t>
             </a:r>
@@ -10520,10 +10440,18 @@
             </a:endParaRPr>
           </a:p>
           <a:p>
-            <a:pPr algn="ctr"/>
+            <a:pPr algn="ctr">
+              <a:lnSpc>
+                <a:spcPct val="100000"/>
+              </a:lnSpc>
+            </a:pPr>
             <a:r>
               <a:rPr b="0" lang="fr-FR" sz="1800" spc="-1" strike="noStrike">
+                <a:solidFill>
+                  <a:srgbClr val="000000"/>
+                </a:solidFill>
                 <a:latin typeface="Arial"/>
+                <a:ea typeface="DejaVu Sans"/>
               </a:rPr>
               <a:t>client (DOM)</a:t>
             </a:r>
@@ -10535,14 +10463,14 @@
       </p:sp>
       <p:sp>
         <p:nvSpPr>
-          <p:cNvPr id="186" name="CustomShape 25"/>
+          <p:cNvPr id="180" name="CustomShape 25"/>
           <p:cNvSpPr/>
           <p:nvPr/>
         </p:nvSpPr>
         <p:spPr>
           <a:xfrm>
             <a:off x="1944000" y="5760000"/>
-            <a:ext cx="1512000" cy="1008000"/>
+            <a:ext cx="1511640" cy="1007640"/>
           </a:xfrm>
           <a:prstGeom prst="ellipse">
             <a:avLst/>
@@ -10565,10 +10493,18 @@
         <p:txBody>
           <a:bodyPr wrap="none" lIns="90000" rIns="90000" tIns="45000" bIns="45000" anchor="ctr"/>
           <a:p>
-            <a:pPr algn="ctr"/>
+            <a:pPr algn="ctr">
+              <a:lnSpc>
+                <a:spcPct val="100000"/>
+              </a:lnSpc>
+            </a:pPr>
             <a:r>
               <a:rPr b="0" lang="fr-FR" sz="1800" spc="-1" strike="noStrike">
+                <a:solidFill>
+                  <a:srgbClr val="000000"/>
+                </a:solidFill>
                 <a:latin typeface="Arial"/>
+                <a:ea typeface="DejaVu Sans"/>
               </a:rPr>
               <a:t>Stateless</a:t>
             </a:r>
@@ -10577,10 +10513,18 @@
             </a:endParaRPr>
           </a:p>
           <a:p>
-            <a:pPr algn="ctr"/>
+            <a:pPr algn="ctr">
+              <a:lnSpc>
+                <a:spcPct val="100000"/>
+              </a:lnSpc>
+            </a:pPr>
             <a:r>
               <a:rPr b="0" lang="fr-FR" sz="1800" spc="-1" strike="noStrike">
+                <a:solidFill>
+                  <a:srgbClr val="000000"/>
+                </a:solidFill>
                 <a:latin typeface="Arial"/>
+                <a:ea typeface="DejaVu Sans"/>
               </a:rPr>
               <a:t>avec DTO</a:t>
             </a:r>
@@ -10589,10 +10533,18 @@
             </a:endParaRPr>
           </a:p>
           <a:p>
-            <a:pPr algn="ctr"/>
+            <a:pPr algn="ctr">
+              <a:lnSpc>
+                <a:spcPct val="100000"/>
+              </a:lnSpc>
+            </a:pPr>
             <a:r>
               <a:rPr b="0" lang="fr-FR" sz="1800" spc="-1" strike="noStrike">
+                <a:solidFill>
+                  <a:srgbClr val="000000"/>
+                </a:solidFill>
                 <a:latin typeface="Arial"/>
+                <a:ea typeface="DejaVu Sans"/>
               </a:rPr>
               <a:t>JSON</a:t>
             </a:r>
@@ -10604,7 +10556,7 @@
       </p:sp>
       <p:sp>
         <p:nvSpPr>
-          <p:cNvPr id="187" name="Line 26"/>
+          <p:cNvPr id="181" name="Line 26"/>
           <p:cNvSpPr/>
           <p:nvPr/>
         </p:nvSpPr>
@@ -10632,14 +10584,14 @@
       </p:sp>
       <p:sp>
         <p:nvSpPr>
-          <p:cNvPr id="188" name="Line 27"/>
+          <p:cNvPr id="182" name="Line 27"/>
           <p:cNvSpPr/>
           <p:nvPr/>
         </p:nvSpPr>
         <p:spPr>
           <a:xfrm flipV="1">
             <a:off x="288000" y="4824000"/>
-            <a:ext cx="0" cy="1152000"/>
+            <a:ext cx="360" cy="1152000"/>
           </a:xfrm>
           <a:prstGeom prst="line">
             <a:avLst/>
@@ -10709,14 +10661,14 @@
       </p:grpSpPr>
       <p:sp>
         <p:nvSpPr>
-          <p:cNvPr id="189" name="TextShape 1"/>
-          <p:cNvSpPr txBox="1"/>
+          <p:cNvPr id="183" name="CustomShape 1"/>
+          <p:cNvSpPr/>
           <p:nvPr/>
         </p:nvSpPr>
         <p:spPr>
           <a:xfrm>
             <a:off x="2149200" y="144000"/>
-            <a:ext cx="6418800" cy="864000"/>
+            <a:ext cx="6418440" cy="863640"/>
           </a:xfrm>
           <a:prstGeom prst="rect">
             <a:avLst/>
@@ -10726,8 +10678,14 @@
             <a:noFill/>
           </a:ln>
         </p:spPr>
-        <p:txBody>
-          <a:bodyPr anchor="ctr"/>
+        <p:style>
+          <a:lnRef idx="0"/>
+          <a:fillRef idx="0"/>
+          <a:effectRef idx="0"/>
+          <a:fontRef idx="minor"/>
+        </p:style>
+        <p:txBody>
+          <a:bodyPr lIns="90000" rIns="90000" tIns="45000" bIns="45000" anchor="ctr"/>
           <a:p>
             <a:pPr algn="ctr">
               <a:lnSpc>
@@ -10745,24 +10703,21 @@
               <a:t>Autres clients pour backEnd-rest</a:t>
             </a:r>
             <a:endParaRPr b="0" lang="fr-FR" sz="3600" spc="-1" strike="noStrike">
-              <a:solidFill>
-                <a:srgbClr val="000000"/>
-              </a:solidFill>
-              <a:latin typeface="Calibri"/>
-            </a:endParaRPr>
-          </a:p>
-        </p:txBody>
-      </p:sp>
-      <p:sp>
-        <p:nvSpPr>
-          <p:cNvPr id="190" name="CustomShape 2"/>
+              <a:latin typeface="Arial"/>
+            </a:endParaRPr>
+          </a:p>
+        </p:txBody>
+      </p:sp>
+      <p:sp>
+        <p:nvSpPr>
+          <p:cNvPr id="184" name="CustomShape 2"/>
           <p:cNvSpPr/>
           <p:nvPr/>
         </p:nvSpPr>
         <p:spPr>
           <a:xfrm>
             <a:off x="171000" y="3833640"/>
-            <a:ext cx="1578240" cy="1310040"/>
+            <a:ext cx="1577880" cy="1309680"/>
           </a:xfrm>
           <a:prstGeom prst="rect">
             <a:avLst/>
@@ -10829,6 +10784,7 @@
                   <a:srgbClr val="c00000"/>
                 </a:solidFill>
                 <a:latin typeface="Calibri"/>
+                <a:ea typeface="DejaVu Sans"/>
               </a:rPr>
               <a:t>java</a:t>
             </a:r>
@@ -10839,6 +10795,7 @@
                   <a:srgbClr val="000000"/>
                 </a:solidFill>
                 <a:latin typeface="Calibri"/>
+                <a:ea typeface="DejaVu Sans"/>
               </a:rPr>
               <a:t>+</a:t>
             </a:r>
@@ -10848,6 +10805,7 @@
                   <a:srgbClr val="c00000"/>
                 </a:solidFill>
                 <a:latin typeface="Calibri"/>
+                <a:ea typeface="DejaVu Sans"/>
               </a:rPr>
               <a:t> api android</a:t>
             </a:r>
@@ -10867,6 +10825,7 @@
                   <a:srgbClr val="000000"/>
                 </a:solidFill>
                 <a:latin typeface="Calibri"/>
+                <a:ea typeface="DejaVu Sans"/>
               </a:rPr>
               <a:t>+ </a:t>
             </a:r>
@@ -10876,6 +10835,7 @@
                   <a:srgbClr val="000000"/>
                 </a:solidFill>
                 <a:latin typeface="Calibri"/>
+                <a:ea typeface="DejaVu Sans"/>
               </a:rPr>
               <a:t>appels de web services</a:t>
             </a:r>
@@ -10887,14 +10847,14 @@
       </p:sp>
       <p:sp>
         <p:nvSpPr>
-          <p:cNvPr id="191" name="CustomShape 3"/>
+          <p:cNvPr id="185" name="CustomShape 3"/>
           <p:cNvSpPr/>
           <p:nvPr/>
         </p:nvSpPr>
         <p:spPr>
           <a:xfrm>
             <a:off x="146880" y="5316120"/>
-            <a:ext cx="1165680" cy="1187640"/>
+            <a:ext cx="1165320" cy="1187280"/>
           </a:xfrm>
           <a:prstGeom prst="rect">
             <a:avLst/>
@@ -10924,6 +10884,7 @@
                   <a:srgbClr val="000000"/>
                 </a:solidFill>
                 <a:latin typeface="Calibri"/>
+                <a:ea typeface="DejaVu Sans"/>
               </a:rPr>
               <a:t>Appli </a:t>
             </a:r>
@@ -10934,6 +10895,7 @@
                   <a:srgbClr val="000000"/>
                 </a:solidFill>
                 <a:latin typeface="Calibri"/>
+                <a:ea typeface="DejaVu Sans"/>
               </a:rPr>
               <a:t>android</a:t>
             </a:r>
@@ -10953,6 +10915,7 @@
                   <a:srgbClr val="000000"/>
                 </a:solidFill>
                 <a:latin typeface="Calibri"/>
+                <a:ea typeface="DejaVu Sans"/>
               </a:rPr>
               <a:t>ou …</a:t>
             </a:r>
@@ -10964,14 +10927,14 @@
       </p:sp>
       <p:sp>
         <p:nvSpPr>
-          <p:cNvPr id="192" name="CustomShape 4"/>
+          <p:cNvPr id="186" name="CustomShape 4"/>
           <p:cNvSpPr/>
           <p:nvPr/>
         </p:nvSpPr>
         <p:spPr>
           <a:xfrm>
             <a:off x="1846800" y="2562120"/>
-            <a:ext cx="500400" cy="365400"/>
+            <a:ext cx="500040" cy="365040"/>
           </a:xfrm>
           <a:prstGeom prst="lightningBolt">
             <a:avLst/>
@@ -11005,14 +10968,14 @@
       </p:sp>
       <p:sp>
         <p:nvSpPr>
-          <p:cNvPr id="193" name="CustomShape 5"/>
+          <p:cNvPr id="187" name="CustomShape 5"/>
           <p:cNvSpPr/>
           <p:nvPr/>
         </p:nvSpPr>
         <p:spPr>
           <a:xfrm>
             <a:off x="1846800" y="4217400"/>
-            <a:ext cx="500400" cy="365400"/>
+            <a:ext cx="500040" cy="365040"/>
           </a:xfrm>
           <a:prstGeom prst="lightningBolt">
             <a:avLst/>
@@ -11046,14 +11009,14 @@
       </p:sp>
       <p:sp>
         <p:nvSpPr>
-          <p:cNvPr id="194" name="CustomShape 6"/>
+          <p:cNvPr id="188" name="CustomShape 6"/>
           <p:cNvSpPr/>
           <p:nvPr/>
         </p:nvSpPr>
         <p:spPr>
           <a:xfrm>
             <a:off x="1846800" y="4647240"/>
-            <a:ext cx="500400" cy="365400"/>
+            <a:ext cx="500040" cy="365040"/>
           </a:xfrm>
           <a:prstGeom prst="lightningBolt">
             <a:avLst/>
@@ -11087,14 +11050,14 @@
       </p:sp>
       <p:sp>
         <p:nvSpPr>
-          <p:cNvPr id="195" name="CustomShape 7"/>
+          <p:cNvPr id="189" name="CustomShape 7"/>
           <p:cNvSpPr/>
           <p:nvPr/>
         </p:nvSpPr>
         <p:spPr>
           <a:xfrm>
             <a:off x="1811880" y="3649320"/>
-            <a:ext cx="569880" cy="364680"/>
+            <a:ext cx="569520" cy="364320"/>
           </a:xfrm>
           <a:prstGeom prst="rect">
             <a:avLst/>
@@ -11124,6 +11087,7 @@
                   <a:srgbClr val="0070c0"/>
                 </a:solidFill>
                 <a:latin typeface="Calibri"/>
+                <a:ea typeface="DejaVu Sans"/>
               </a:rPr>
               <a:t>http</a:t>
             </a:r>
@@ -11135,14 +11099,14 @@
       </p:sp>
       <p:sp>
         <p:nvSpPr>
-          <p:cNvPr id="196" name="CustomShape 8"/>
+          <p:cNvPr id="190" name="CustomShape 8"/>
           <p:cNvSpPr/>
           <p:nvPr/>
         </p:nvSpPr>
         <p:spPr>
           <a:xfrm>
             <a:off x="213480" y="934560"/>
-            <a:ext cx="1578240" cy="1614960"/>
+            <a:ext cx="1577880" cy="1614600"/>
           </a:xfrm>
           <a:prstGeom prst="rect">
             <a:avLst/>
@@ -11209,6 +11173,7 @@
                   <a:srgbClr val="c00000"/>
                 </a:solidFill>
                 <a:latin typeface="Calibri"/>
+                <a:ea typeface="DejaVu Sans"/>
               </a:rPr>
               <a:t>java</a:t>
             </a:r>
@@ -11219,6 +11184,7 @@
                   <a:srgbClr val="000000"/>
                 </a:solidFill>
                 <a:latin typeface="Calibri"/>
+                <a:ea typeface="DejaVu Sans"/>
               </a:rPr>
               <a:t>+</a:t>
             </a:r>
@@ -11228,6 +11194,7 @@
                   <a:srgbClr val="c00000"/>
                 </a:solidFill>
                 <a:latin typeface="Calibri"/>
+                <a:ea typeface="DejaVu Sans"/>
               </a:rPr>
               <a:t> api swing</a:t>
             </a:r>
@@ -11247,6 +11214,7 @@
                   <a:srgbClr val="000000"/>
                 </a:solidFill>
                 <a:latin typeface="Calibri"/>
+                <a:ea typeface="DejaVu Sans"/>
               </a:rPr>
               <a:t>ou</a:t>
             </a:r>
@@ -11256,6 +11224,7 @@
                   <a:srgbClr val="c00000"/>
                 </a:solidFill>
                 <a:latin typeface="Calibri"/>
+                <a:ea typeface="DejaVu Sans"/>
               </a:rPr>
               <a:t> javaFx</a:t>
             </a:r>
@@ -11275,6 +11244,7 @@
                   <a:srgbClr val="000000"/>
                 </a:solidFill>
                 <a:latin typeface="Calibri"/>
+                <a:ea typeface="DejaVu Sans"/>
               </a:rPr>
               <a:t>+ </a:t>
             </a:r>
@@ -11284,6 +11254,7 @@
                   <a:srgbClr val="000000"/>
                 </a:solidFill>
                 <a:latin typeface="Calibri"/>
+                <a:ea typeface="DejaVu Sans"/>
               </a:rPr>
               <a:t>appels de web services</a:t>
             </a:r>
@@ -11295,14 +11266,14 @@
       </p:sp>
       <p:sp>
         <p:nvSpPr>
-          <p:cNvPr id="197" name="CustomShape 9"/>
+          <p:cNvPr id="191" name="CustomShape 9"/>
           <p:cNvSpPr/>
           <p:nvPr/>
         </p:nvSpPr>
         <p:spPr>
           <a:xfrm>
             <a:off x="213480" y="2493000"/>
-            <a:ext cx="1765800" cy="821880"/>
+            <a:ext cx="1765440" cy="821520"/>
           </a:xfrm>
           <a:prstGeom prst="rect">
             <a:avLst/>
@@ -11332,6 +11303,7 @@
                   <a:srgbClr val="000000"/>
                 </a:solidFill>
                 <a:latin typeface="Calibri"/>
+                <a:ea typeface="DejaVu Sans"/>
               </a:rPr>
               <a:t>Appli PC</a:t>
             </a:r>
@@ -11342,6 +11314,7 @@
                   <a:srgbClr val="000000"/>
                 </a:solidFill>
                 <a:latin typeface="Calibri"/>
+                <a:ea typeface="DejaVu Sans"/>
               </a:rPr>
               <a:t>(client lourd)</a:t>
             </a:r>
@@ -11353,14 +11326,14 @@
       </p:sp>
       <p:sp>
         <p:nvSpPr>
-          <p:cNvPr id="198" name="CustomShape 10"/>
+          <p:cNvPr id="192" name="CustomShape 10"/>
           <p:cNvSpPr/>
           <p:nvPr/>
         </p:nvSpPr>
         <p:spPr>
           <a:xfrm>
             <a:off x="1830600" y="2098080"/>
-            <a:ext cx="500400" cy="365400"/>
+            <a:ext cx="500040" cy="365040"/>
           </a:xfrm>
           <a:prstGeom prst="lightningBolt">
             <a:avLst/>
@@ -11394,14 +11367,14 @@
       </p:sp>
       <p:sp>
         <p:nvSpPr>
-          <p:cNvPr id="199" name="CustomShape 11"/>
+          <p:cNvPr id="193" name="CustomShape 11"/>
           <p:cNvSpPr/>
           <p:nvPr/>
         </p:nvSpPr>
         <p:spPr>
           <a:xfrm>
             <a:off x="2409480" y="2558520"/>
-            <a:ext cx="3960000" cy="2651040"/>
+            <a:ext cx="3959640" cy="2650680"/>
           </a:xfrm>
           <a:prstGeom prst="roundRect">
             <a:avLst>
@@ -11437,14 +11410,14 @@
       </p:sp>
       <p:sp>
         <p:nvSpPr>
-          <p:cNvPr id="200" name="CustomShape 12"/>
+          <p:cNvPr id="194" name="CustomShape 12"/>
           <p:cNvSpPr/>
           <p:nvPr/>
         </p:nvSpPr>
         <p:spPr>
           <a:xfrm>
             <a:off x="4475520" y="3112920"/>
-            <a:ext cx="1822320" cy="1736280"/>
+            <a:ext cx="1821960" cy="1735920"/>
           </a:xfrm>
           <a:prstGeom prst="rect">
             <a:avLst/>
@@ -11492,7 +11465,11 @@
             </a:pPr>
             <a:r>
               <a:rPr b="0" lang="fr-FR" sz="1800" spc="-1" strike="noStrike">
-                <a:latin typeface="Calibri"/>
+                <a:solidFill>
+                  <a:srgbClr val="000000"/>
+                </a:solidFill>
+                <a:latin typeface="Calibri"/>
+                <a:ea typeface="DejaVu Sans"/>
               </a:rPr>
               <a:t>Eventuelles transactions </a:t>
             </a:r>
@@ -11512,6 +11489,7 @@
                   <a:srgbClr val="000000"/>
                 </a:solidFill>
                 <a:latin typeface="Calibri"/>
+                <a:ea typeface="DejaVu Sans"/>
               </a:rPr>
               <a:t>---------------------</a:t>
             </a:r>
@@ -11527,7 +11505,11 @@
             </a:pPr>
             <a:r>
               <a:rPr b="0" lang="fr-FR" sz="1800" spc="-1" strike="noStrike">
-                <a:latin typeface="Calibri"/>
+                <a:solidFill>
+                  <a:srgbClr val="000000"/>
+                </a:solidFill>
+                <a:latin typeface="Calibri"/>
+                <a:ea typeface="DejaVu Sans"/>
               </a:rPr>
               <a:t>Eventuel ORM</a:t>
             </a:r>
@@ -11547,6 +11529,7 @@
                   <a:srgbClr val="000000"/>
                 </a:solidFill>
                 <a:latin typeface="Calibri"/>
+                <a:ea typeface="DejaVu Sans"/>
               </a:rPr>
               <a:t>----------------------</a:t>
             </a:r>
@@ -11566,6 +11549,7 @@
                   <a:srgbClr val="ce181e"/>
                 </a:solidFill>
                 <a:latin typeface="Calibri"/>
+                <a:ea typeface="DejaVu Sans"/>
               </a:rPr>
               <a:t>Persistance</a:t>
             </a:r>
@@ -11577,14 +11561,14 @@
       </p:sp>
       <p:sp>
         <p:nvSpPr>
-          <p:cNvPr id="201" name="CustomShape 13"/>
+          <p:cNvPr id="195" name="CustomShape 13"/>
           <p:cNvSpPr/>
           <p:nvPr/>
         </p:nvSpPr>
         <p:spPr>
           <a:xfrm>
             <a:off x="2589480" y="5252400"/>
-            <a:ext cx="4068000" cy="821880"/>
+            <a:ext cx="4067640" cy="821520"/>
           </a:xfrm>
           <a:prstGeom prst="rect">
             <a:avLst/>
@@ -11614,6 +11598,7 @@
                   <a:srgbClr val="000000"/>
                 </a:solidFill>
                 <a:latin typeface="Calibri"/>
+                <a:ea typeface="DejaVu Sans"/>
               </a:rPr>
               <a:t>Machine virtuelle java ou </a:t>
             </a:r>
@@ -11624,6 +11609,7 @@
                   <a:srgbClr val="000000"/>
                 </a:solidFill>
                 <a:latin typeface="Calibri"/>
+                <a:ea typeface="DejaVu Sans"/>
               </a:rPr>
               <a:t>nodeJs ou envPython ou ...</a:t>
             </a:r>
@@ -11635,14 +11621,14 @@
       </p:sp>
       <p:sp>
         <p:nvSpPr>
-          <p:cNvPr id="202" name="CustomShape 14"/>
+          <p:cNvPr id="196" name="CustomShape 14"/>
           <p:cNvSpPr/>
           <p:nvPr/>
         </p:nvSpPr>
         <p:spPr>
           <a:xfrm>
             <a:off x="7337520" y="4385520"/>
-            <a:ext cx="1583640" cy="912600"/>
+            <a:ext cx="1583280" cy="912240"/>
           </a:xfrm>
           <a:prstGeom prst="rect">
             <a:avLst/>
@@ -11694,6 +11680,7 @@
                   <a:srgbClr val="000000"/>
                 </a:solidFill>
                 <a:latin typeface="Calibri"/>
+                <a:ea typeface="DejaVu Sans"/>
               </a:rPr>
               <a:t>Scripts </a:t>
             </a:r>
@@ -11703,6 +11690,7 @@
                   <a:srgbClr val="000000"/>
                 </a:solidFill>
                 <a:latin typeface="Calibri"/>
+                <a:ea typeface="DejaVu Sans"/>
               </a:rPr>
               <a:t>SQL</a:t>
             </a:r>
@@ -11712,6 +11700,7 @@
                   <a:srgbClr val="000000"/>
                 </a:solidFill>
                 <a:latin typeface="Calibri"/>
+                <a:ea typeface="DejaVu Sans"/>
               </a:rPr>
               <a:t> </a:t>
             </a:r>
@@ -11722,6 +11711,7 @@
                   <a:srgbClr val="000000"/>
                 </a:solidFill>
                 <a:latin typeface="Calibri"/>
+                <a:ea typeface="DejaVu Sans"/>
               </a:rPr>
               <a:t>(</a:t>
             </a:r>
@@ -11731,6 +11721,7 @@
                   <a:srgbClr val="000000"/>
                 </a:solidFill>
                 <a:latin typeface="Calibri"/>
+                <a:ea typeface="DejaVu Sans"/>
               </a:rPr>
               <a:t>tables</a:t>
             </a:r>
@@ -11740,6 +11731,7 @@
                   <a:srgbClr val="000000"/>
                 </a:solidFill>
                 <a:latin typeface="Calibri"/>
+                <a:ea typeface="DejaVu Sans"/>
               </a:rPr>
               <a:t> , …) </a:t>
             </a:r>
@@ -11759,6 +11751,7 @@
                   <a:srgbClr val="000000"/>
                 </a:solidFill>
                 <a:latin typeface="Calibri"/>
+                <a:ea typeface="DejaVu Sans"/>
               </a:rPr>
               <a:t>ou ...</a:t>
             </a:r>
@@ -11770,14 +11763,14 @@
       </p:sp>
       <p:sp>
         <p:nvSpPr>
-          <p:cNvPr id="203" name="CustomShape 15"/>
+          <p:cNvPr id="197" name="CustomShape 15"/>
           <p:cNvSpPr/>
           <p:nvPr/>
         </p:nvSpPr>
         <p:spPr>
           <a:xfrm>
             <a:off x="7444440" y="5263200"/>
-            <a:ext cx="1478160" cy="1186920"/>
+            <a:ext cx="1477800" cy="1186560"/>
           </a:xfrm>
           <a:prstGeom prst="rect">
             <a:avLst/>
@@ -11807,6 +11800,7 @@
                   <a:srgbClr val="182f7c"/>
                 </a:solidFill>
                 <a:latin typeface="Calibri"/>
+                <a:ea typeface="DejaVu Sans"/>
               </a:rPr>
               <a:t>SGBDR</a:t>
             </a:r>
@@ -11817,6 +11811,7 @@
                   <a:srgbClr val="000000"/>
                 </a:solidFill>
                 <a:latin typeface="Calibri"/>
+                <a:ea typeface="DejaVu Sans"/>
               </a:rPr>
               <a:t>( </a:t>
             </a:r>
@@ -11826,6 +11821,7 @@
                   <a:srgbClr val="000000"/>
                 </a:solidFill>
                 <a:latin typeface="Calibri"/>
+                <a:ea typeface="DejaVu Sans"/>
               </a:rPr>
               <a:t>MySQL</a:t>
             </a:r>
@@ -11835,6 +11831,7 @@
                   <a:srgbClr val="000000"/>
                 </a:solidFill>
                 <a:latin typeface="Calibri"/>
+                <a:ea typeface="DejaVu Sans"/>
               </a:rPr>
               <a:t>,</a:t>
             </a:r>
@@ -11845,6 +11842,7 @@
                   <a:srgbClr val="000000"/>
                 </a:solidFill>
                 <a:latin typeface="Calibri"/>
+                <a:ea typeface="DejaVu Sans"/>
               </a:rPr>
               <a:t>…) ou </a:t>
             </a:r>
@@ -11854,6 +11852,7 @@
                   <a:srgbClr val="182f7c"/>
                 </a:solidFill>
                 <a:latin typeface="Calibri"/>
+                <a:ea typeface="DejaVu Sans"/>
               </a:rPr>
               <a:t>noSQL</a:t>
             </a:r>
@@ -11863,6 +11862,7 @@
                   <a:srgbClr val="000000"/>
                 </a:solidFill>
                 <a:latin typeface="Calibri"/>
+                <a:ea typeface="DejaVu Sans"/>
               </a:rPr>
               <a:t>(</a:t>
             </a:r>
@@ -11882,6 +11882,7 @@
                   <a:srgbClr val="000000"/>
                 </a:solidFill>
                 <a:latin typeface="Calibri"/>
+                <a:ea typeface="DejaVu Sans"/>
               </a:rPr>
               <a:t>MongoDB</a:t>
             </a:r>
@@ -11891,6 +11892,7 @@
                   <a:srgbClr val="000000"/>
                 </a:solidFill>
                 <a:latin typeface="Calibri"/>
+                <a:ea typeface="DejaVu Sans"/>
               </a:rPr>
               <a:t>, ...)</a:t>
             </a:r>
@@ -11902,14 +11904,14 @@
       </p:sp>
       <p:sp>
         <p:nvSpPr>
-          <p:cNvPr id="204" name="CustomShape 16"/>
+          <p:cNvPr id="198" name="CustomShape 16"/>
           <p:cNvSpPr/>
           <p:nvPr/>
         </p:nvSpPr>
         <p:spPr>
           <a:xfrm>
             <a:off x="2589840" y="2878920"/>
-            <a:ext cx="1800000" cy="2010600"/>
+            <a:ext cx="1799640" cy="2010240"/>
           </a:xfrm>
           <a:prstGeom prst="rect">
             <a:avLst/>
@@ -11954,6 +11956,7 @@
                   <a:srgbClr val="c00000"/>
                 </a:solidFill>
                 <a:latin typeface="Calibri"/>
+                <a:ea typeface="DejaVu Sans"/>
               </a:rPr>
               <a:t>Web_services</a:t>
             </a:r>
@@ -11964,6 +11967,7 @@
                   <a:srgbClr val="c00000"/>
                 </a:solidFill>
                 <a:latin typeface="Calibri"/>
+                <a:ea typeface="DejaVu Sans"/>
               </a:rPr>
               <a:t>REST </a:t>
             </a:r>
@@ -11973,6 +11977,7 @@
                   <a:srgbClr val="000000"/>
                 </a:solidFill>
                 <a:latin typeface="Calibri"/>
+                <a:ea typeface="DejaVu Sans"/>
               </a:rPr>
               <a:t>(Express/js</a:t>
             </a:r>
@@ -11992,6 +11997,7 @@
                   <a:srgbClr val="000000"/>
                 </a:solidFill>
                 <a:latin typeface="Calibri"/>
+                <a:ea typeface="DejaVu Sans"/>
               </a:rPr>
               <a:t>   </a:t>
             </a:r>
@@ -12001,6 +12007,7 @@
                   <a:srgbClr val="000000"/>
                 </a:solidFill>
                 <a:latin typeface="Calibri"/>
+                <a:ea typeface="DejaVu Sans"/>
               </a:rPr>
               <a:t>ou spring-mvc</a:t>
             </a:r>
@@ -12020,6 +12027,7 @@
                   <a:srgbClr val="000000"/>
                 </a:solidFill>
                 <a:latin typeface="Calibri"/>
+                <a:ea typeface="DejaVu Sans"/>
               </a:rPr>
               <a:t>    </a:t>
             </a:r>
@@ -12029,6 +12037,7 @@
                   <a:srgbClr val="000000"/>
                 </a:solidFill>
                 <a:latin typeface="Calibri"/>
+                <a:ea typeface="DejaVu Sans"/>
               </a:rPr>
               <a:t>ou JAX-RS</a:t>
             </a:r>
@@ -12048,6 +12057,7 @@
                   <a:srgbClr val="000000"/>
                 </a:solidFill>
                 <a:latin typeface="Calibri"/>
+                <a:ea typeface="DejaVu Sans"/>
               </a:rPr>
               <a:t>     </a:t>
             </a:r>
@@ -12057,6 +12067,7 @@
                   <a:srgbClr val="000000"/>
                 </a:solidFill>
                 <a:latin typeface="Calibri"/>
+                <a:ea typeface="DejaVu Sans"/>
               </a:rPr>
               <a:t>ou php </a:t>
             </a:r>
@@ -12076,6 +12087,7 @@
                   <a:srgbClr val="000000"/>
                 </a:solidFill>
                 <a:latin typeface="Calibri"/>
+                <a:ea typeface="DejaVu Sans"/>
               </a:rPr>
               <a:t>    </a:t>
             </a:r>
@@ -12085,6 +12097,7 @@
                   <a:srgbClr val="000000"/>
                 </a:solidFill>
                 <a:latin typeface="Calibri"/>
+                <a:ea typeface="DejaVu Sans"/>
               </a:rPr>
               <a:t>ou python </a:t>
             </a:r>
@@ -12104,6 +12117,7 @@
                   <a:srgbClr val="000000"/>
                 </a:solidFill>
                 <a:latin typeface="Calibri"/>
+                <a:ea typeface="DejaVu Sans"/>
               </a:rPr>
               <a:t>    </a:t>
             </a:r>
@@ -12113,6 +12127,7 @@
                   <a:srgbClr val="000000"/>
                 </a:solidFill>
                 <a:latin typeface="Calibri"/>
+                <a:ea typeface="DejaVu Sans"/>
               </a:rPr>
               <a:t>ou ....)</a:t>
             </a:r>
@@ -12124,14 +12139,14 @@
       </p:sp>
       <p:sp>
         <p:nvSpPr>
-          <p:cNvPr id="205" name="CustomShape 17"/>
+          <p:cNvPr id="199" name="CustomShape 17"/>
           <p:cNvSpPr/>
           <p:nvPr/>
         </p:nvSpPr>
         <p:spPr>
           <a:xfrm>
             <a:off x="7394400" y="2998800"/>
-            <a:ext cx="935640" cy="1218240"/>
+            <a:ext cx="935280" cy="1217880"/>
           </a:xfrm>
           <a:prstGeom prst="can">
             <a:avLst>
@@ -12167,14 +12182,14 @@
       </p:sp>
       <p:sp>
         <p:nvSpPr>
-          <p:cNvPr id="206" name="CustomShape 18"/>
+          <p:cNvPr id="200" name="CustomShape 18"/>
           <p:cNvSpPr/>
           <p:nvPr/>
         </p:nvSpPr>
         <p:spPr>
           <a:xfrm>
             <a:off x="6514200" y="3714840"/>
-            <a:ext cx="719640" cy="316080"/>
+            <a:ext cx="719280" cy="315720"/>
           </a:xfrm>
           <a:prstGeom prst="lightningBolt">
             <a:avLst/>
@@ -12208,14 +12223,14 @@
       </p:sp>
       <p:sp>
         <p:nvSpPr>
-          <p:cNvPr id="207" name="CustomShape 19"/>
+          <p:cNvPr id="201" name="CustomShape 19"/>
           <p:cNvSpPr/>
           <p:nvPr/>
         </p:nvSpPr>
         <p:spPr>
           <a:xfrm>
             <a:off x="2481480" y="1334160"/>
-            <a:ext cx="2904840" cy="647640"/>
+            <a:ext cx="2904480" cy="647280"/>
           </a:xfrm>
           <a:prstGeom prst="roundRect">
             <a:avLst>
@@ -12252,6 +12267,7 @@
                   <a:srgbClr val="ce181e"/>
                 </a:solidFill>
                 <a:latin typeface="Calibri"/>
+                <a:ea typeface="DejaVu Sans"/>
               </a:rPr>
               <a:t>backEnd_REST</a:t>
             </a:r>
@@ -12261,6 +12277,7 @@
                   <a:srgbClr val="c00000"/>
                 </a:solidFill>
                 <a:latin typeface="Calibri"/>
+                <a:ea typeface="DejaVu Sans"/>
               </a:rPr>
               <a:t> </a:t>
             </a:r>
@@ -12270,6 +12287,7 @@
                   <a:srgbClr val="000000"/>
                 </a:solidFill>
                 <a:latin typeface="Calibri"/>
+                <a:ea typeface="DejaVu Sans"/>
               </a:rPr>
               <a:t>(</a:t>
             </a:r>
@@ -12279,6 +12297,7 @@
                   <a:srgbClr val="182f7c"/>
                 </a:solidFill>
                 <a:latin typeface="Calibri"/>
+                <a:ea typeface="DejaVu Sans"/>
               </a:rPr>
               <a:t>springBoot</a:t>
             </a:r>
@@ -12288,6 +12307,7 @@
                   <a:srgbClr val="000000"/>
                 </a:solidFill>
                 <a:latin typeface="Calibri"/>
+                <a:ea typeface="DejaVu Sans"/>
               </a:rPr>
               <a:t> ou </a:t>
             </a:r>
@@ -12297,6 +12317,7 @@
                   <a:srgbClr val="182f7c"/>
                 </a:solidFill>
                 <a:latin typeface="Calibri"/>
+                <a:ea typeface="DejaVu Sans"/>
               </a:rPr>
               <a:t>nodeJs</a:t>
             </a:r>
@@ -12306,6 +12327,7 @@
                   <a:srgbClr val="000000"/>
                 </a:solidFill>
                 <a:latin typeface="Calibri"/>
+                <a:ea typeface="DejaVu Sans"/>
               </a:rPr>
               <a:t> ou ...)</a:t>
             </a:r>
@@ -12317,14 +12339,14 @@
       </p:sp>
       <p:sp>
         <p:nvSpPr>
-          <p:cNvPr id="208" name="CustomShape 20"/>
+          <p:cNvPr id="202" name="CustomShape 20"/>
           <p:cNvSpPr/>
           <p:nvPr/>
         </p:nvSpPr>
         <p:spPr>
           <a:xfrm flipH="1">
-            <a:off x="4475520" y="1910520"/>
-            <a:ext cx="742320" cy="827640"/>
+            <a:off x="4474800" y="1910520"/>
+            <a:ext cx="741960" cy="827280"/>
           </a:xfrm>
           <a:custGeom>
             <a:avLst/>
@@ -12366,14 +12388,14 @@
       </p:sp>
       <p:sp>
         <p:nvSpPr>
-          <p:cNvPr id="209" name="CustomShape 21"/>
+          <p:cNvPr id="203" name="CustomShape 21"/>
           <p:cNvSpPr/>
           <p:nvPr/>
         </p:nvSpPr>
         <p:spPr>
           <a:xfrm>
             <a:off x="5217480" y="2091600"/>
-            <a:ext cx="1036080" cy="364680"/>
+            <a:ext cx="1035720" cy="364320"/>
           </a:xfrm>
           <a:prstGeom prst="rect">
             <a:avLst/>
@@ -12403,6 +12425,7 @@
                   <a:srgbClr val="000000"/>
                 </a:solidFill>
                 <a:latin typeface="Calibri"/>
+                <a:ea typeface="DejaVu Sans"/>
               </a:rPr>
               <a:t>déployée</a:t>
             </a:r>
